--- a/dynamic programming/DP Nivel 0.pptx
+++ b/dynamic programming/DP Nivel 0.pptx
@@ -5,7 +5,7 @@
     <p:sldMasterId id="2147483648" r:id="rId1"/>
   </p:sldMasterIdLst>
   <p:notesMasterIdLst>
-    <p:notesMasterId r:id="rId21"/>
+    <p:notesMasterId r:id="rId30"/>
   </p:notesMasterIdLst>
   <p:sldIdLst>
     <p:sldId id="258" r:id="rId2"/>
@@ -26,7 +26,16 @@
     <p:sldId id="325" r:id="rId17"/>
     <p:sldId id="327" r:id="rId18"/>
     <p:sldId id="326" r:id="rId19"/>
-    <p:sldId id="291" r:id="rId20"/>
+    <p:sldId id="328" r:id="rId20"/>
+    <p:sldId id="330" r:id="rId21"/>
+    <p:sldId id="329" r:id="rId22"/>
+    <p:sldId id="331" r:id="rId23"/>
+    <p:sldId id="332" r:id="rId24"/>
+    <p:sldId id="333" r:id="rId25"/>
+    <p:sldId id="334" r:id="rId26"/>
+    <p:sldId id="335" r:id="rId27"/>
+    <p:sldId id="336" r:id="rId28"/>
+    <p:sldId id="291" r:id="rId29"/>
   </p:sldIdLst>
   <p:sldSz cx="9144000" cy="6858000" type="screen4x3"/>
   <p:notesSz cx="6858000" cy="9144000"/>
@@ -148,6 +157,15 @@
             <p14:sldId id="325"/>
             <p14:sldId id="327"/>
             <p14:sldId id="326"/>
+            <p14:sldId id="328"/>
+            <p14:sldId id="330"/>
+            <p14:sldId id="329"/>
+            <p14:sldId id="331"/>
+            <p14:sldId id="332"/>
+            <p14:sldId id="333"/>
+            <p14:sldId id="334"/>
+            <p14:sldId id="335"/>
+            <p14:sldId id="336"/>
           </p14:sldIdLst>
         </p14:section>
         <p14:section name="Sección sin título" id="{636F59BE-EF12-40DC-8BF3-0D895D6E77E4}">
@@ -175,6 +193,107 @@
 </p:presentation>
 </file>
 
+<file path=ppt/ink/ink1.xml><?xml version="1.0" encoding="utf-8"?>
+<inkml:ink xmlns:inkml="http://www.w3.org/2003/InkML">
+  <inkml:definitions>
+    <inkml:context xml:id="ctx0">
+      <inkml:inkSource xml:id="inkSrc0">
+        <inkml:traceFormat>
+          <inkml:channel name="X" type="integer" max="32767" units="cm"/>
+          <inkml:channel name="Y" type="integer" max="32767" units="cm"/>
+          <inkml:channel name="F" type="integer" max="4095" units="deg"/>
+          <inkml:channel name="T" type="integer" max="2.14748E9" units="dev"/>
+        </inkml:traceFormat>
+        <inkml:channelProperties>
+          <inkml:channelProperty channel="X" name="resolution" value="2155.72363" units="1/cm"/>
+          <inkml:channelProperty channel="Y" name="resolution" value="3449.15796" units="1/cm"/>
+          <inkml:channelProperty channel="F" name="resolution" value="11.375" units="1/deg"/>
+          <inkml:channelProperty channel="T" name="resolution" value="1" units="1/dev"/>
+        </inkml:channelProperties>
+      </inkml:inkSource>
+      <inkml:timestamp xml:id="ts0" timeString="2020-11-04T16:14:24.701"/>
+    </inkml:context>
+    <inkml:brush xml:id="br0">
+      <inkml:brushProperty name="width" value="0.05292" units="cm"/>
+      <inkml:brushProperty name="height" value="0.05292" units="cm"/>
+    </inkml:brush>
+  </inkml:definitions>
+  <inkml:trace contextRef="#ctx0" brushRef="#br0">10263 9626 856 0,'0'0'502'0,"0"0"-211"16,0 0-22-16,0 0-55 0,0 0 5 15,0 0-17-15,0 0-40 16,-67-44-25-16,44 43-13 15,-1-1-39-15,-9 2-16 16,-7 0-30-16,-2 0-18 16,-6 6-1-16,4 4-8 15,0 0 6-15,1 0 1 16,1 1-5-16,-3 6-2 16,3 3-3-16,4 4 1 15,0 4-4-15,7 4 5 16,2 2 12-16,7 4 6 15,-1 5-5-15,8 2 13 16,-1 4 13-16,3 2-4 16,2 4-8-16,0 0 1 15,2-4-9-15,0 3 6 0,4-2 7 16,1-1-7-16,4-1 2 16,0 0-7-16,0 4-2 15,0 2-7-15,0 5-2 16,2 5 5-16,-2 4 10 15,0 4 4-15,0 7-14 16,-9 0-10-16,-4 6-4 16,2 1 4-16,-6 2-2 15,5 2-5-15,-3 1 2 16,1-1-2-16,1-2-8 16,1-3 0-16,1-2 0 15,3 0 0-15,-4-3 0 16,2 2 0-16,0 1 0 0,-4 1 0 15,2-2 0-15,-5 0 0 16,2-2 0-16,-1-7 0 16,-1-5 0-16,1-8 0 15,0-4 0-15,-1-2 0 16,-1-2 0-16,-4-1 0 16,-1-3 0-16,1-2 0 15,-2-6 0-15,1-7 0 16,-1-4 0-16,-3-7 0 15,0-8 0-15,-2-7 0 16,-4-9 0-16,-1 0 0 16,3-5 0-16,-2-15 0 15,6-4 0-15,8-2 0 0,5 2 0 16,7-1 0 0,7 2 0-16,0-1 0 0,11 0 0 15,9 0 0-15,3 2 0 16,6 1 0-16,2 2 0 15,0 2 0-15,0 3 0 16,-2 7 0-16,-5 2 0 16,-1 5 0-16,-1 0 0 15,1 3 0-15,0 9 0 16,7 2 0-16,-4 4 0 16,-1 0 0-16,-2 4 0 15,-4 6 0-15,-3 4 0 16,-3 8 0-16,-1 4 0 15,-1 2 0-15,-5 4 0 0,-2 3 0 16,0-3 0-16,-4 4 0 16,0-2 0-16,0 0 0 15,0 2 0-15,0-2 0 16,-8 0 0-16,0 1 0 16,-1 0 0-16,1 1 0 15,4 3 0-15,-2-3 0 16,3 0 0-16,-1 0 0 15,2-2 0-15,-2 1 0 16,2-2 0-16,-2 0 0 16,2-1 0-16,0 0 0 0,0 0 0 15,0 4 0 1,-5 3 0-16,1 0 0 0,-6 2 0 16,0-1 0-16,3 1 0 15,-1 2 0-15,1-3 0 16,3 1 0-16,-1-5 0 15,3 1 0-15,-3 4 0 16,0-3 0-16,1 0 0 16,-1-2 0-16,0-2 0 15,2 1 0-15,1-6 0 16,0 3 0-16,-1-2 0 16,1 1 0-16,-2-1 0 15,-2 2 0-15,4-5 0 16,0 5 0-16,1-6 0 15,1 0 0-15,0 1 0 0,2 4 0 16,0-3 0 0,-3 6 0-16,2-6 0 0,1 3 0 15,0-3 0-15,0-2 0 16,0-5 0-16,0-2 0 16,0-3 0-16,1 2 0 15,6-4 0-15,2-2 0 16,3 7 0-16,-1-6 0 15,1 4 0-15,0 1 0 16,1-4 0-16,1 0 0 16,-1-2 0-16,3-4 0 15,4-2 0-15,4 2 0 0,10-4 0 16,3 0 0 0,8 2 0-16,2-2 0 0,2-1 0 15,0-4 0-15,0-6 0 16,-2-3 0-16,2-8 0 15,-4 0 0-15,-3 0 0 16,-6 0 0-16,-1-8 0 16,-6 3 0-16,-5 5 0 15,-3 0 0-15,-6 0 0 16,-3 0 0-16,-4-3 0 16,-3-7 0-16,1-8 0 15,-4-4-47-15,0-5-185 16,-2 0-124-16,-4 8-286 0,-11 7-960 15</inkml:trace>
+  <inkml:trace contextRef="#ctx0" brushRef="#br0" timeOffset="3183.05">1916 9739 1038 0,'0'0'755'16,"0"0"-401"-16,0 0-11 16,0 0-111-16,0 0-75 15,0 0-33-15,0 0-40 16,-2-36-21-16,-2 30-8 15,0-2-22-15,-3 0-25 16,1-2 8-16,-2 1-10 16,-3-2-5-16,1-1-1 15,-4-1-9-15,-2 5 0 0,0-3 8 16,-3 5 1-16,-1 2 1 16,-3 4 1-16,4 0 3 15,-2 4-5-15,3 19-1 16,3 8 0-16,1 15-5 15,3 13 6-15,2 27 8 16,0 24-2-16,3 24 7 16,-1-12-2-16,1-25-10 15,1-32 7-15,3-26-8 16,-1 3 1-16,3 0-1 16,-2 0 1-16,2-10-1 0,-2-7 1 15,-1-9 4-15,1-6-5 16,2-4-14-16,-2-5-34 15,2 2-22-15,-2-3 4 16,0 0-66-16,-1 0-65 16,2 0-61-16,-2 0-44 15,1-3-246-15,2-4-142 0</inkml:trace>
+  <inkml:trace contextRef="#ctx0" brushRef="#br0" timeOffset="3912.97">1546 10317 954 0,'0'0'504'16,"0"0"-171"-16,0 0 1 15,0 0-71-15,0 0-30 16,143 17-26-16,-95-8-20 16,-3-3-31-16,-4 2-65 15,-10 0-29-15,-9-2-25 16,-9 2-24-16,-3-5-5 0,-8 4-8 15,-2-3-41-15,0 0-68 16,0 0-106-16,0-2-130 16,0 0-370-16</inkml:trace>
+  <inkml:trace contextRef="#ctx0" brushRef="#br0" timeOffset="4580.01">2391 10533 1530 0,'0'0'572'0,"0"0"-334"0,0 0 59 16,0 0-89-16,0 0-38 16,0 0-77-16,0 0-54 15,0 0-22-15,-4 0-17 16,-3 0-122-16,2 0-185 16,-1 0-524-16</inkml:trace>
+  <inkml:trace contextRef="#ctx0" brushRef="#br0" timeOffset="4813.62">2452 10218 1846 0,'0'0'680'15,"0"0"-353"-15,0 0-72 16,0 0-111-16,0 0-76 16,0 0-68-16,0 0-24 15,0-6-209-15,0 19-367 16,0-1-704-16</inkml:trace>
+  <inkml:trace contextRef="#ctx0" brushRef="#br0" timeOffset="5654.12">2982 9912 834 0,'0'0'698'0,"0"0"-426"16,0 0-26-16,0 0-29 16,0 118 81-16,0-49-60 15,-16 10-49-15,-6 8-11 16,-3-1-39-16,-4-8-48 0,2-10-55 16,3-14-16-1,4-12-19-15,6-11-1 0,6-13-23 16,3-10-56-16,5-8-92 15,0 0-113-15,5-18-101 16,10-8 49-16,1-1-328 0</inkml:trace>
+  <inkml:trace contextRef="#ctx0" brushRef="#br0" timeOffset="5933.77">3242 9984 808 0,'0'0'1108'0,"0"0"-744"15,0 0-172-15,-13 144 37 16,2-32-35-16,-3 24-68 16,6-6-54-16,3-33-35 15,3-31 11-15,0-26 2 16,-3 1-28-16,0-2-13 15,1-8-9-15,0-11-10 16,0-11-79-16,1-9-105 16,1-3-96-16,2-50-19 15,0 0-207-15,7-7-170 0</inkml:trace>
+  <inkml:trace contextRef="#ctx0" brushRef="#br0" timeOffset="6232.01">3200 10046 935 0,'0'0'759'0,"0"0"-444"0,0 0 64 15,83 108-45-15,-41-44-35 16,9 6-82-16,7 1-48 16,-1-6-32-16,1-14-62 15,-4-13-12-15,-7-16 10 16,-9-14-16-16,-5-8-27 15,-8-6 6-15,0-24 51 16,-6-12-18-16,-3-11-37 16,-3-10-17-16,-7-5-9 15,0-1-6-15,-6 7-12 16,0 16-15-16,0 16-12 0,0 18-8 16,0 10-71-16,0 2-128 15,0 8-258-15,0 4-272 0</inkml:trace>
+  <inkml:trace contextRef="#ctx0" brushRef="#br0" timeOffset="6846.36">4671 10337 846 0,'0'0'882'0,"0"0"-556"15,0 0-140-15,0 0-18 16,0 0 24-16,0 0-19 16,173 0-9-16,-74 0 20 15,28 0-37-15,-7 0-12 16,-7 0-36-16,-17 1-39 0,-22 2-38 15,3-1-11-15,4-2-10 16,-12 0 0-16,-13 0 0 16,-12 0-1-16,-10 0-14 15,-12 0-28-15,-11 0-50 16,-6 0-77-16,-5 0-117 16,-7 0-274-16,-9 0-516 0</inkml:trace>
+  <inkml:trace contextRef="#ctx0" brushRef="#br0" timeOffset="7215.24">5689 10156 901 0,'0'0'970'15,"0"0"-719"-15,0 0 92 16,0 0-51-16,0 0-11 16,142 44-28-16,-95-29-56 15,-3 1-60-15,-3 0-64 16,-12-1-41-16,-7 4-16 16,-8 1 5-16,-8 3-1 15,-6 0 5-15,0 5-5 16,-18 4-10-16,-10 2-8 15,-7 4-2-15,-2-2-8 0,-1-1 7 16,3-7-20 0,4-5-18-16,10-9-26 0,8-3-25 15,9-8-52-15,4-3-75 16,4 0-138-16,16-7-351 16,4-8-350-16</inkml:trace>
+  <inkml:trace contextRef="#ctx0" brushRef="#br0" timeOffset="7627.72">6774 10162 1659 0,'0'0'559'16,"0"0"-193"-16,0 0-136 16,0 0-90-16,-28 132 52 0,16-63-24 15,0 0-67-15,-1-2-63 16,5-9-22-16,-2-12-15 16,6-12-1-16,-1-12-11 15,1-9-61-15,2-7-70 16,0-6-133-16,0 0-433 15,2-9-490-15</inkml:trace>
+  <inkml:trace contextRef="#ctx0" brushRef="#br0" timeOffset="7884.04">7039 10126 1662 0,'0'0'645'0,"0"0"-318"16,0 0 46-16,-43 167-81 16,26-97-91-16,3-2-84 15,3-10-74-15,7-10-29 16,2-11-14-16,0-11-8 16,2-8-12-16,0-10-37 15,0-5-40-15,0-3-83 16,0 0-118-16,0-17-222 15,0-5-45-15,0-5-105 0</inkml:trace>
+  <inkml:trace contextRef="#ctx0" brushRef="#br0" timeOffset="8108.75">7008 10231 758 0,'0'0'589'16,"0"0"-60"-16,0 0-172 16,0 0-50-16,0 0-65 15,112 122-41-15,-70-68 98 16,2 1-53-16,3-11-62 15,-5-13-34-15,-6-15-27 16,-3-13-12-16,-4-6-111 16,-2-37 0-16,0-20 0 15,0-19 0-15,-3-14 0 16,-2-4 0-16,-4 9 0 16,-5 16 0-16,1 22-120 15,-12 42-126-15,-2 8-282 16,0 16-441-16</inkml:trace>
+  <inkml:trace contextRef="#ctx0" brushRef="#br0" timeOffset="9262.67">3374 11733 1497 0,'0'0'536'0,"0"0"-171"0,0 0-58 16,0 0-138-16,0 0-54 16,0 0 18-16,159 93 2 15,-100-26 28-15,-3 4-10 16,-9-2-69-16,-14-2-36 15,-13-8-18-15,-18-2-10 16,-2-5-8-16,-20-4-12 16,-20-2-3-16,-7-8-39 15,-4-5-32-15,2-9-13 16,7-9-25-16,7-4-15 16,12-5-17-16,9-5-6 15,10-1-8-15,4 0-66 16,0-1-131-16,29-24 27 15,0 4 3-15,0-1-312 0</inkml:trace>
+  <inkml:trace contextRef="#ctx0" brushRef="#br0" timeOffset="9596.56">4018 11872 502 0,'0'0'1018'0,"0"0"-684"0,0 0 21 15,-116 29-122-15,76-1-92 16,2 8-40 0,-2 8-17-16,6 9 20 0,2 4-10 15,11 6 15-15,8 1-20 16,6-2-14-16,7-6 1 15,0-10-1-15,13-8-24 16,12-11 1-16,6-9 10 16,9-8 13-16,9-10-12 15,2 0-29-15,1 0-11 16,-5-5-13-16,-14 0-10 16,-4 5-166-16,-12 0-407 15,-6 11-643-15</inkml:trace>
+  <inkml:trace contextRef="#ctx0" brushRef="#br0" timeOffset="10210.61">5671 12056 895 0,'0'0'855'0,"0"0"-464"16,0 0-24-16,0 0-165 15,0 0-91-15,0 0-14 16,-18 146 36-16,9-68-27 15,2 6-28-15,2-2-42 16,4-12-18-16,1-14-17 16,0-14-1-16,0-17-9 15,0-13-57-15,1-12-75 16,4 0-55-16,2-29-138 16,0-4-177-16,-2-3-55 0</inkml:trace>
+  <inkml:trace contextRef="#ctx0" brushRef="#br0" timeOffset="10532.01">5666 12374 71 0,'0'0'1091'0,"0"0"-714"15,0 0 121-15,0 0-176 16,0 0 26-16,165 10-30 16,-91-10-36-16,15 0-61 15,30 0-60-15,22 0-82 16,27 0-8-16,-18 5 44 15,-35 2-53-15,-37 1-37 16,-27-2-11-16,7 0-7 16,3 2-5-16,8 1-1 15,-12-2 0-15,-6 1 2 0,-5-2-3 16,-11-2-10-16,-6 0-7 16,-7-4-2-16,-8 2-14 15,-6-2-30-15,-3 0-14 16,-5 0 19-16,0 0-17 15,0 0-93-15,-11 0-88 16,-5 0-89-16,3 0-278 16,2 0-366-16</inkml:trace>
+  <inkml:trace contextRef="#ctx0" brushRef="#br0" timeOffset="11095.06">7104 12184 1132 0,'0'0'673'0,"0"0"-300"15,0 0 10-15,0 0-102 16,0 0-36-16,0 0-37 15,0 0 27-15,13 10-28 0,9 8-30 16,7 4 5 0,7 2-182-16,1 1 0 0,4 0 0 15,-3 0 0-15,-3-2 0 16,-1 2 0-16,-7-6 0 16,-5 2 0-16,-7-8 0 15,-6-1 0-15,-4-4 0 16,-5-4 0-16,0 0 0 15,0 0 0-15,-12 2 0 16,-10 5 0-16,-4 3 0 16,-7 4 0-16,-2 1 0 15,0 6 0-15,4 0 0 16,4 0 0-16,5-3 0 16,4-4 0-16,3-3 0 15,3-4 0-15,3-1 0 0,5-6 0 16,0 0 0-1,4-4 0-15,0 2 0 0,0-2 0 16,0 0 0-16,0 0 0 16,0 0 0-16,0 0 0 15,0 0 0-15,0 2 0 16,0 0 0-16,2 0-80 16,4 6-193-16,1-2-249 15,-3 0-342-15</inkml:trace>
+</inkml:ink>
+</file>
+
+<file path=ppt/ink/ink2.xml><?xml version="1.0" encoding="utf-8"?>
+<inkml:ink xmlns:inkml="http://www.w3.org/2003/InkML">
+  <inkml:definitions>
+    <inkml:context xml:id="ctx0">
+      <inkml:inkSource xml:id="inkSrc0">
+        <inkml:traceFormat>
+          <inkml:channel name="X" type="integer" max="32767" units="cm"/>
+          <inkml:channel name="Y" type="integer" max="32767" units="cm"/>
+          <inkml:channel name="F" type="integer" max="4095" units="deg"/>
+          <inkml:channel name="T" type="integer" max="2.14748E9" units="dev"/>
+        </inkml:traceFormat>
+        <inkml:channelProperties>
+          <inkml:channelProperty channel="X" name="resolution" value="2155.72363" units="1/cm"/>
+          <inkml:channelProperty channel="Y" name="resolution" value="3449.15796" units="1/cm"/>
+          <inkml:channelProperty channel="F" name="resolution" value="11.375" units="1/deg"/>
+          <inkml:channelProperty channel="T" name="resolution" value="1" units="1/dev"/>
+        </inkml:channelProperties>
+      </inkml:inkSource>
+      <inkml:timestamp xml:id="ts0" timeString="2020-11-04T20:20:53.453"/>
+    </inkml:context>
+    <inkml:brush xml:id="br0">
+      <inkml:brushProperty name="width" value="0.05292" units="cm"/>
+      <inkml:brushProperty name="height" value="0.05292" units="cm"/>
+    </inkml:brush>
+  </inkml:definitions>
+  <inkml:trace contextRef="#ctx0" brushRef="#br0">7985 9735 205 0,'0'0'942'16,"0"0"-613"-16,0 0 23 16,0 0-65-16,0 0-48 15,0 0-27-15,-21-11-51 16,21 11-43-16,0-3-39 15,0 3-23-15,0 0 2 16,-4-2 15-16,-4 1-10 0,2-4-27 16,-7 1 14-1,-1 2-19-15,-3-2-5 0,-6 0-12 16,0 2-13-16,2 0 8 16,0 2-8-16,1 0 11 15,1 0-5-15,0 0 8 16,3 2-7-16,1 6-7 15,2 2 10-15,-1 1 2 16,6 5-2-16,-4-2-1 16,6 1-1-16,-1 1 3 15,1 0-1-15,-1 0-2 16,0 1 1-16,2-3 4 16,-1 1 4-16,-1 3 9 0,-1 0 7 15,0 3-10 1,2 1-1-16,-1 2-13 0,3-2-8 15,2 0 4-15,2 0-6 16,0-2 1-16,0 0 0 16,0-1 0-16,0 0 7 15,0 3-2-15,-2-2-5 16,-1 4 7-16,3 1-1 16,-3-2 5-16,3 4 14 15,-2-4-7-15,2 4-10 16,0-1-7-16,0-2 4 15,0-1-6-15,0-2 1 16,0 0 0-16,0-4 0 16,0 1 4-16,0 0-4 0,0 2-1 15,0 4 1-15,0-2 8 16,0 3-3-16,0-1-5 16,0-1 1-16,0 1 4 15,0 0-6-15,0-1 2 16,0 0-2-16,0 0 1 15,0 0 1-15,2 0-1 16,1 1 0-16,-3 2 0 16,0 1 15-16,0 0-2 15,0 0-1-15,0-2-2 16,0 1 2-16,0-2-12 16,0 1 0-16,0-2 1 15,0 2 5-15,0 0-6 16,0 0 0-16,0 0 1 15,0 2-2-15,0-4 1 0,0 4-1 16,0-4 0-16,0 2-1 16,0-3 1-16,0 2-1 15,0 0 1-15,0 1-1 16,0-2 1-16,0 4-1 16,0-1 0-16,0 3 1 15,0 0 0-15,0 1 0 16,0 0 0-16,0-4-1 15,0-2 1-15,0 0 0 16,0-4-1-16,0 2 1 16,0-2 0-16,0 0 0 15,-5 1 0-15,3-5 0 16,0-1 0-16,0 2 0 0,0-4 0 16,0 3 0-16,-3 1 0 15,1 0 1-15,0 2-1 16,-2-1 0-16,2 0 0 15,0 0 0-15,-1-3 1 16,1 4-1-16,0 1 0 16,-4-3 1-16,2 6-1 15,-1-4 0-15,3 0 0 16,-2 0-1-16,-2-3 2 16,2 2-1-16,-3-1 0 0,0-1 0 15,0 1 0 1,2-6-1-16,3 1 1 15,0-3-1-15,-3-4-11 0,2 4 6 16,-4-1 5 0,1 2 0-16,1-2 0 0,-2 0 0 15,4-2-5-15,1-2 4 16,0-2-4-16,-1 0-4 16,3 0-1-16,0-2 4 15,-2 2-10-15,-2-2 5 16,4 0-6-16,-2 2 2 15,-3-2-8-15,3 3-6 16,-2-2 1-16,-2-1 2 16,4 0 6-16,0 0-1 15,1 0 5-15,-1 0 7 0,2 0 1 16,-2 0 1 0,1-1 2-16,3-4 5 0,0 3 0 15,0 0-5-15,0-2-4 16,0 0-5-16,0 0 6 15,0-2-3-15,0-3 12 16,7 0-1-16,4-1 0 16,0-2 1-16,0 4 6 15,0 0-5-15,-1-1 18 16,-2 6 1-16,1-1-8 16,0 0 4-16,2 0-8 15,0 0-7-15,0 2 11 16,1-1-11-16,-2 3-1 15,2 0-6-15,-3 0 6 16,2 0 1-16,-2 0-1 0,0 0 6 16,-3 0-5-16,3 0 14 15,-2 0 7-15,-2 0 1 16,-1 0-2-16,-2 0 0 16,0 5 4-16,-2-1-5 15,0 0 7-15,0 1-6 16,0 4-3-16,0-1-17 15,0 0 0-15,0-1 0 16,0 4-1-16,0-1 7 16,0-1-6-16,-2 6-1 15,-2-3 0-15,0 2 0 16,-4-2 8-16,4 0-7 16,2-2 0-16,-3 1 9 0,3-3-10 15,0 5 6-15,0 1-4 16,0 2 19-16,-3 2-3 15,3 2 0-15,-5 2 0 16,2 2 9-16,-1 0-6 16,-3 0-6-16,2 2 12 15,0 1-11-15,1-4-7 16,2 0-3-16,1-3 2 16,0-2-8-16,3 1 2 15,-1 4-1-15,-1 1 8 16,-3 2 2-16,0 0 8 15,-1 3 2-15,-1-2-21 0,-1 4 0 16,0-4 0 0,2 1 0-16,2 0 0 0,-1 1 0 15,1-3 0-15,0-2 0 16,1 2 0-16,-2-2 0 16,1 2 0-16,-3 0 0 15,1-2 0-15,-1 1 0 16,2-6 0-16,1-3 0 15,0-4 0-15,1 0 0 16,1 0 0-16,0 4 0 16,-2 4 0-16,2 7 0 15,-1 1 0-15,1 2 0 16,2 0 0-16,0-1 0 0,0 2 0 16,0 1 0-1,0-7 0-15,0 0 0 0,0-5 0 16,0-4 0-16,0-2 0 15,0 0 0-15,0 0 0 16,0 4 0-16,0 4 0 16,0 1 0-16,0-2 0 15,0-1 0-15,0-3 0 16,0-5 0-16,0-5 0 16,0-2 0-16,0-3 0 15,0 2 0-15,0-2 0 16,0 3 0-16,0 4 0 15,0 1 0-15,0 4 0 16,0 2 0-16,0 4 0 16,0 2 0-16,0 4 0 0,0-2 0 15,0-2 0-15,0 2 0 16,5-2 0-16,-1 0 0 16,-2-2 0-16,2-1 0 15,-1-5 0-15,-3-3 0 16,0 4 0-16,0 0 0 15,0 5 0-15,0 9 0 16,-3-3 0-16,-1 8 0 16,2-2 0-16,2 0 0 15,0-4 0-15,0-2 0 16,0-3 0-16,0-6 0 16,0-3 0-16,0-6 0 0,0 0 0 15,0-2 0-15,0-3 0 16,0 3 0-16,0 3 0 15,-2 5 0-15,-5 4 0 16,0 4 0-16,0 4 0 16,5 5 0-16,0 1 0 15,2-5 0-15,0 0 0 16,0-1 0-16,0 0 0 16,4-2 0-16,3 2 0 15,-3-2 0-15,1 7 0 16,-5-6 0-16,0 3 0 15,0 7 0-15,0-3 0 16,0 4 0-16,-5-3 0 16,1 0 0-16,2-3 0 15,0 0 0-15,2 0 0 0,0-3 0 16,0 3 0-16,0-7 0 16,0-1 0-16,0 0 0 15,2 1 0-15,-2-1 0 16,0 4 0-16,0-2 0 15,0 2 0-15,0-2 0 16,0-2 0-16,-5-2 0 16,1-2 0-16,0 0 0 15,2 2 0-15,-1 3 0 16,3-2 0-16,0 2 0 16,0-6 0-16,0 1 0 15,0-2 0-15,0-2 0 16,0-5 0-16,0 1 0 0,0-6 0 15,11-4 0-15,2 1 0 16,3-1 0-16,2 0 0 16,2 3 0-16,0 3 0 15,0 2 0-15,0 0 0 16,-3 2 0-16,-1-5 0 16,-2-1 0-16,-3 1 0 15,-1-5 0-15,7 0 0 16,-2 0 0-16,1 0 0 15,-3 0 0-15,-1 0 0 16,-1 0 0-16,-3 0 0 16,2 0 0-16,-1 4 0 15,-1-1 0-15,4-3 0 0,-3 0 0 16,1 0 0 0,2 0 0-16,-1 0 0 0,-2 0 0 15,2 0 0-15,-2 0 0 16,2 0 0-16,0 0 0 15,-2 0 0-15,2 3 0 16,-5-1 0-16,0-2 0 16,-4 0 0-16,-2 0 0 15,0 0 0-15,0 0 0 16,0 0 0-16,0 0 0 16,0 0 0-16,0 0 0 15,-8 0 0-15,-9 0 0 0,1 0-460 16,-1 0-407-16</inkml:trace>
+  <inkml:trace contextRef="#ctx0" brushRef="#br0" timeOffset="9869.58">3429 9974 1538 0,'0'0'624'15,"0"0"-303"-15,0 0-93 16,-46 113-74-16,21-40 29 16,-2 11-55-16,6 3-58 15,2-6-37-15,6-12-18 0,2-15-13 16,4-14-2-16,1-12 0 16,1-9-21-16,3-13-33 15,2-6-61-15,0-6-132 16,0-15-340-16,0-2-351 0</inkml:trace>
+  <inkml:trace contextRef="#ctx0" brushRef="#br0" timeOffset="10169.77">3549 10117 1467 0,'0'0'495'16,"0"0"-190"-16,0 0-3 15,0 0-99-15,0 0-48 16,12 117-65-16,-12-67 22 16,-4 7 19-16,-12-1-55 15,1 0-30-15,-1-10-22 16,3-6-15-16,3-10-8 15,6-9-1-15,-1-10-24 16,3-5-65-16,2-4-54 16,-2-2-66-16,2 0-108 0,0 0-466 15</inkml:trace>
+  <inkml:trace contextRef="#ctx0" brushRef="#br0" timeOffset="10546.77">3588 10144 1551 0,'0'0'527'15,"0"0"-167"-15,31 140-90 16,-11-75-46-16,4-5-38 15,5-6-60-15,3-11 20 0,-1-10-2 16,0-9-60-16,-8-9-12 16,-7-10 0-16,-1-5 20 15,-5 0 5-15,2-4-19 16,-1-18-11-16,2-6-67 16,1-10 0-16,-1-10 0 15,1-8 0-15,-1-2 0 16,0 3 0-16,-4 12 0 15,-4 15-23-15,-1 13-56 16,-4 14-119-16,0 1-90 16,0 16-213-16,0 2-317 0</inkml:trace>
+  <inkml:trace contextRef="#ctx0" brushRef="#br0" timeOffset="11303.73">4381 10421 1565 0,'0'0'669'0,"0"0"-319"16,0 0-65-16,0 0-70 15,0 0-13-15,163 0 9 16,-101 8-41-16,9-2-29 0,5 2-41 16,-2-2-26-1,-3-2-28-15,0-2-22 0,-4-2-12 16,0 0-4-16,-3 0-2 16,-3 0-5-16,-10 0 0 15,-9-4 0-15,-13 0-1 16,-11 2-8-16,-9 2-16 15,-7 0-40-15,-2 0-41 16,0 0-30-16,0 0-44 16,0 0-87-16,-2 0-89 15,-10 0-275-15,-1 0-595 0</inkml:trace>
+  <inkml:trace contextRef="#ctx0" brushRef="#br0" timeOffset="11671.28">5284 10313 933 0,'0'0'854'0,"0"0"-364"15,0 0-139-15,0 0-57 16,0 0-27-16,113 68-25 16,-77-52-59-16,0 0-31 0,-7-3-53 15,-10 0-21-15,-7-1-27 16,-8 0-12-16,-4 0-3 16,0 0-9-16,-20 4-27 15,-5 0 0-15,1-2 0 16,-1 0 0-16,5-2 0 15,3-3-77-15,1-2-76 16,5 0-52-16,4-3-47 16,7-4-79-16,0 0-311 15,9 0-542-15</inkml:trace>
+  <inkml:trace contextRef="#ctx0" brushRef="#br0" timeOffset="12091.16">6032 10074 1422 0,'0'0'656'16,"0"0"-313"-16,0 0-57 15,0 0-32-15,0 0-30 16,0 110-23-16,-13-47-5 15,-3 3-56-15,1 0-64 16,-1-6-40-16,3-10-19 16,1-8-11-16,6-10-6 15,1-9 0-15,1-9-27 16,2-5-65-16,0-5-85 16,-4-4-119-16,4 0-215 15,0 0-412-15</inkml:trace>
+  <inkml:trace contextRef="#ctx0" brushRef="#br0" timeOffset="12399.95">6257 10104 1445 0,'0'0'671'15,"0"0"-296"-15,0 0-63 0,-56 161-87 16,32-95-65 0,4 0-60-16,-2-10-48 0,10-8-32 15,2-12-13-15,2-11-7 16,6-12 0-16,0-6-61 15,2-7-75-15,0 0-81 16,0-17-339-16,0 2-238 0</inkml:trace>
+  <inkml:trace contextRef="#ctx0" brushRef="#br0" timeOffset="12729.13">6248 10221 1448 0,'0'0'514'16,"0"0"-125"-16,25 120-11 0,-8-70-100 16,3-4-54-16,5-8-97 15,2-10-8-15,4-7-7 16,-2-8-1-16,0-8 35 16,-3-5 11-16,1 0-64 15,-2-14-93-15,-1-11 0 16,-1-7 0-16,-4-13 0 15,0-6 0-15,-4-13 0 16,-1-7 0-16,-4 2 0 16,-1 8 0-16,-2 19 0 15,-4 17 0-15,-1 14 0 16,-2 11-87-16,0 0-122 16,0 28-100-16,0 5-73 0,0 0-416 15</inkml:trace>
+  <inkml:trace contextRef="#ctx0" brushRef="#br0" timeOffset="28458.05">785 10093 916 0,'0'0'312'0,"0"0"-23"16,0 0-1-16,0 0-58 0,0 0-22 15,0 0 0-15,0 0-4 16,22 0-22-16,-15-11-28 16,0-1-13-16,-1-1-11 15,-2 0-21-15,-1-1-7 16,-3-2-7-16,0 1-19 16,0-4-17-16,-7-2-19 15,-9 6-11-15,-1 1-14 16,-4 2-8-16,2 6-7 15,-1 3-1-15,-3 3 0 0,4 0 1 16,-2 13-10 0,-3 11 10-16,1 8 1 0,-1 14-1 15,0 14 0-15,1 10 15 16,3 13 16-16,7-1 4 16,2-2 8-16,3-8-19 15,4-8-6-15,2-12-7 16,-2-10-4-16,1-9-6 15,3-11 1-15,-2-6-1 16,0-10-1-16,-3-3-21 16,2 0-84-16,-5-3-56 15,-1 0-82-15,-1 4-85 16,0 0-257-16,4 0-282 0</inkml:trace>
+  <inkml:trace contextRef="#ctx0" brushRef="#br0" timeOffset="28662.51">427 10487 1348 0,'0'0'531'0,"0"0"-265"16,0 0 59-16,0 0-48 15,0 0-38-15,0 0-34 16,0 0-71-16,122 8-46 15,-112-4-48-15,2 3-26 16,-3-1-14-16,-1 11-148 16,-1-3-233-16,0 2-486 0</inkml:trace>
+  <inkml:trace contextRef="#ctx0" brushRef="#br0" timeOffset="28940.76">963 10700 947 0,'0'0'1155'0,"0"0"-653"16,0 0-239-16,0 0-59 15,0 0-79-15,0 0-52 0,0 0-46 16,7 13-16-16,-5-13-11 16,-2 0-27-16,2-17-126 15,3-3-197-15,-2 0-376 16</inkml:trace>
+  <inkml:trace contextRef="#ctx0" brushRef="#br0" timeOffset="29119.28">1070 10441 2105 0,'0'0'759'15,"0"0"-379"-15,0 0-65 0,0 0-132 16,0 0-57 0,0 0-59-16,0 0-38 0,0-12-29 15,0 12-163-15,0 0-197 16,0 0-353-16,0 0-1047 0</inkml:trace>
+  <inkml:trace contextRef="#ctx0" brushRef="#br0" timeOffset="29758.57">1737 10162 1106 0,'0'0'684'0,"0"0"-347"15,0 0-37-15,0 0-68 0,0 0-48 16,0 0-71-16,0 0-42 16,-31 95-22-16,6-35 20 15,-4 10 46-15,0-4-24 16,2-6-53-16,4-10-26 16,8-13-11-16,6-11-1 15,1-8-42-15,7-11-60 16,1-5-106-16,0-2-143 15,12-9-130-15,3-7-231 0</inkml:trace>
+  <inkml:trace contextRef="#ctx0" brushRef="#br0" timeOffset="30291.15">1995 10168 1787 0,'0'0'661'16,"0"0"-369"-16,0 0-75 15,-73 149 7-15,36-75-49 16,-1 4-64-16,5-4-25 16,6-8-46-16,5-13-31 15,9-15 3-15,4-12-12 16,5-14 2-16,2-7-2 15,2-5-15-15,0-7-90 16,4-22-148-16,15-10-32 16,8-11-58-16,4-6-227 0,-2-7 59 15,-4 1 117-15,-4 7 8 16,-6 10 236-16,-5 15 150 16,-2 11 329-16,-2 13-20 15,-1 6-34-15,-1 0 85 16,2 23 126-16,4 6-205 15,0 11-63-15,4 1 15 16,2 6-8-16,4-6-48 16,0-1-66-16,2-9-33 15,-1-8 9-15,-6-8-17 16,-3-12 28-16,-4-3-26 16,-1 0 11-16,3-25-83 0,9-15 0 15,5-15 0-15,5-11 0 16,3-10-84-16,-9 2-23 15,-2 10 20-15,-5 20-15 16,-10 17-58-16,-6 27-104 16,0 6-356-16,0 16-588 0</inkml:trace>
+  <inkml:trace contextRef="#ctx0" brushRef="#br0" timeOffset="30659.17">2612 10431 1817 0,'0'0'671'15,"0"0"-401"-15,0 0-25 16,0 0 26-16,93 134-29 16,-55-84-36-16,0 1-56 15,3-8-60-15,-6-3-44 16,-6-11-20-16,-10-8-25 0,-5-13-1 15,-7-5-44-15,-5-3-121 16,-2-10-132-16,0-10-293 16,0-3-231-16</inkml:trace>
+  <inkml:trace contextRef="#ctx0" brushRef="#br0" timeOffset="30892.54">2911 10459 1881 0,'0'0'832'16,"0"0"-330"-16,0 0-215 15,0 0-74-15,0 0-79 0,0 0-37 16,-122 80-43-16,78-37-31 16,0 1-14-16,1-1-3 15,8-3-3-15,8-6-3 16,9-11-54-16,10-11-123 15,5-6-122-15,3-6-209 16,0 0-173-16</inkml:trace>
+  <inkml:trace contextRef="#ctx0" brushRef="#br0" timeOffset="32455.91">2032 11694 1126 0,'0'0'372'15,"0"0"0"-15,0 0-108 16,0 0-32-16,0 0-64 16,0 0-31-16,0 0 18 15,-131 104 12-15,102-57-5 16,0 9-6-16,0 5-13 16,2 5-44-16,8-1-27 15,5 0-1-15,10-3-31 0,4-4-20 16,6-6-9-16,27-8-11 15,12-10 0-15,14-8 0 16,3-10 12-16,2-8-11 16,-9-4 1-16,-12-4-2 15,-16 0-33-15,-20 2-215 16,-7 2-281-16,0 5-481 0</inkml:trace>
+  <inkml:trace contextRef="#ctx0" brushRef="#br0" timeOffset="33708.56">2462 11993 1217 0,'0'0'635'16,"0"0"-275"-16,0 0-52 16,0 0-62-16,0 0-54 15,0 0-29-15,0 0-13 16,110 42-21-16,-86-8-11 16,-10 6 17-16,-8 3-27 15,-6 1-52-15,0-4-29 16,-18-4 4-16,-4-8-31 15,0-8-6-15,4-7-103 16,2-9-26-16,6-4-33 16,2 0-48-16,4-7-11 0,4-7-18 15,0-2-21 1,4-1 19-16,23-2-104 0,-2 7-48 16,-3 1-339-16</inkml:trace>
+  <inkml:trace contextRef="#ctx0" brushRef="#br0" timeOffset="34006.76">2824 12049 1185 0,'0'0'273'16,"0"0"85"-16,0 0-88 15,0 0-37-15,-114 97-4 0,89-61-51 16,6 2-34-16,7-6-29 16,12-4-21-16,0-6-21 15,4-6-31-15,21-6 2 16,6-4 5-16,8-6 2 16,5 0-14-16,-2 0-20 15,-4-1-17-15,-10-6-13 16,-11 7-131-16,-11 0-342 15,-6 0-497-15</inkml:trace>
+  <inkml:trace contextRef="#ctx0" brushRef="#br0" timeOffset="34234.16">3113 12461 1852 0,'0'0'555'0,"0"0"-7"16,-7 123-234-16,-5-74-106 15,-2-10-71-15,3-8-89 16,4-9-36-16,2-12-12 16,3-8-11-16,2-2-67 15,0-23-141-15,7-10-234 16,8 1-279-16</inkml:trace>
+  <inkml:trace contextRef="#ctx0" brushRef="#br0" timeOffset="34856.49">3434 12340 1101 0,'0'0'354'16,"0"0"131"-16,0 0-206 15,0 0-18-15,0 0-56 16,0 0-18-16,0 0-21 15,-2 20-26-15,13-20 13 16,6-16 12-16,8-8-14 0,2-5-41 16,-2-2-29-1,-3-3-24-15,-7 4-11 0,-3 3-13 16,-9 10-10-16,0 6-10 16,-3 10-4-16,0 1-9 15,0 0-16-15,0 7-27 16,-9 18 20-16,0 5 14 15,1 8 4-15,1 2 4 16,7-2-5-16,0-4 0 16,0-8-2-16,4-8 1 15,11-6 1-15,4-8 4 16,1-4 2-16,3 0 0 0,3-12 0 16,0-7-53-16,0-6-163 15,-2 8-166-15,-9 2-426 16</inkml:trace>
+  <inkml:trace contextRef="#ctx0" brushRef="#br0" timeOffset="35073.92">3561 11909 1627 0,'0'0'747'0,"0"0"-372"16,0 0-89-16,0 0-102 16,0 0-68-16,0 0-60 0,0 0-38 15,0 0-18-15,0 0-181 16,5 0-376-16,3 0-646 0</inkml:trace>
+  <inkml:trace contextRef="#ctx0" brushRef="#br0" timeOffset="35404.03">3855 11812 1753 0,'0'0'621'16,"0"0"-150"-16,0 0-161 15,0 0-65-15,124 89 19 16,-78-32-12-16,-7 6-72 16,-7 3-180-16,-12-1 0 15,-11-5 0-15,-9-12 0 16,0-8 0-16,0-12 0 15,-7-9 0-15,1-6-51 16,0-5-270-16,4-6-207 0,0-2-214 16</inkml:trace>
+  <inkml:trace contextRef="#ctx0" brushRef="#br0" timeOffset="36006.42">4931 12078 1549 0,'0'0'549'0,"0"0"-74"15,-46 166-190-15,25-94-98 16,6-7-107-16,2-12-51 16,8-10-22-16,5-16-6 15,0-10-1-15,0-11-63 16,0-6-97-16,5-12-198 15,5-13-191-15,-2 1-87 0</inkml:trace>
+  <inkml:trace contextRef="#ctx0" brushRef="#br0" timeOffset="36237.8">4880 12352 1557 0,'0'0'608'0,"0"0"-222"15,0 0-45-15,0 0-46 16,115-2-53-16,-59-1 4 15,9 3-21-15,5 0-29 16,1 0-196-16,2 0 0 16,3 5 0-16,-3 1 0 15,-4-4 0-15,-7-2 0 16,-10 0 0-16,-14 0 0 0,-9 0 0 16,-9 0-126-16,-9 0-159 15,-11 0-203-15,0 0-133 16,0 2-515-16</inkml:trace>
+  <inkml:trace contextRef="#ctx0" brushRef="#br0" timeOffset="36590.86">5664 12191 1633 0,'0'0'702'0,"0"0"-140"15,0 0-300-15,0 0-18 16,0 0-19-16,0 0-44 16,0 0-4-16,112 93-67 15,-76-73-110-15,-5-2 0 16,-4-1 0-16,-10-2 0 15,-11-1 0-15,-6 4 0 16,0 4 0-16,-21 4 0 16,-10 2 0-16,2-4 0 15,2-3 0-15,7-9 0 16,13-9 0-16,5-3-179 0,2 0-202 16,0-3-360-1,0-5-662-15</inkml:trace>
+</inkml:ink>
+</file>
+
 <file path=ppt/notesMasters/notesMaster1.xml><?xml version="1.0" encoding="utf-8"?>
 <p:notesMaster xmlns:a="http://schemas.openxmlformats.org/drawingml/2006/main" xmlns:r="http://schemas.openxmlformats.org/officeDocument/2006/relationships" xmlns:p="http://schemas.openxmlformats.org/presentationml/2006/main">
   <p:cSld>
@@ -258,7 +377,7 @@
             <a:fld id="{F4FAB538-628E-104D-8583-83FBDA663EAD}" type="datetimeFigureOut">
               <a:rPr lang="en-US" smtClean="0"/>
               <a:pPr/>
-              <a:t>10/29/2020</a:t>
+              <a:t>11/4/2020</a:t>
             </a:fld>
             <a:endParaRPr lang="en-US" dirty="0"/>
           </a:p>
@@ -1273,7 +1392,7 @@
             <a:fld id="{39923DF9-DA97-0C44-B7A0-AB7B1AA67FC3}" type="slidenum">
               <a:rPr lang="en-US" smtClean="0"/>
               <a:pPr/>
-              <a:t>19</a:t>
+              <a:t>28</a:t>
             </a:fld>
             <a:endParaRPr lang="en-US" dirty="0"/>
           </a:p>
@@ -2272,7 +2391,7 @@
             <a:fld id="{818F800F-9FA6-FE45-B974-AB17141DF911}" type="datetimeFigureOut">
               <a:rPr lang="en-US" smtClean="0"/>
               <a:pPr/>
-              <a:t>10/29/2020</a:t>
+              <a:t>11/4/2020</a:t>
             </a:fld>
             <a:endParaRPr lang="en-US" dirty="0"/>
           </a:p>
@@ -2669,7 +2788,7 @@
             <a:fld id="{818F800F-9FA6-FE45-B974-AB17141DF911}" type="datetimeFigureOut">
               <a:rPr lang="en-US" smtClean="0"/>
               <a:pPr/>
-              <a:t>10/29/2020</a:t>
+              <a:t>11/4/2020</a:t>
             </a:fld>
             <a:endParaRPr lang="en-US" dirty="0"/>
           </a:p>
@@ -2959,7 +3078,7 @@
             <a:fld id="{818F800F-9FA6-FE45-B974-AB17141DF911}" type="datetimeFigureOut">
               <a:rPr lang="en-US" smtClean="0"/>
               <a:pPr/>
-              <a:t>10/29/2020</a:t>
+              <a:t>11/4/2020</a:t>
             </a:fld>
             <a:endParaRPr lang="en-US" dirty="0"/>
           </a:p>
@@ -3383,7 +3502,7 @@
             <a:fld id="{818F800F-9FA6-FE45-B974-AB17141DF911}" type="datetimeFigureOut">
               <a:rPr lang="en-US" smtClean="0"/>
               <a:pPr/>
-              <a:t>10/29/2020</a:t>
+              <a:t>11/4/2020</a:t>
             </a:fld>
             <a:endParaRPr lang="en-US" dirty="0"/>
           </a:p>
@@ -3503,7 +3622,7 @@
             <a:fld id="{818F800F-9FA6-FE45-B974-AB17141DF911}" type="datetimeFigureOut">
               <a:rPr lang="en-US" smtClean="0"/>
               <a:pPr/>
-              <a:t>10/29/2020</a:t>
+              <a:t>11/4/2020</a:t>
             </a:fld>
             <a:endParaRPr lang="en-US" dirty="0"/>
           </a:p>
@@ -3854,7 +3973,7 @@
             <a:fld id="{818F800F-9FA6-FE45-B974-AB17141DF911}" type="datetimeFigureOut">
               <a:rPr lang="en-US" smtClean="0"/>
               <a:pPr/>
-              <a:t>10/29/2020</a:t>
+              <a:t>11/4/2020</a:t>
             </a:fld>
             <a:endParaRPr lang="en-US" dirty="0"/>
           </a:p>
@@ -6275,6 +6394,2780 @@
           <a:chExt cx="0" cy="0"/>
         </a:xfrm>
       </p:grpSpPr>
+      <p:sp>
+        <p:nvSpPr>
+          <p:cNvPr id="2" name="Title 1">
+            <a:extLst>
+              <a:ext uri="{FF2B5EF4-FFF2-40B4-BE49-F238E27FC236}">
+                <a16:creationId xmlns:a16="http://schemas.microsoft.com/office/drawing/2014/main" id="{FE15285C-C8F4-4C93-935E-B607342419B7}"/>
+              </a:ext>
+            </a:extLst>
+          </p:cNvPr>
+          <p:cNvSpPr>
+            <a:spLocks noGrp="1"/>
+          </p:cNvSpPr>
+          <p:nvPr>
+            <p:ph type="title"/>
+          </p:nvPr>
+        </p:nvSpPr>
+        <p:spPr/>
+        <p:txBody>
+          <a:bodyPr/>
+          <a:lstStyle/>
+          <a:p>
+            <a:r>
+              <a:rPr lang="en-GB" dirty="0"/>
+              <a:t>Coin change</a:t>
+            </a:r>
+          </a:p>
+        </p:txBody>
+      </p:sp>
+      <p:sp>
+        <p:nvSpPr>
+          <p:cNvPr id="3" name="Content Placeholder 2">
+            <a:extLst>
+              <a:ext uri="{FF2B5EF4-FFF2-40B4-BE49-F238E27FC236}">
+                <a16:creationId xmlns:a16="http://schemas.microsoft.com/office/drawing/2014/main" id="{6D3CB94B-BDC3-40E0-B966-05A4C653F66C}"/>
+              </a:ext>
+            </a:extLst>
+          </p:cNvPr>
+          <p:cNvSpPr>
+            <a:spLocks noGrp="1"/>
+          </p:cNvSpPr>
+          <p:nvPr>
+            <p:ph idx="1"/>
+          </p:nvPr>
+        </p:nvSpPr>
+        <p:spPr/>
+        <p:txBody>
+          <a:bodyPr/>
+          <a:lstStyle/>
+          <a:p>
+            <a:r>
+              <a:rPr lang="en-GB" dirty="0" err="1"/>
+              <a:t>Problema</a:t>
+            </a:r>
+            <a:r>
+              <a:rPr lang="en-GB" dirty="0"/>
+              <a:t> del </a:t>
+            </a:r>
+            <a:r>
+              <a:rPr lang="en-GB" dirty="0" err="1"/>
+              <a:t>cambio</a:t>
+            </a:r>
+            <a:r>
+              <a:rPr lang="en-GB" dirty="0"/>
+              <a:t> de </a:t>
+            </a:r>
+            <a:r>
+              <a:rPr lang="en-GB" dirty="0" err="1"/>
+              <a:t>moneda</a:t>
+            </a:r>
+            <a:r>
+              <a:rPr lang="en-GB" dirty="0"/>
+              <a:t>.</a:t>
+            </a:r>
+          </a:p>
+          <a:p>
+            <a:r>
+              <a:rPr lang="en-GB" dirty="0"/>
+              <a:t>Se </a:t>
+            </a:r>
+            <a:r>
+              <a:rPr lang="en-GB" dirty="0" err="1"/>
+              <a:t>tiene</a:t>
+            </a:r>
+            <a:r>
+              <a:rPr lang="en-GB" dirty="0"/>
+              <a:t> un </a:t>
+            </a:r>
+            <a:r>
+              <a:rPr lang="en-GB" dirty="0" err="1"/>
+              <a:t>arreglo</a:t>
+            </a:r>
+            <a:r>
+              <a:rPr lang="en-GB" dirty="0"/>
+              <a:t> de </a:t>
+            </a:r>
+            <a:r>
+              <a:rPr lang="en-GB" dirty="0" err="1"/>
+              <a:t>monedas</a:t>
+            </a:r>
+            <a:r>
+              <a:rPr lang="en-GB" dirty="0"/>
+              <a:t>:</a:t>
+            </a:r>
+          </a:p>
+          <a:p>
+            <a:pPr marL="0" indent="0">
+              <a:buNone/>
+            </a:pPr>
+            <a:endParaRPr lang="en-GB" dirty="0"/>
+          </a:p>
+          <a:p>
+            <a:pPr marL="0" indent="0">
+              <a:buNone/>
+            </a:pPr>
+            <a:r>
+              <a:rPr lang="en-GB" dirty="0"/>
+              <a:t>coins = {1, 3, 4, 7} </a:t>
+            </a:r>
+          </a:p>
+          <a:p>
+            <a:pPr marL="0" indent="0">
+              <a:buNone/>
+            </a:pPr>
+            <a:r>
+              <a:rPr lang="en-GB" dirty="0"/>
+              <a:t>N = 2000, x &lt;= 4000</a:t>
+            </a:r>
+          </a:p>
+          <a:p>
+            <a:pPr marL="0" indent="0">
+              <a:buNone/>
+            </a:pPr>
+            <a:endParaRPr lang="en-GB" dirty="0"/>
+          </a:p>
+          <a:p>
+            <a:pPr marL="0" indent="0">
+              <a:buNone/>
+            </a:pPr>
+            <a:r>
+              <a:rPr lang="en-GB" dirty="0"/>
+              <a:t>Dada una </a:t>
+            </a:r>
+            <a:r>
+              <a:rPr lang="en-GB" dirty="0" err="1"/>
+              <a:t>cantidad</a:t>
+            </a:r>
+            <a:r>
+              <a:rPr lang="en-GB" dirty="0"/>
+              <a:t> de dinero x se </a:t>
+            </a:r>
+            <a:r>
+              <a:rPr lang="en-GB" dirty="0" err="1"/>
+              <a:t>quiere</a:t>
+            </a:r>
+            <a:r>
+              <a:rPr lang="en-GB" dirty="0"/>
+              <a:t> </a:t>
+            </a:r>
+            <a:r>
+              <a:rPr lang="en-GB" dirty="0" err="1"/>
+              <a:t>saber</a:t>
+            </a:r>
+            <a:r>
+              <a:rPr lang="en-GB" dirty="0"/>
+              <a:t> </a:t>
+            </a:r>
+            <a:r>
+              <a:rPr lang="en-GB" dirty="0" err="1"/>
+              <a:t>cual</a:t>
+            </a:r>
+            <a:r>
+              <a:rPr lang="en-GB" dirty="0"/>
+              <a:t> es el </a:t>
+            </a:r>
+            <a:r>
+              <a:rPr lang="en-GB" dirty="0" err="1"/>
+              <a:t>mínimo</a:t>
+            </a:r>
+            <a:r>
+              <a:rPr lang="en-GB" dirty="0"/>
+              <a:t> </a:t>
+            </a:r>
+            <a:r>
+              <a:rPr lang="en-GB" dirty="0" err="1"/>
+              <a:t>número</a:t>
+            </a:r>
+            <a:r>
+              <a:rPr lang="en-GB" dirty="0"/>
+              <a:t> de </a:t>
+            </a:r>
+            <a:r>
+              <a:rPr lang="en-GB" dirty="0" err="1"/>
+              <a:t>monedas</a:t>
+            </a:r>
+            <a:r>
+              <a:rPr lang="en-GB" dirty="0"/>
+              <a:t> para </a:t>
+            </a:r>
+            <a:r>
+              <a:rPr lang="en-GB" dirty="0" err="1"/>
+              <a:t>representar</a:t>
+            </a:r>
+            <a:r>
+              <a:rPr lang="en-GB" dirty="0"/>
+              <a:t> la </a:t>
+            </a:r>
+            <a:r>
+              <a:rPr lang="en-GB" dirty="0" err="1"/>
+              <a:t>cantidad</a:t>
+            </a:r>
+            <a:r>
+              <a:rPr lang="en-GB" dirty="0"/>
+              <a:t>.</a:t>
+            </a:r>
+          </a:p>
+          <a:p>
+            <a:pPr marL="0" indent="0">
+              <a:buNone/>
+            </a:pPr>
+            <a:endParaRPr lang="en-GB" dirty="0"/>
+          </a:p>
+          <a:p>
+            <a:pPr marL="0" indent="0">
+              <a:buNone/>
+            </a:pPr>
+            <a:endParaRPr lang="en-GB" dirty="0"/>
+          </a:p>
+        </p:txBody>
+      </p:sp>
+    </p:spTree>
+    <p:extLst>
+      <p:ext uri="{BB962C8B-B14F-4D97-AF65-F5344CB8AC3E}">
+        <p14:creationId xmlns:p14="http://schemas.microsoft.com/office/powerpoint/2010/main" val="2618561518"/>
+      </p:ext>
+    </p:extLst>
+  </p:cSld>
+  <p:clrMapOvr>
+    <a:masterClrMapping/>
+  </p:clrMapOvr>
+</p:sld>
+</file>
+
+<file path=ppt/slides/slide2.xml><?xml version="1.0" encoding="utf-8"?>
+<p:sld xmlns:a="http://schemas.openxmlformats.org/drawingml/2006/main" xmlns:r="http://schemas.openxmlformats.org/officeDocument/2006/relationships" xmlns:p="http://schemas.openxmlformats.org/presentationml/2006/main">
+  <p:cSld>
+    <p:spTree>
+      <p:nvGrpSpPr>
+        <p:cNvPr id="1" name=""/>
+        <p:cNvGrpSpPr/>
+        <p:nvPr/>
+      </p:nvGrpSpPr>
+      <p:grpSpPr>
+        <a:xfrm>
+          <a:off x="0" y="0"/>
+          <a:ext cx="0" cy="0"/>
+          <a:chOff x="0" y="0"/>
+          <a:chExt cx="0" cy="0"/>
+        </a:xfrm>
+      </p:grpSpPr>
+      <p:pic>
+        <p:nvPicPr>
+          <p:cNvPr id="2" name="Picture 1"/>
+          <p:cNvPicPr>
+            <a:picLocks noChangeAspect="1"/>
+          </p:cNvPicPr>
+          <p:nvPr/>
+        </p:nvPicPr>
+        <p:blipFill>
+          <a:blip r:embed="rId3">
+            <a:extLst>
+              <a:ext uri="{28A0092B-C50C-407E-A947-70E740481C1C}">
+                <a14:useLocalDpi xmlns:a14="http://schemas.microsoft.com/office/drawing/2010/main" val="0"/>
+              </a:ext>
+            </a:extLst>
+          </a:blip>
+          <a:stretch>
+            <a:fillRect/>
+          </a:stretch>
+        </p:blipFill>
+        <p:spPr>
+          <a:xfrm>
+            <a:off x="0" y="0"/>
+            <a:ext cx="9144000" cy="1076325"/>
+          </a:xfrm>
+          <a:prstGeom prst="rect">
+            <a:avLst/>
+          </a:prstGeom>
+        </p:spPr>
+      </p:pic>
+      <p:sp>
+        <p:nvSpPr>
+          <p:cNvPr id="5" name="TextBox 4"/>
+          <p:cNvSpPr txBox="1"/>
+          <p:nvPr/>
+        </p:nvSpPr>
+        <p:spPr>
+          <a:xfrm>
+            <a:off x="602693" y="344382"/>
+            <a:ext cx="6792405" cy="461665"/>
+          </a:xfrm>
+          <a:prstGeom prst="rect">
+            <a:avLst/>
+          </a:prstGeom>
+          <a:noFill/>
+        </p:spPr>
+        <p:txBody>
+          <a:bodyPr wrap="square" rtlCol="0">
+            <a:spAutoFit/>
+          </a:bodyPr>
+          <a:lstStyle/>
+          <a:p>
+            <a:r>
+              <a:rPr lang="es-CO" sz="2400" b="1" dirty="0">
+                <a:solidFill>
+                  <a:schemeClr val="bg1"/>
+                </a:solidFill>
+                <a:latin typeface="Arial" panose="020B0604020202020204" pitchFamily="34" charset="0"/>
+                <a:cs typeface="Arial" panose="020B0604020202020204" pitchFamily="34" charset="0"/>
+              </a:rPr>
+              <a:t>Programación Dinámica (Versión Top Down)</a:t>
+            </a:r>
+          </a:p>
+        </p:txBody>
+      </p:sp>
+      <p:sp>
+        <p:nvSpPr>
+          <p:cNvPr id="4" name="TextBox 3"/>
+          <p:cNvSpPr txBox="1"/>
+          <p:nvPr/>
+        </p:nvSpPr>
+        <p:spPr>
+          <a:xfrm>
+            <a:off x="526432" y="1579602"/>
+            <a:ext cx="7878073" cy="5632311"/>
+          </a:xfrm>
+          <a:prstGeom prst="rect">
+            <a:avLst/>
+          </a:prstGeom>
+          <a:noFill/>
+        </p:spPr>
+        <p:txBody>
+          <a:bodyPr wrap="square" rtlCol="0">
+            <a:spAutoFit/>
+          </a:bodyPr>
+          <a:lstStyle/>
+          <a:p>
+            <a:pPr marL="342900" indent="-342900">
+              <a:buFont typeface="Arial" panose="020B0604020202020204" pitchFamily="34" charset="0"/>
+              <a:buChar char="•"/>
+            </a:pPr>
+            <a:r>
+              <a:rPr lang="es-CO" sz="2400" dirty="0">
+                <a:solidFill>
+                  <a:schemeClr val="tx1">
+                    <a:lumMod val="65000"/>
+                    <a:lumOff val="35000"/>
+                  </a:schemeClr>
+                </a:solidFill>
+              </a:rPr>
+              <a:t>Resuelve problemas combinando las soluciones de los subproblemas.</a:t>
+            </a:r>
+          </a:p>
+          <a:p>
+            <a:pPr marL="342900" indent="-342900">
+              <a:buFont typeface="Arial" panose="020B0604020202020204" pitchFamily="34" charset="0"/>
+              <a:buChar char="•"/>
+            </a:pPr>
+            <a:r>
+              <a:rPr lang="es-CO" sz="2400" dirty="0">
+                <a:solidFill>
+                  <a:schemeClr val="tx1">
+                    <a:lumMod val="65000"/>
+                    <a:lumOff val="35000"/>
+                  </a:schemeClr>
+                </a:solidFill>
+              </a:rPr>
+              <a:t>Normalmente se utiliza para resolver problemas de optimización.</a:t>
+            </a:r>
+          </a:p>
+          <a:p>
+            <a:pPr marL="342900" indent="-342900">
+              <a:buFont typeface="Arial" panose="020B0604020202020204" pitchFamily="34" charset="0"/>
+              <a:buChar char="•"/>
+            </a:pPr>
+            <a:r>
+              <a:rPr lang="es-CO" sz="2400" dirty="0">
+                <a:solidFill>
+                  <a:schemeClr val="tx1">
+                    <a:lumMod val="65000"/>
+                    <a:lumOff val="35000"/>
+                  </a:schemeClr>
+                </a:solidFill>
+              </a:rPr>
+              <a:t>El problema tiene una subestructura óptima y se puede plantear en problemas más pequeños.</a:t>
+            </a:r>
+          </a:p>
+          <a:p>
+            <a:pPr marL="342900" indent="-342900">
+              <a:buFont typeface="Arial" panose="020B0604020202020204" pitchFamily="34" charset="0"/>
+              <a:buChar char="•"/>
+            </a:pPr>
+            <a:r>
+              <a:rPr lang="es-CO" sz="2400" dirty="0">
+                <a:solidFill>
+                  <a:schemeClr val="tx1">
+                    <a:lumMod val="65000"/>
+                    <a:lumOff val="35000"/>
+                  </a:schemeClr>
+                </a:solidFill>
+              </a:rPr>
+              <a:t>La cantidad de subproblemas es pequeña (se pueden descomponer en casos).</a:t>
+            </a:r>
+          </a:p>
+          <a:p>
+            <a:pPr marL="342900" indent="-342900">
+              <a:buFont typeface="Arial" panose="020B0604020202020204" pitchFamily="34" charset="0"/>
+              <a:buChar char="•"/>
+            </a:pPr>
+            <a:r>
+              <a:rPr lang="es-CO" sz="2400" dirty="0">
+                <a:solidFill>
+                  <a:schemeClr val="tx1">
+                    <a:lumMod val="65000"/>
+                    <a:lumOff val="35000"/>
+                  </a:schemeClr>
+                </a:solidFill>
+              </a:rPr>
+              <a:t>Una vez encontrado un conjunto de estados se procede a identificar todos los posibles valores que se pueden tener. </a:t>
+            </a:r>
+          </a:p>
+          <a:p>
+            <a:pPr marL="342900" indent="-342900">
+              <a:buFont typeface="Arial" panose="020B0604020202020204" pitchFamily="34" charset="0"/>
+              <a:buChar char="•"/>
+            </a:pPr>
+            <a:r>
+              <a:rPr lang="es-CO" sz="2400" dirty="0">
+                <a:solidFill>
+                  <a:schemeClr val="tx1">
+                    <a:lumMod val="65000"/>
+                    <a:lumOff val="35000"/>
+                  </a:schemeClr>
+                </a:solidFill>
+              </a:rPr>
+              <a:t>Resolver el problema en un tiempo aceptable depende en gran medida de los estados seleccionados.</a:t>
+            </a:r>
+          </a:p>
+          <a:p>
+            <a:pPr marL="342900" indent="-342900">
+              <a:buFont typeface="Arial" panose="020B0604020202020204" pitchFamily="34" charset="0"/>
+              <a:buChar char="•"/>
+            </a:pPr>
+            <a:endParaRPr lang="es-CO" sz="2400" dirty="0">
+              <a:solidFill>
+                <a:schemeClr val="tx1">
+                  <a:lumMod val="65000"/>
+                  <a:lumOff val="35000"/>
+                </a:schemeClr>
+              </a:solidFill>
+            </a:endParaRPr>
+          </a:p>
+          <a:p>
+            <a:pPr lvl="1"/>
+            <a:endParaRPr lang="es-CO" sz="2400" dirty="0">
+              <a:solidFill>
+                <a:schemeClr val="tx1">
+                  <a:lumMod val="65000"/>
+                  <a:lumOff val="35000"/>
+                </a:schemeClr>
+              </a:solidFill>
+            </a:endParaRPr>
+          </a:p>
+          <a:p>
+            <a:pPr marL="800100" lvl="1" indent="-342900">
+              <a:buFont typeface="Arial" panose="020B0604020202020204" pitchFamily="34" charset="0"/>
+              <a:buChar char="•"/>
+            </a:pPr>
+            <a:endParaRPr lang="es-CO" sz="2400" dirty="0">
+              <a:solidFill>
+                <a:schemeClr val="tx1">
+                  <a:lumMod val="65000"/>
+                  <a:lumOff val="35000"/>
+                </a:schemeClr>
+              </a:solidFill>
+            </a:endParaRPr>
+          </a:p>
+        </p:txBody>
+      </p:sp>
+    </p:spTree>
+    <p:extLst>
+      <p:ext uri="{BB962C8B-B14F-4D97-AF65-F5344CB8AC3E}">
+        <p14:creationId xmlns:p14="http://schemas.microsoft.com/office/powerpoint/2010/main" val="1509029597"/>
+      </p:ext>
+    </p:extLst>
+  </p:cSld>
+  <p:clrMapOvr>
+    <a:masterClrMapping/>
+  </p:clrMapOvr>
+</p:sld>
+</file>
+
+<file path=ppt/slides/slide20.xml><?xml version="1.0" encoding="utf-8"?>
+<p:sld xmlns:a="http://schemas.openxmlformats.org/drawingml/2006/main" xmlns:r="http://schemas.openxmlformats.org/officeDocument/2006/relationships" xmlns:p="http://schemas.openxmlformats.org/presentationml/2006/main">
+  <p:cSld>
+    <p:spTree>
+      <p:nvGrpSpPr>
+        <p:cNvPr id="1" name=""/>
+        <p:cNvGrpSpPr/>
+        <p:nvPr/>
+      </p:nvGrpSpPr>
+      <p:grpSpPr>
+        <a:xfrm>
+          <a:off x="0" y="0"/>
+          <a:ext cx="0" cy="0"/>
+          <a:chOff x="0" y="0"/>
+          <a:chExt cx="0" cy="0"/>
+        </a:xfrm>
+      </p:grpSpPr>
+      <p:sp>
+        <p:nvSpPr>
+          <p:cNvPr id="2" name="Title 1">
+            <a:extLst>
+              <a:ext uri="{FF2B5EF4-FFF2-40B4-BE49-F238E27FC236}">
+                <a16:creationId xmlns:a16="http://schemas.microsoft.com/office/drawing/2014/main" id="{FE15285C-C8F4-4C93-935E-B607342419B7}"/>
+              </a:ext>
+            </a:extLst>
+          </p:cNvPr>
+          <p:cNvSpPr>
+            <a:spLocks noGrp="1"/>
+          </p:cNvSpPr>
+          <p:nvPr>
+            <p:ph type="title"/>
+          </p:nvPr>
+        </p:nvSpPr>
+        <p:spPr/>
+        <p:txBody>
+          <a:bodyPr/>
+          <a:lstStyle/>
+          <a:p>
+            <a:r>
+              <a:rPr lang="en-GB" dirty="0"/>
+              <a:t>Coin change</a:t>
+            </a:r>
+          </a:p>
+        </p:txBody>
+      </p:sp>
+      <p:sp>
+        <p:nvSpPr>
+          <p:cNvPr id="3" name="Content Placeholder 2">
+            <a:extLst>
+              <a:ext uri="{FF2B5EF4-FFF2-40B4-BE49-F238E27FC236}">
+                <a16:creationId xmlns:a16="http://schemas.microsoft.com/office/drawing/2014/main" id="{6D3CB94B-BDC3-40E0-B966-05A4C653F66C}"/>
+              </a:ext>
+            </a:extLst>
+          </p:cNvPr>
+          <p:cNvSpPr>
+            <a:spLocks noGrp="1"/>
+          </p:cNvSpPr>
+          <p:nvPr>
+            <p:ph idx="1"/>
+          </p:nvPr>
+        </p:nvSpPr>
+        <p:spPr/>
+        <p:txBody>
+          <a:bodyPr/>
+          <a:lstStyle/>
+          <a:p>
+            <a:r>
+              <a:rPr lang="en-GB" dirty="0"/>
+              <a:t>f(7) = ?</a:t>
+            </a:r>
+          </a:p>
+          <a:p>
+            <a:r>
+              <a:rPr lang="en-GB" dirty="0"/>
+              <a:t>f(10) = ?</a:t>
+            </a:r>
+          </a:p>
+          <a:p>
+            <a:pPr marL="0" indent="0">
+              <a:buNone/>
+            </a:pPr>
+            <a:endParaRPr lang="en-GB" dirty="0"/>
+          </a:p>
+          <a:p>
+            <a:pPr marL="0" indent="0">
+              <a:buNone/>
+            </a:pPr>
+            <a:endParaRPr lang="en-GB" dirty="0"/>
+          </a:p>
+        </p:txBody>
+      </p:sp>
+    </p:spTree>
+    <p:extLst>
+      <p:ext uri="{BB962C8B-B14F-4D97-AF65-F5344CB8AC3E}">
+        <p14:creationId xmlns:p14="http://schemas.microsoft.com/office/powerpoint/2010/main" val="3659756375"/>
+      </p:ext>
+    </p:extLst>
+  </p:cSld>
+  <p:clrMapOvr>
+    <a:masterClrMapping/>
+  </p:clrMapOvr>
+</p:sld>
+</file>
+
+<file path=ppt/slides/slide21.xml><?xml version="1.0" encoding="utf-8"?>
+<p:sld xmlns:a="http://schemas.openxmlformats.org/drawingml/2006/main" xmlns:r="http://schemas.openxmlformats.org/officeDocument/2006/relationships" xmlns:p="http://schemas.openxmlformats.org/presentationml/2006/main">
+  <p:cSld>
+    <p:spTree>
+      <p:nvGrpSpPr>
+        <p:cNvPr id="1" name=""/>
+        <p:cNvGrpSpPr/>
+        <p:nvPr/>
+      </p:nvGrpSpPr>
+      <p:grpSpPr>
+        <a:xfrm>
+          <a:off x="0" y="0"/>
+          <a:ext cx="0" cy="0"/>
+          <a:chOff x="0" y="0"/>
+          <a:chExt cx="0" cy="0"/>
+        </a:xfrm>
+      </p:grpSpPr>
+      <p:sp>
+        <p:nvSpPr>
+          <p:cNvPr id="2" name="Title 1">
+            <a:extLst>
+              <a:ext uri="{FF2B5EF4-FFF2-40B4-BE49-F238E27FC236}">
+                <a16:creationId xmlns:a16="http://schemas.microsoft.com/office/drawing/2014/main" id="{FE15285C-C8F4-4C93-935E-B607342419B7}"/>
+              </a:ext>
+            </a:extLst>
+          </p:cNvPr>
+          <p:cNvSpPr>
+            <a:spLocks noGrp="1"/>
+          </p:cNvSpPr>
+          <p:nvPr>
+            <p:ph type="title"/>
+          </p:nvPr>
+        </p:nvSpPr>
+        <p:spPr/>
+        <p:txBody>
+          <a:bodyPr/>
+          <a:lstStyle/>
+          <a:p>
+            <a:r>
+              <a:rPr lang="en-GB" dirty="0"/>
+              <a:t>Coin change</a:t>
+            </a:r>
+          </a:p>
+        </p:txBody>
+      </p:sp>
+      <p:sp>
+        <p:nvSpPr>
+          <p:cNvPr id="3" name="Content Placeholder 2">
+            <a:extLst>
+              <a:ext uri="{FF2B5EF4-FFF2-40B4-BE49-F238E27FC236}">
+                <a16:creationId xmlns:a16="http://schemas.microsoft.com/office/drawing/2014/main" id="{6D3CB94B-BDC3-40E0-B966-05A4C653F66C}"/>
+              </a:ext>
+            </a:extLst>
+          </p:cNvPr>
+          <p:cNvSpPr>
+            <a:spLocks noGrp="1"/>
+          </p:cNvSpPr>
+          <p:nvPr>
+            <p:ph idx="1"/>
+          </p:nvPr>
+        </p:nvSpPr>
+        <p:spPr/>
+        <p:txBody>
+          <a:bodyPr/>
+          <a:lstStyle/>
+          <a:p>
+            <a:r>
+              <a:rPr lang="en-GB" dirty="0"/>
+              <a:t>f(7) = 1 que </a:t>
+            </a:r>
+            <a:r>
+              <a:rPr lang="en-GB" dirty="0" err="1"/>
+              <a:t>sería</a:t>
+            </a:r>
+            <a:r>
+              <a:rPr lang="en-GB" dirty="0"/>
+              <a:t> usar la </a:t>
+            </a:r>
+            <a:r>
+              <a:rPr lang="en-GB" dirty="0" err="1"/>
+              <a:t>moneda</a:t>
+            </a:r>
+            <a:r>
+              <a:rPr lang="en-GB" dirty="0"/>
+              <a:t> 7</a:t>
+            </a:r>
+          </a:p>
+          <a:p>
+            <a:r>
+              <a:rPr lang="en-GB" dirty="0"/>
+              <a:t>f(10) = 3+7 ó 3+3+4</a:t>
+            </a:r>
+          </a:p>
+          <a:p>
+            <a:pPr marL="0" indent="0">
+              <a:buNone/>
+            </a:pPr>
+            <a:endParaRPr lang="en-GB" dirty="0"/>
+          </a:p>
+          <a:p>
+            <a:pPr marL="0" indent="0">
+              <a:buNone/>
+            </a:pPr>
+            <a:endParaRPr lang="en-GB" dirty="0"/>
+          </a:p>
+        </p:txBody>
+      </p:sp>
+    </p:spTree>
+    <p:extLst>
+      <p:ext uri="{BB962C8B-B14F-4D97-AF65-F5344CB8AC3E}">
+        <p14:creationId xmlns:p14="http://schemas.microsoft.com/office/powerpoint/2010/main" val="2838751875"/>
+      </p:ext>
+    </p:extLst>
+  </p:cSld>
+  <p:clrMapOvr>
+    <a:masterClrMapping/>
+  </p:clrMapOvr>
+</p:sld>
+</file>
+
+<file path=ppt/slides/slide22.xml><?xml version="1.0" encoding="utf-8"?>
+<p:sld xmlns:a="http://schemas.openxmlformats.org/drawingml/2006/main" xmlns:r="http://schemas.openxmlformats.org/officeDocument/2006/relationships" xmlns:p="http://schemas.openxmlformats.org/presentationml/2006/main">
+  <p:cSld>
+    <p:spTree>
+      <p:nvGrpSpPr>
+        <p:cNvPr id="1" name=""/>
+        <p:cNvGrpSpPr/>
+        <p:nvPr/>
+      </p:nvGrpSpPr>
+      <p:grpSpPr>
+        <a:xfrm>
+          <a:off x="0" y="0"/>
+          <a:ext cx="0" cy="0"/>
+          <a:chOff x="0" y="0"/>
+          <a:chExt cx="0" cy="0"/>
+        </a:xfrm>
+      </p:grpSpPr>
+      <p:sp>
+        <p:nvSpPr>
+          <p:cNvPr id="2" name="Title 1">
+            <a:extLst>
+              <a:ext uri="{FF2B5EF4-FFF2-40B4-BE49-F238E27FC236}">
+                <a16:creationId xmlns:a16="http://schemas.microsoft.com/office/drawing/2014/main" id="{FE15285C-C8F4-4C93-935E-B607342419B7}"/>
+              </a:ext>
+            </a:extLst>
+          </p:cNvPr>
+          <p:cNvSpPr>
+            <a:spLocks noGrp="1"/>
+          </p:cNvSpPr>
+          <p:nvPr>
+            <p:ph type="title"/>
+          </p:nvPr>
+        </p:nvSpPr>
+        <p:spPr/>
+        <p:txBody>
+          <a:bodyPr/>
+          <a:lstStyle/>
+          <a:p>
+            <a:r>
+              <a:rPr lang="en-GB" dirty="0"/>
+              <a:t>Coin change</a:t>
+            </a:r>
+          </a:p>
+        </p:txBody>
+      </p:sp>
+      <p:sp>
+        <p:nvSpPr>
+          <p:cNvPr id="3" name="Content Placeholder 2">
+            <a:extLst>
+              <a:ext uri="{FF2B5EF4-FFF2-40B4-BE49-F238E27FC236}">
+                <a16:creationId xmlns:a16="http://schemas.microsoft.com/office/drawing/2014/main" id="{6D3CB94B-BDC3-40E0-B966-05A4C653F66C}"/>
+              </a:ext>
+            </a:extLst>
+          </p:cNvPr>
+          <p:cNvSpPr>
+            <a:spLocks noGrp="1"/>
+          </p:cNvSpPr>
+          <p:nvPr>
+            <p:ph idx="1"/>
+          </p:nvPr>
+        </p:nvSpPr>
+        <p:spPr/>
+        <p:txBody>
+          <a:bodyPr/>
+          <a:lstStyle/>
+          <a:p>
+            <a:pPr marL="0" indent="0">
+              <a:buNone/>
+            </a:pPr>
+            <a:r>
+              <a:rPr lang="en-GB" dirty="0"/>
+              <a:t>Este </a:t>
+            </a:r>
+            <a:r>
+              <a:rPr lang="en-GB" dirty="0" err="1"/>
+              <a:t>problema</a:t>
+            </a:r>
+            <a:r>
+              <a:rPr lang="en-GB" dirty="0"/>
+              <a:t> se </a:t>
+            </a:r>
+            <a:r>
+              <a:rPr lang="en-GB" dirty="0" err="1"/>
+              <a:t>puede</a:t>
+            </a:r>
+            <a:r>
+              <a:rPr lang="en-GB" dirty="0"/>
+              <a:t> resolver </a:t>
+            </a:r>
+            <a:r>
+              <a:rPr lang="en-GB" dirty="0" err="1"/>
+              <a:t>explorando</a:t>
+            </a:r>
+            <a:r>
+              <a:rPr lang="en-GB" dirty="0"/>
+              <a:t> </a:t>
+            </a:r>
+            <a:r>
+              <a:rPr lang="en-GB" dirty="0" err="1"/>
+              <a:t>todas</a:t>
+            </a:r>
+            <a:r>
+              <a:rPr lang="en-GB" dirty="0"/>
+              <a:t> las </a:t>
+            </a:r>
+            <a:r>
+              <a:rPr lang="en-GB" dirty="0" err="1"/>
+              <a:t>posibilidades</a:t>
+            </a:r>
+            <a:r>
+              <a:rPr lang="en-GB" dirty="0"/>
+              <a:t> (se </a:t>
+            </a:r>
+            <a:r>
+              <a:rPr lang="en-GB" dirty="0" err="1"/>
+              <a:t>puede</a:t>
+            </a:r>
+            <a:r>
+              <a:rPr lang="en-GB" dirty="0"/>
+              <a:t> </a:t>
+            </a:r>
+            <a:r>
+              <a:rPr lang="en-GB" dirty="0" err="1"/>
+              <a:t>pensar</a:t>
+            </a:r>
+            <a:r>
+              <a:rPr lang="en-GB" dirty="0"/>
+              <a:t> </a:t>
+            </a:r>
+            <a:r>
+              <a:rPr lang="en-GB" dirty="0" err="1"/>
+              <a:t>inicialmente</a:t>
+            </a:r>
+            <a:r>
+              <a:rPr lang="en-GB" dirty="0"/>
+              <a:t> </a:t>
+            </a:r>
+            <a:r>
+              <a:rPr lang="en-GB" dirty="0" err="1"/>
+              <a:t>en</a:t>
+            </a:r>
+            <a:r>
+              <a:rPr lang="en-GB" dirty="0"/>
+              <a:t> </a:t>
+            </a:r>
+            <a:r>
+              <a:rPr lang="en-GB" dirty="0" err="1"/>
+              <a:t>fuerza</a:t>
+            </a:r>
+            <a:r>
+              <a:rPr lang="en-GB" dirty="0"/>
+              <a:t> </a:t>
+            </a:r>
+            <a:r>
+              <a:rPr lang="en-GB" dirty="0" err="1"/>
+              <a:t>bruta</a:t>
+            </a:r>
+            <a:r>
+              <a:rPr lang="en-GB" dirty="0"/>
+              <a:t> y </a:t>
+            </a:r>
+            <a:r>
+              <a:rPr lang="en-GB" dirty="0" err="1"/>
+              <a:t>recursividad</a:t>
+            </a:r>
+            <a:r>
+              <a:rPr lang="en-GB" dirty="0"/>
+              <a:t>)</a:t>
+            </a:r>
+          </a:p>
+          <a:p>
+            <a:pPr marL="0" indent="0">
+              <a:buNone/>
+            </a:pPr>
+            <a:endParaRPr lang="en-GB" dirty="0"/>
+          </a:p>
+          <a:p>
+            <a:pPr marL="0" indent="0">
+              <a:buNone/>
+            </a:pPr>
+            <a:r>
+              <a:rPr lang="en-GB" dirty="0"/>
+              <a:t>Se debe </a:t>
+            </a:r>
+            <a:r>
+              <a:rPr lang="en-GB" dirty="0" err="1"/>
+              <a:t>pensar</a:t>
+            </a:r>
+            <a:r>
+              <a:rPr lang="en-GB" dirty="0"/>
+              <a:t> </a:t>
+            </a:r>
+            <a:r>
+              <a:rPr lang="en-GB" dirty="0" err="1"/>
+              <a:t>en</a:t>
+            </a:r>
+            <a:r>
+              <a:rPr lang="en-GB" dirty="0"/>
+              <a:t> algo que sea </a:t>
+            </a:r>
+            <a:r>
+              <a:rPr lang="en-GB" dirty="0" err="1"/>
+              <a:t>fácil</a:t>
+            </a:r>
+            <a:r>
+              <a:rPr lang="en-GB" dirty="0"/>
+              <a:t> de </a:t>
+            </a:r>
+            <a:r>
+              <a:rPr lang="en-GB" dirty="0" err="1"/>
+              <a:t>memorizar</a:t>
+            </a:r>
+            <a:r>
+              <a:rPr lang="en-GB" dirty="0"/>
+              <a:t>.</a:t>
+            </a:r>
+          </a:p>
+          <a:p>
+            <a:pPr marL="0" indent="0">
+              <a:buNone/>
+            </a:pPr>
+            <a:endParaRPr lang="en-GB" dirty="0"/>
+          </a:p>
+          <a:p>
+            <a:pPr marL="0" indent="0">
+              <a:buNone/>
+            </a:pPr>
+            <a:r>
+              <a:rPr lang="en-GB" dirty="0"/>
+              <a:t>¿</a:t>
+            </a:r>
+            <a:r>
+              <a:rPr lang="en-GB" dirty="0" err="1"/>
+              <a:t>Cual</a:t>
+            </a:r>
+            <a:r>
+              <a:rPr lang="en-GB" dirty="0"/>
+              <a:t> es el </a:t>
+            </a:r>
+            <a:r>
+              <a:rPr lang="en-GB" dirty="0" err="1"/>
+              <a:t>estado</a:t>
+            </a:r>
+            <a:r>
+              <a:rPr lang="en-GB" dirty="0"/>
+              <a:t> de la </a:t>
+            </a:r>
+            <a:r>
+              <a:rPr lang="en-GB" dirty="0" err="1"/>
+              <a:t>función</a:t>
+            </a:r>
+            <a:r>
+              <a:rPr lang="en-GB" dirty="0"/>
+              <a:t>?</a:t>
+            </a:r>
+          </a:p>
+        </p:txBody>
+      </p:sp>
+    </p:spTree>
+    <p:extLst>
+      <p:ext uri="{BB962C8B-B14F-4D97-AF65-F5344CB8AC3E}">
+        <p14:creationId xmlns:p14="http://schemas.microsoft.com/office/powerpoint/2010/main" val="4208225857"/>
+      </p:ext>
+    </p:extLst>
+  </p:cSld>
+  <p:clrMapOvr>
+    <a:masterClrMapping/>
+  </p:clrMapOvr>
+</p:sld>
+</file>
+
+<file path=ppt/slides/slide23.xml><?xml version="1.0" encoding="utf-8"?>
+<p:sld xmlns:a="http://schemas.openxmlformats.org/drawingml/2006/main" xmlns:r="http://schemas.openxmlformats.org/officeDocument/2006/relationships" xmlns:p="http://schemas.openxmlformats.org/presentationml/2006/main">
+  <p:cSld>
+    <p:spTree>
+      <p:nvGrpSpPr>
+        <p:cNvPr id="1" name=""/>
+        <p:cNvGrpSpPr/>
+        <p:nvPr/>
+      </p:nvGrpSpPr>
+      <p:grpSpPr>
+        <a:xfrm>
+          <a:off x="0" y="0"/>
+          <a:ext cx="0" cy="0"/>
+          <a:chOff x="0" y="0"/>
+          <a:chExt cx="0" cy="0"/>
+        </a:xfrm>
+      </p:grpSpPr>
+      <p:sp>
+        <p:nvSpPr>
+          <p:cNvPr id="2" name="Title 1">
+            <a:extLst>
+              <a:ext uri="{FF2B5EF4-FFF2-40B4-BE49-F238E27FC236}">
+                <a16:creationId xmlns:a16="http://schemas.microsoft.com/office/drawing/2014/main" id="{FE15285C-C8F4-4C93-935E-B607342419B7}"/>
+              </a:ext>
+            </a:extLst>
+          </p:cNvPr>
+          <p:cNvSpPr>
+            <a:spLocks noGrp="1"/>
+          </p:cNvSpPr>
+          <p:nvPr>
+            <p:ph type="title"/>
+          </p:nvPr>
+        </p:nvSpPr>
+        <p:spPr/>
+        <p:txBody>
+          <a:bodyPr/>
+          <a:lstStyle/>
+          <a:p>
+            <a:r>
+              <a:rPr lang="en-GB" dirty="0"/>
+              <a:t>Coin change</a:t>
+            </a:r>
+          </a:p>
+        </p:txBody>
+      </p:sp>
+      <p:sp>
+        <p:nvSpPr>
+          <p:cNvPr id="3" name="Content Placeholder 2">
+            <a:extLst>
+              <a:ext uri="{FF2B5EF4-FFF2-40B4-BE49-F238E27FC236}">
+                <a16:creationId xmlns:a16="http://schemas.microsoft.com/office/drawing/2014/main" id="{6D3CB94B-BDC3-40E0-B966-05A4C653F66C}"/>
+              </a:ext>
+            </a:extLst>
+          </p:cNvPr>
+          <p:cNvSpPr>
+            <a:spLocks noGrp="1"/>
+          </p:cNvSpPr>
+          <p:nvPr>
+            <p:ph idx="1"/>
+          </p:nvPr>
+        </p:nvSpPr>
+        <p:spPr/>
+        <p:txBody>
+          <a:bodyPr/>
+          <a:lstStyle/>
+          <a:p>
+            <a:pPr>
+              <a:buFontTx/>
+              <a:buChar char="-"/>
+            </a:pPr>
+            <a:r>
+              <a:rPr lang="en-GB" dirty="0" err="1"/>
+              <a:t>Estados</a:t>
+            </a:r>
+            <a:r>
+              <a:rPr lang="en-GB" dirty="0"/>
+              <a:t> (x) </a:t>
+            </a:r>
+            <a:r>
+              <a:rPr lang="en-GB" dirty="0" err="1"/>
+              <a:t>cantidad</a:t>
+            </a:r>
+            <a:r>
+              <a:rPr lang="en-GB" dirty="0"/>
+              <a:t> a </a:t>
+            </a:r>
+            <a:r>
+              <a:rPr lang="en-GB" dirty="0" err="1"/>
+              <a:t>cambiar</a:t>
+            </a:r>
+            <a:r>
+              <a:rPr lang="en-GB" dirty="0"/>
+              <a:t> por </a:t>
+            </a:r>
+            <a:r>
+              <a:rPr lang="en-GB" dirty="0" err="1"/>
+              <a:t>monedas</a:t>
+            </a:r>
+            <a:endParaRPr lang="en-GB" dirty="0"/>
+          </a:p>
+          <a:p>
+            <a:pPr>
+              <a:buFontTx/>
+              <a:buChar char="-"/>
+            </a:pPr>
+            <a:r>
+              <a:rPr lang="en-GB" dirty="0"/>
+              <a:t>El </a:t>
+            </a:r>
+            <a:r>
+              <a:rPr lang="en-GB" dirty="0" err="1"/>
+              <a:t>arreglo</a:t>
+            </a:r>
+            <a:r>
+              <a:rPr lang="en-GB" dirty="0"/>
+              <a:t> de coins se </a:t>
+            </a:r>
+            <a:r>
+              <a:rPr lang="en-GB" dirty="0" err="1"/>
+              <a:t>puede</a:t>
+            </a:r>
+            <a:r>
+              <a:rPr lang="en-GB" dirty="0"/>
+              <a:t> usar sin </a:t>
+            </a:r>
+            <a:r>
+              <a:rPr lang="en-GB" dirty="0" err="1"/>
+              <a:t>enviarlo</a:t>
+            </a:r>
+            <a:endParaRPr lang="en-GB" dirty="0"/>
+          </a:p>
+          <a:p>
+            <a:pPr>
+              <a:buFontTx/>
+              <a:buChar char="-"/>
+            </a:pPr>
+            <a:r>
+              <a:rPr lang="en-GB" dirty="0"/>
+              <a:t>Casos base?</a:t>
+            </a:r>
+          </a:p>
+          <a:p>
+            <a:pPr>
+              <a:buFontTx/>
+              <a:buChar char="-"/>
+            </a:pPr>
+            <a:r>
+              <a:rPr lang="en-GB" dirty="0"/>
+              <a:t>Casos </a:t>
+            </a:r>
+            <a:r>
+              <a:rPr lang="en-GB" dirty="0" err="1"/>
+              <a:t>recursivos</a:t>
+            </a:r>
+            <a:r>
+              <a:rPr lang="en-GB" dirty="0"/>
+              <a:t>?</a:t>
+            </a:r>
+          </a:p>
+          <a:p>
+            <a:pPr>
+              <a:buFontTx/>
+              <a:buChar char="-"/>
+            </a:pPr>
+            <a:endParaRPr lang="en-GB" dirty="0"/>
+          </a:p>
+          <a:p>
+            <a:pPr marL="0" indent="0">
+              <a:buNone/>
+            </a:pPr>
+            <a:r>
+              <a:rPr lang="en-GB" dirty="0"/>
+              <a:t>f(x) -&gt; Que </a:t>
+            </a:r>
+            <a:r>
+              <a:rPr lang="en-GB" dirty="0" err="1"/>
+              <a:t>pasa</a:t>
+            </a:r>
+            <a:r>
+              <a:rPr lang="en-GB" dirty="0"/>
+              <a:t> </a:t>
+            </a:r>
+            <a:r>
+              <a:rPr lang="en-GB" dirty="0" err="1"/>
+              <a:t>si</a:t>
+            </a:r>
+            <a:r>
+              <a:rPr lang="en-GB" dirty="0"/>
+              <a:t> </a:t>
+            </a:r>
+            <a:r>
+              <a:rPr lang="en-GB" dirty="0" err="1"/>
+              <a:t>intento</a:t>
+            </a:r>
+            <a:r>
+              <a:rPr lang="en-GB" dirty="0"/>
+              <a:t> con un x</a:t>
+            </a:r>
+          </a:p>
+          <a:p>
+            <a:pPr marL="0" indent="0">
+              <a:buNone/>
+            </a:pPr>
+            <a:endParaRPr lang="en-GB" dirty="0"/>
+          </a:p>
+          <a:p>
+            <a:pPr marL="0" indent="0">
+              <a:buNone/>
+            </a:pPr>
+            <a:r>
+              <a:rPr lang="en-GB" dirty="0"/>
+              <a:t>x-coin[</a:t>
+            </a:r>
+            <a:r>
+              <a:rPr lang="en-GB" dirty="0" err="1"/>
+              <a:t>i</a:t>
+            </a:r>
+            <a:r>
+              <a:rPr lang="en-GB" dirty="0"/>
+              <a:t>] </a:t>
+            </a:r>
+          </a:p>
+        </p:txBody>
+      </p:sp>
+    </p:spTree>
+    <p:extLst>
+      <p:ext uri="{BB962C8B-B14F-4D97-AF65-F5344CB8AC3E}">
+        <p14:creationId xmlns:p14="http://schemas.microsoft.com/office/powerpoint/2010/main" val="3959868154"/>
+      </p:ext>
+    </p:extLst>
+  </p:cSld>
+  <p:clrMapOvr>
+    <a:masterClrMapping/>
+  </p:clrMapOvr>
+</p:sld>
+</file>
+
+<file path=ppt/slides/slide24.xml><?xml version="1.0" encoding="utf-8"?>
+<p:sld xmlns:a="http://schemas.openxmlformats.org/drawingml/2006/main" xmlns:r="http://schemas.openxmlformats.org/officeDocument/2006/relationships" xmlns:p="http://schemas.openxmlformats.org/presentationml/2006/main">
+  <p:cSld>
+    <p:spTree>
+      <p:nvGrpSpPr>
+        <p:cNvPr id="1" name=""/>
+        <p:cNvGrpSpPr/>
+        <p:nvPr/>
+      </p:nvGrpSpPr>
+      <p:grpSpPr>
+        <a:xfrm>
+          <a:off x="0" y="0"/>
+          <a:ext cx="0" cy="0"/>
+          <a:chOff x="0" y="0"/>
+          <a:chExt cx="0" cy="0"/>
+        </a:xfrm>
+      </p:grpSpPr>
+      <p:sp>
+        <p:nvSpPr>
+          <p:cNvPr id="2" name="Title 1">
+            <a:extLst>
+              <a:ext uri="{FF2B5EF4-FFF2-40B4-BE49-F238E27FC236}">
+                <a16:creationId xmlns:a16="http://schemas.microsoft.com/office/drawing/2014/main" id="{FE15285C-C8F4-4C93-935E-B607342419B7}"/>
+              </a:ext>
+            </a:extLst>
+          </p:cNvPr>
+          <p:cNvSpPr>
+            <a:spLocks noGrp="1"/>
+          </p:cNvSpPr>
+          <p:nvPr>
+            <p:ph type="title"/>
+          </p:nvPr>
+        </p:nvSpPr>
+        <p:spPr/>
+        <p:txBody>
+          <a:bodyPr/>
+          <a:lstStyle/>
+          <a:p>
+            <a:r>
+              <a:rPr lang="en-GB" dirty="0"/>
+              <a:t>Coin change</a:t>
+            </a:r>
+          </a:p>
+        </p:txBody>
+      </p:sp>
+      <mc:AlternateContent xmlns:mc="http://schemas.openxmlformats.org/markup-compatibility/2006">
+        <mc:Choice xmlns:a14="http://schemas.microsoft.com/office/drawing/2010/main" Requires="a14">
+          <p:sp>
+            <p:nvSpPr>
+              <p:cNvPr id="3" name="Content Placeholder 2">
+                <a:extLst>
+                  <a:ext uri="{FF2B5EF4-FFF2-40B4-BE49-F238E27FC236}">
+                    <a16:creationId xmlns:a16="http://schemas.microsoft.com/office/drawing/2014/main" id="{6D3CB94B-BDC3-40E0-B966-05A4C653F66C}"/>
+                  </a:ext>
+                </a:extLst>
+              </p:cNvPr>
+              <p:cNvSpPr>
+                <a:spLocks noGrp="1"/>
+              </p:cNvSpPr>
+              <p:nvPr>
+                <p:ph idx="1"/>
+              </p:nvPr>
+            </p:nvSpPr>
+            <p:spPr>
+              <a:xfrm>
+                <a:off x="470452" y="1600200"/>
+                <a:ext cx="8229600" cy="4525963"/>
+              </a:xfrm>
+            </p:spPr>
+            <p:txBody>
+              <a:bodyPr/>
+              <a:lstStyle/>
+              <a:p>
+                <a:pPr marL="0" indent="0">
+                  <a:buNone/>
+                </a:pPr>
+                <a:r>
+                  <a:rPr lang="en-GB" dirty="0"/>
+                  <a:t>f(x) = </a:t>
+                </a:r>
+                <a:r>
+                  <a:rPr lang="en-GB" dirty="0" err="1"/>
+                  <a:t>mínimo</a:t>
+                </a:r>
+                <a:r>
+                  <a:rPr lang="en-GB" dirty="0"/>
+                  <a:t> de </a:t>
+                </a:r>
+                <a:r>
+                  <a:rPr lang="en-GB" dirty="0" err="1"/>
+                  <a:t>monedas</a:t>
+                </a:r>
+                <a:r>
+                  <a:rPr lang="en-GB" dirty="0"/>
+                  <a:t> que </a:t>
+                </a:r>
+                <a:r>
+                  <a:rPr lang="en-GB" dirty="0" err="1"/>
+                  <a:t>necesito</a:t>
+                </a:r>
+                <a:r>
+                  <a:rPr lang="en-GB" dirty="0"/>
+                  <a:t> para </a:t>
+                </a:r>
+                <a:r>
+                  <a:rPr lang="en-GB" dirty="0" err="1"/>
+                  <a:t>representar</a:t>
+                </a:r>
+                <a:r>
+                  <a:rPr lang="en-GB" dirty="0"/>
+                  <a:t> x</a:t>
+                </a:r>
+              </a:p>
+              <a:p>
+                <a:pPr marL="0" indent="0">
+                  <a:buNone/>
+                </a:pPr>
+                <a:r>
+                  <a:rPr lang="en-GB" dirty="0"/>
+                  <a:t>Casos base: </a:t>
+                </a:r>
+                <a:r>
+                  <a:rPr lang="en-GB" dirty="0" err="1"/>
+                  <a:t>si</a:t>
+                </a:r>
+                <a:r>
+                  <a:rPr lang="en-GB" dirty="0"/>
+                  <a:t> x es </a:t>
+                </a:r>
+                <a:r>
+                  <a:rPr lang="en-GB" dirty="0" err="1"/>
+                  <a:t>negativo</a:t>
+                </a:r>
+                <a:r>
+                  <a:rPr lang="en-GB" dirty="0"/>
+                  <a:t> no se </a:t>
+                </a:r>
+                <a:r>
+                  <a:rPr lang="en-GB" dirty="0" err="1"/>
+                  <a:t>puede</a:t>
+                </a:r>
+                <a:endParaRPr lang="en-GB" dirty="0"/>
+              </a:p>
+              <a:p>
+                <a:pPr marL="0" indent="0">
+                  <a:buNone/>
+                </a:pPr>
+                <a:endParaRPr lang="en-GB" dirty="0"/>
+              </a:p>
+              <a:p>
+                <a:pPr marL="0" indent="0">
+                  <a:buNone/>
+                </a:pPr>
+                <a14:m>
+                  <m:oMathPara xmlns:m="http://schemas.openxmlformats.org/officeDocument/2006/math">
+                    <m:oMathParaPr>
+                      <m:jc m:val="centerGroup"/>
+                    </m:oMathParaPr>
+                    <m:oMath xmlns:m="http://schemas.openxmlformats.org/officeDocument/2006/math">
+                      <m:r>
+                        <a:rPr lang="es-CO" b="0" i="1" smtClean="0">
+                          <a:latin typeface="Cambria Math" panose="02040503050406030204" pitchFamily="18" charset="0"/>
+                        </a:rPr>
+                        <m:t>0          </m:t>
+                      </m:r>
+                      <m:r>
+                        <a:rPr lang="es-CO" b="0" i="1" smtClean="0">
+                          <a:latin typeface="Cambria Math" panose="02040503050406030204" pitchFamily="18" charset="0"/>
+                        </a:rPr>
+                        <m:t>𝑠𝑖</m:t>
+                      </m:r>
+                      <m:r>
+                        <a:rPr lang="es-CO" b="0" i="1" smtClean="0">
+                          <a:latin typeface="Cambria Math" panose="02040503050406030204" pitchFamily="18" charset="0"/>
+                        </a:rPr>
+                        <m:t> </m:t>
+                      </m:r>
+                      <m:r>
+                        <a:rPr lang="es-CO" b="0" i="1" smtClean="0">
+                          <a:latin typeface="Cambria Math" panose="02040503050406030204" pitchFamily="18" charset="0"/>
+                        </a:rPr>
+                        <m:t>𝑥</m:t>
+                      </m:r>
+                      <m:r>
+                        <a:rPr lang="es-CO" b="0" i="1" smtClean="0">
+                          <a:latin typeface="Cambria Math" panose="02040503050406030204" pitchFamily="18" charset="0"/>
+                        </a:rPr>
+                        <m:t>=0</m:t>
+                      </m:r>
+                    </m:oMath>
+                  </m:oMathPara>
+                </a14:m>
+                <a:endParaRPr lang="es-CO" b="0" dirty="0"/>
+              </a:p>
+              <a:p>
+                <a:pPr marL="0" indent="0">
+                  <a:buNone/>
+                </a:pPr>
+                <a14:m>
+                  <m:oMathPara xmlns:m="http://schemas.openxmlformats.org/officeDocument/2006/math">
+                    <m:oMathParaPr>
+                      <m:jc m:val="centerGroup"/>
+                    </m:oMathParaPr>
+                    <m:oMath xmlns:m="http://schemas.openxmlformats.org/officeDocument/2006/math">
+                      <m:r>
+                        <a:rPr lang="es-CO" b="0" i="1" smtClean="0">
+                          <a:latin typeface="Cambria Math" panose="02040503050406030204" pitchFamily="18" charset="0"/>
+                          <a:ea typeface="Cambria Math" panose="02040503050406030204" pitchFamily="18" charset="0"/>
+                        </a:rPr>
+                        <m:t>∞</m:t>
+                      </m:r>
+                      <m:r>
+                        <a:rPr lang="es-CO" b="0" i="1" smtClean="0">
+                          <a:latin typeface="Cambria Math" panose="02040503050406030204" pitchFamily="18" charset="0"/>
+                        </a:rPr>
+                        <m:t>          </m:t>
+                      </m:r>
+                      <m:r>
+                        <a:rPr lang="es-CO" b="0" i="1" smtClean="0">
+                          <a:latin typeface="Cambria Math" panose="02040503050406030204" pitchFamily="18" charset="0"/>
+                        </a:rPr>
+                        <m:t>𝑠𝑖</m:t>
+                      </m:r>
+                      <m:r>
+                        <a:rPr lang="es-CO" b="0" i="1" smtClean="0">
+                          <a:latin typeface="Cambria Math" panose="02040503050406030204" pitchFamily="18" charset="0"/>
+                        </a:rPr>
+                        <m:t>&lt;0</m:t>
+                      </m:r>
+                    </m:oMath>
+                  </m:oMathPara>
+                </a14:m>
+                <a:endParaRPr lang="es-CO" b="0" dirty="0"/>
+              </a:p>
+              <a:p>
+                <a:pPr marL="0" indent="0">
+                  <a:buNone/>
+                </a:pPr>
+                <a:r>
+                  <a:rPr lang="es-CO" b="0" dirty="0"/>
+                  <a:t>							 </a:t>
+                </a:r>
+                <a14:m>
+                  <m:oMath xmlns:m="http://schemas.openxmlformats.org/officeDocument/2006/math">
+                    <m:func>
+                      <m:funcPr>
+                        <m:ctrlPr>
+                          <a:rPr lang="es-CO" sz="2400" b="0" i="1" smtClean="0">
+                            <a:latin typeface="Cambria Math" panose="02040503050406030204" pitchFamily="18" charset="0"/>
+                            <a:ea typeface="Cambria Math" panose="02040503050406030204" pitchFamily="18" charset="0"/>
+                          </a:rPr>
+                        </m:ctrlPr>
+                      </m:funcPr>
+                      <m:fName>
+                        <m:sSub>
+                          <m:sSubPr>
+                            <m:ctrlPr>
+                              <a:rPr lang="es-CO" sz="2400" b="0" i="1" smtClean="0">
+                                <a:latin typeface="Cambria Math" panose="02040503050406030204" pitchFamily="18" charset="0"/>
+                                <a:ea typeface="Cambria Math" panose="02040503050406030204" pitchFamily="18" charset="0"/>
+                              </a:rPr>
+                            </m:ctrlPr>
+                          </m:sSubPr>
+                          <m:e>
+                            <m:r>
+                              <a:rPr lang="es-CO" sz="2400" b="0" i="1" smtClean="0">
+                                <a:latin typeface="Cambria Math" panose="02040503050406030204" pitchFamily="18" charset="0"/>
+                                <a:ea typeface="Cambria Math" panose="02040503050406030204" pitchFamily="18" charset="0"/>
+                              </a:rPr>
+                              <m:t>𝑚𝑖𝑛</m:t>
+                            </m:r>
+                          </m:e>
+                          <m:sub>
+                            <m:r>
+                              <a:rPr lang="es-CO" sz="2400" b="0" i="1" smtClean="0">
+                                <a:latin typeface="Cambria Math" panose="02040503050406030204" pitchFamily="18" charset="0"/>
+                                <a:ea typeface="Cambria Math" panose="02040503050406030204" pitchFamily="18" charset="0"/>
+                              </a:rPr>
+                              <m:t>𝑖</m:t>
+                            </m:r>
+                            <m:r>
+                              <a:rPr lang="es-CO" sz="2400" b="0" i="1" smtClean="0">
+                                <a:latin typeface="Cambria Math" panose="02040503050406030204" pitchFamily="18" charset="0"/>
+                                <a:ea typeface="Cambria Math" panose="02040503050406030204" pitchFamily="18" charset="0"/>
+                              </a:rPr>
+                              <m:t>=0,..</m:t>
+                            </m:r>
+                            <m:r>
+                              <a:rPr lang="es-CO" sz="2400" b="0" i="1" smtClean="0">
+                                <a:latin typeface="Cambria Math" panose="02040503050406030204" pitchFamily="18" charset="0"/>
+                                <a:ea typeface="Cambria Math" panose="02040503050406030204" pitchFamily="18" charset="0"/>
+                              </a:rPr>
+                              <m:t>𝑛</m:t>
+                            </m:r>
+                            <m:r>
+                              <a:rPr lang="es-CO" sz="2400" b="0" i="1" smtClean="0">
+                                <a:latin typeface="Cambria Math" panose="02040503050406030204" pitchFamily="18" charset="0"/>
+                                <a:ea typeface="Cambria Math" panose="02040503050406030204" pitchFamily="18" charset="0"/>
+                              </a:rPr>
+                              <m:t>−1</m:t>
+                            </m:r>
+                          </m:sub>
+                        </m:sSub>
+                      </m:fName>
+                      <m:e>
+                        <m:d>
+                          <m:dPr>
+                            <m:ctrlPr>
+                              <a:rPr lang="es-CO" sz="2400" b="0" i="1" smtClean="0">
+                                <a:latin typeface="Cambria Math" panose="02040503050406030204" pitchFamily="18" charset="0"/>
+                                <a:ea typeface="Cambria Math" panose="02040503050406030204" pitchFamily="18" charset="0"/>
+                              </a:rPr>
+                            </m:ctrlPr>
+                          </m:dPr>
+                          <m:e>
+                            <m:r>
+                              <a:rPr lang="en-US" sz="2400" b="0" i="1" smtClean="0">
+                                <a:latin typeface="Cambria Math" panose="02040503050406030204" pitchFamily="18" charset="0"/>
+                                <a:ea typeface="Cambria Math" panose="02040503050406030204" pitchFamily="18" charset="0"/>
+                              </a:rPr>
+                              <m:t>𝑓</m:t>
+                            </m:r>
+                            <m:r>
+                              <a:rPr lang="es-CO" sz="2400" b="0" i="1" smtClean="0">
+                                <a:latin typeface="Cambria Math" panose="02040503050406030204" pitchFamily="18" charset="0"/>
+                                <a:ea typeface="Cambria Math" panose="02040503050406030204" pitchFamily="18" charset="0"/>
+                              </a:rPr>
+                              <m:t>(</m:t>
+                            </m:r>
+                            <m:r>
+                              <a:rPr lang="es-CO" sz="2400" b="0" i="1" smtClean="0">
+                                <a:latin typeface="Cambria Math" panose="02040503050406030204" pitchFamily="18" charset="0"/>
+                                <a:ea typeface="Cambria Math" panose="02040503050406030204" pitchFamily="18" charset="0"/>
+                              </a:rPr>
+                              <m:t>𝑥</m:t>
+                            </m:r>
+                            <m:r>
+                              <a:rPr lang="es-CO" sz="2400" b="0" i="1" smtClean="0">
+                                <a:latin typeface="Cambria Math" panose="02040503050406030204" pitchFamily="18" charset="0"/>
+                                <a:ea typeface="Cambria Math" panose="02040503050406030204" pitchFamily="18" charset="0"/>
+                              </a:rPr>
+                              <m:t>−</m:t>
+                            </m:r>
+                            <m:r>
+                              <a:rPr lang="es-CO" sz="2400" b="0" i="1" smtClean="0">
+                                <a:latin typeface="Cambria Math" panose="02040503050406030204" pitchFamily="18" charset="0"/>
+                                <a:ea typeface="Cambria Math" panose="02040503050406030204" pitchFamily="18" charset="0"/>
+                              </a:rPr>
+                              <m:t>𝑐𝑜𝑖𝑛</m:t>
+                            </m:r>
+                            <m:r>
+                              <a:rPr lang="es-CO" sz="2400" b="0" i="1" smtClean="0">
+                                <a:latin typeface="Cambria Math" panose="02040503050406030204" pitchFamily="18" charset="0"/>
+                                <a:ea typeface="Cambria Math" panose="02040503050406030204" pitchFamily="18" charset="0"/>
+                              </a:rPr>
+                              <m:t>[</m:t>
+                            </m:r>
+                            <m:r>
+                              <a:rPr lang="es-CO" sz="2400" b="0" i="1" smtClean="0">
+                                <a:latin typeface="Cambria Math" panose="02040503050406030204" pitchFamily="18" charset="0"/>
+                                <a:ea typeface="Cambria Math" panose="02040503050406030204" pitchFamily="18" charset="0"/>
+                              </a:rPr>
+                              <m:t>𝑖</m:t>
+                            </m:r>
+                            <m:r>
+                              <a:rPr lang="es-CO" sz="2400" b="0" i="1" smtClean="0">
+                                <a:latin typeface="Cambria Math" panose="02040503050406030204" pitchFamily="18" charset="0"/>
+                                <a:ea typeface="Cambria Math" panose="02040503050406030204" pitchFamily="18" charset="0"/>
+                              </a:rPr>
+                              <m:t>]</m:t>
+                            </m:r>
+                          </m:e>
+                        </m:d>
+                      </m:e>
+                    </m:func>
+                    <m:r>
+                      <a:rPr lang="es-CO" sz="2400" b="0" i="1" smtClean="0">
+                        <a:latin typeface="Cambria Math" panose="02040503050406030204" pitchFamily="18" charset="0"/>
+                        <a:ea typeface="Cambria Math" panose="02040503050406030204" pitchFamily="18" charset="0"/>
+                      </a:rPr>
+                      <m:t>+1)   </m:t>
+                    </m:r>
+                  </m:oMath>
+                </a14:m>
+                <a:endParaRPr lang="es-CO" sz="2400" b="0" dirty="0"/>
+              </a:p>
+              <a:p>
+                <a:pPr marL="0" indent="0">
+                  <a:buNone/>
+                </a:pPr>
+                <a:endParaRPr lang="es-CO" b="0" dirty="0"/>
+              </a:p>
+              <a:p>
+                <a:pPr marL="0" indent="0">
+                  <a:buNone/>
+                </a:pPr>
+                <a:endParaRPr lang="en-GB" dirty="0"/>
+              </a:p>
+              <a:p>
+                <a:pPr marL="0" indent="0">
+                  <a:buNone/>
+                </a:pPr>
+                <a:endParaRPr lang="en-GB" dirty="0"/>
+              </a:p>
+            </p:txBody>
+          </p:sp>
+        </mc:Choice>
+        <mc:Fallback>
+          <p:sp>
+            <p:nvSpPr>
+              <p:cNvPr id="3" name="Content Placeholder 2">
+                <a:extLst>
+                  <a:ext uri="{FF2B5EF4-FFF2-40B4-BE49-F238E27FC236}">
+                    <a16:creationId xmlns:a16="http://schemas.microsoft.com/office/drawing/2014/main" id="{6D3CB94B-BDC3-40E0-B966-05A4C653F66C}"/>
+                  </a:ext>
+                </a:extLst>
+              </p:cNvPr>
+              <p:cNvSpPr>
+                <a:spLocks noGrp="1" noRot="1" noChangeAspect="1" noMove="1" noResize="1" noEditPoints="1" noAdjustHandles="1" noChangeArrowheads="1" noChangeShapeType="1" noTextEdit="1"/>
+              </p:cNvSpPr>
+              <p:nvPr>
+                <p:ph idx="1"/>
+              </p:nvPr>
+            </p:nvSpPr>
+            <p:spPr>
+              <a:xfrm>
+                <a:off x="470452" y="1600200"/>
+                <a:ext cx="8229600" cy="4525963"/>
+              </a:xfrm>
+              <a:blipFill>
+                <a:blip r:embed="rId2"/>
+                <a:stretch>
+                  <a:fillRect l="-1481" t="-1348"/>
+                </a:stretch>
+              </a:blipFill>
+            </p:spPr>
+            <p:txBody>
+              <a:bodyPr/>
+              <a:lstStyle/>
+              <a:p>
+                <a:r>
+                  <a:rPr lang="en-GB">
+                    <a:noFill/>
+                  </a:rPr>
+                  <a:t> </a:t>
+                </a:r>
+              </a:p>
+            </p:txBody>
+          </p:sp>
+        </mc:Fallback>
+      </mc:AlternateContent>
+      <mc:AlternateContent xmlns:mc="http://schemas.openxmlformats.org/markup-compatibility/2006">
+        <mc:Choice xmlns:p14="http://schemas.microsoft.com/office/powerpoint/2010/main" Requires="p14">
+          <p:contentPart p14:bwMode="auto" r:id="rId3">
+            <p14:nvContentPartPr>
+              <p14:cNvPr id="4" name="Ink 3">
+                <a:extLst>
+                  <a:ext uri="{FF2B5EF4-FFF2-40B4-BE49-F238E27FC236}">
+                    <a16:creationId xmlns:a16="http://schemas.microsoft.com/office/drawing/2014/main" id="{2A334759-5F3B-4D3B-B384-84BD665C6DFC}"/>
+                  </a:ext>
+                </a:extLst>
+              </p14:cNvPr>
+              <p14:cNvContentPartPr/>
+              <p14:nvPr/>
+            </p14:nvContentPartPr>
+            <p14:xfrm>
+              <a:off x="556560" y="3448440"/>
+              <a:ext cx="3138480" cy="2586240"/>
+            </p14:xfrm>
+          </p:contentPart>
+        </mc:Choice>
+        <mc:Fallback>
+          <p:pic>
+            <p:nvPicPr>
+              <p:cNvPr id="4" name="Ink 3">
+                <a:extLst>
+                  <a:ext uri="{FF2B5EF4-FFF2-40B4-BE49-F238E27FC236}">
+                    <a16:creationId xmlns:a16="http://schemas.microsoft.com/office/drawing/2014/main" id="{2A334759-5F3B-4D3B-B384-84BD665C6DFC}"/>
+                  </a:ext>
+                </a:extLst>
+              </p:cNvPr>
+              <p:cNvPicPr/>
+              <p:nvPr/>
+            </p:nvPicPr>
+            <p:blipFill>
+              <a:blip r:embed="rId4"/>
+              <a:stretch>
+                <a:fillRect/>
+              </a:stretch>
+            </p:blipFill>
+            <p:spPr>
+              <a:xfrm>
+                <a:off x="547200" y="3439080"/>
+                <a:ext cx="3157200" cy="2604960"/>
+              </a:xfrm>
+              <a:prstGeom prst="rect">
+                <a:avLst/>
+              </a:prstGeom>
+            </p:spPr>
+          </p:pic>
+        </mc:Fallback>
+      </mc:AlternateContent>
+    </p:spTree>
+    <p:extLst>
+      <p:ext uri="{BB962C8B-B14F-4D97-AF65-F5344CB8AC3E}">
+        <p14:creationId xmlns:p14="http://schemas.microsoft.com/office/powerpoint/2010/main" val="1493045288"/>
+      </p:ext>
+    </p:extLst>
+  </p:cSld>
+  <p:clrMapOvr>
+    <a:masterClrMapping/>
+  </p:clrMapOvr>
+</p:sld>
+</file>
+
+<file path=ppt/slides/slide25.xml><?xml version="1.0" encoding="utf-8"?>
+<p:sld xmlns:a="http://schemas.openxmlformats.org/drawingml/2006/main" xmlns:r="http://schemas.openxmlformats.org/officeDocument/2006/relationships" xmlns:p="http://schemas.openxmlformats.org/presentationml/2006/main">
+  <p:cSld>
+    <p:spTree>
+      <p:nvGrpSpPr>
+        <p:cNvPr id="1" name=""/>
+        <p:cNvGrpSpPr/>
+        <p:nvPr/>
+      </p:nvGrpSpPr>
+      <p:grpSpPr>
+        <a:xfrm>
+          <a:off x="0" y="0"/>
+          <a:ext cx="0" cy="0"/>
+          <a:chOff x="0" y="0"/>
+          <a:chExt cx="0" cy="0"/>
+        </a:xfrm>
+      </p:grpSpPr>
+      <p:sp>
+        <p:nvSpPr>
+          <p:cNvPr id="2" name="Title 1">
+            <a:extLst>
+              <a:ext uri="{FF2B5EF4-FFF2-40B4-BE49-F238E27FC236}">
+                <a16:creationId xmlns:a16="http://schemas.microsoft.com/office/drawing/2014/main" id="{FE15285C-C8F4-4C93-935E-B607342419B7}"/>
+              </a:ext>
+            </a:extLst>
+          </p:cNvPr>
+          <p:cNvSpPr>
+            <a:spLocks noGrp="1"/>
+          </p:cNvSpPr>
+          <p:nvPr>
+            <p:ph type="title"/>
+          </p:nvPr>
+        </p:nvSpPr>
+        <p:spPr/>
+        <p:txBody>
+          <a:bodyPr/>
+          <a:lstStyle/>
+          <a:p>
+            <a:r>
+              <a:rPr lang="en-GB" dirty="0"/>
+              <a:t>Coin change</a:t>
+            </a:r>
+          </a:p>
+        </p:txBody>
+      </p:sp>
+      <p:sp>
+        <p:nvSpPr>
+          <p:cNvPr id="3" name="Content Placeholder 2">
+            <a:extLst>
+              <a:ext uri="{FF2B5EF4-FFF2-40B4-BE49-F238E27FC236}">
+                <a16:creationId xmlns:a16="http://schemas.microsoft.com/office/drawing/2014/main" id="{6D3CB94B-BDC3-40E0-B966-05A4C653F66C}"/>
+              </a:ext>
+            </a:extLst>
+          </p:cNvPr>
+          <p:cNvSpPr>
+            <a:spLocks noGrp="1"/>
+          </p:cNvSpPr>
+          <p:nvPr>
+            <p:ph idx="1"/>
+          </p:nvPr>
+        </p:nvSpPr>
+        <p:spPr>
+          <a:xfrm>
+            <a:off x="470452" y="1600200"/>
+            <a:ext cx="8229600" cy="4525963"/>
+          </a:xfrm>
+        </p:spPr>
+        <p:txBody>
+          <a:bodyPr/>
+          <a:lstStyle/>
+          <a:p>
+            <a:pPr marL="0" indent="0">
+              <a:buNone/>
+            </a:pPr>
+            <a:r>
+              <a:rPr lang="en-GB" dirty="0"/>
+              <a:t>Para </a:t>
+            </a:r>
+            <a:r>
+              <a:rPr lang="en-GB" dirty="0" err="1"/>
+              <a:t>cada</a:t>
+            </a:r>
+            <a:r>
+              <a:rPr lang="en-GB" dirty="0"/>
+              <a:t> </a:t>
+            </a:r>
+            <a:r>
+              <a:rPr lang="en-GB" dirty="0" err="1"/>
+              <a:t>estado</a:t>
+            </a:r>
+            <a:r>
+              <a:rPr lang="en-GB" dirty="0"/>
+              <a:t> </a:t>
+            </a:r>
+            <a:r>
+              <a:rPr lang="en-GB" dirty="0" err="1"/>
+              <a:t>está</a:t>
+            </a:r>
+            <a:r>
+              <a:rPr lang="en-GB" dirty="0"/>
+              <a:t> </a:t>
+            </a:r>
+            <a:r>
+              <a:rPr lang="en-GB" dirty="0" err="1"/>
+              <a:t>iterando</a:t>
+            </a:r>
+            <a:r>
+              <a:rPr lang="en-GB" dirty="0"/>
+              <a:t> O(</a:t>
+            </a:r>
+            <a:r>
+              <a:rPr lang="en-GB" dirty="0" err="1"/>
+              <a:t>nx</a:t>
+            </a:r>
+            <a:r>
+              <a:rPr lang="en-GB" dirty="0"/>
+              <a:t>) </a:t>
+            </a:r>
+            <a:r>
+              <a:rPr lang="en-GB" dirty="0" err="1"/>
+              <a:t>veces</a:t>
+            </a:r>
+            <a:r>
+              <a:rPr lang="en-GB" dirty="0"/>
+              <a:t> </a:t>
+            </a:r>
+            <a:r>
+              <a:rPr lang="en-GB" b="1" dirty="0" err="1"/>
+              <a:t>si</a:t>
+            </a:r>
+            <a:r>
+              <a:rPr lang="en-GB" b="1" dirty="0"/>
+              <a:t> se </a:t>
+            </a:r>
+            <a:r>
+              <a:rPr lang="en-GB" b="1" dirty="0" err="1"/>
+              <a:t>memorizara</a:t>
+            </a:r>
+            <a:r>
+              <a:rPr lang="en-GB" b="1" dirty="0"/>
+              <a:t> la </a:t>
+            </a:r>
+            <a:r>
+              <a:rPr lang="en-GB" b="1" dirty="0" err="1"/>
+              <a:t>respuesta</a:t>
+            </a:r>
+            <a:r>
+              <a:rPr lang="en-GB" b="1" dirty="0"/>
+              <a:t>.</a:t>
+            </a:r>
+          </a:p>
+          <a:p>
+            <a:pPr marL="0" indent="0">
+              <a:buNone/>
+            </a:pPr>
+            <a:endParaRPr lang="en-GB" dirty="0"/>
+          </a:p>
+        </p:txBody>
+      </p:sp>
+    </p:spTree>
+    <p:extLst>
+      <p:ext uri="{BB962C8B-B14F-4D97-AF65-F5344CB8AC3E}">
+        <p14:creationId xmlns:p14="http://schemas.microsoft.com/office/powerpoint/2010/main" val="1644034709"/>
+      </p:ext>
+    </p:extLst>
+  </p:cSld>
+  <p:clrMapOvr>
+    <a:masterClrMapping/>
+  </p:clrMapOvr>
+</p:sld>
+</file>
+
+<file path=ppt/slides/slide26.xml><?xml version="1.0" encoding="utf-8"?>
+<p:sld xmlns:a="http://schemas.openxmlformats.org/drawingml/2006/main" xmlns:r="http://schemas.openxmlformats.org/officeDocument/2006/relationships" xmlns:p="http://schemas.openxmlformats.org/presentationml/2006/main">
+  <p:cSld>
+    <p:spTree>
+      <p:nvGrpSpPr>
+        <p:cNvPr id="1" name=""/>
+        <p:cNvGrpSpPr/>
+        <p:nvPr/>
+      </p:nvGrpSpPr>
+      <p:grpSpPr>
+        <a:xfrm>
+          <a:off x="0" y="0"/>
+          <a:ext cx="0" cy="0"/>
+          <a:chOff x="0" y="0"/>
+          <a:chExt cx="0" cy="0"/>
+        </a:xfrm>
+      </p:grpSpPr>
+      <p:sp>
+        <p:nvSpPr>
+          <p:cNvPr id="2" name="Title 1">
+            <a:extLst>
+              <a:ext uri="{FF2B5EF4-FFF2-40B4-BE49-F238E27FC236}">
+                <a16:creationId xmlns:a16="http://schemas.microsoft.com/office/drawing/2014/main" id="{6738258B-F269-483C-B417-F5B5527CA9DC}"/>
+              </a:ext>
+            </a:extLst>
+          </p:cNvPr>
+          <p:cNvSpPr>
+            <a:spLocks noGrp="1"/>
+          </p:cNvSpPr>
+          <p:nvPr>
+            <p:ph type="title"/>
+          </p:nvPr>
+        </p:nvSpPr>
+        <p:spPr/>
+        <p:txBody>
+          <a:bodyPr/>
+          <a:lstStyle/>
+          <a:p>
+            <a:r>
+              <a:rPr lang="es-CO" dirty="0"/>
+              <a:t>Se podría pensar de otra forma:</a:t>
+            </a:r>
+            <a:endParaRPr lang="en-GB" dirty="0"/>
+          </a:p>
+        </p:txBody>
+      </p:sp>
+      <p:sp>
+        <p:nvSpPr>
+          <p:cNvPr id="3" name="Content Placeholder 2">
+            <a:extLst>
+              <a:ext uri="{FF2B5EF4-FFF2-40B4-BE49-F238E27FC236}">
+                <a16:creationId xmlns:a16="http://schemas.microsoft.com/office/drawing/2014/main" id="{CD17F822-51FB-4AE5-A7CE-7DE40A2CBB5F}"/>
+              </a:ext>
+            </a:extLst>
+          </p:cNvPr>
+          <p:cNvSpPr>
+            <a:spLocks noGrp="1"/>
+          </p:cNvSpPr>
+          <p:nvPr>
+            <p:ph idx="1"/>
+          </p:nvPr>
+        </p:nvSpPr>
+        <p:spPr/>
+        <p:txBody>
+          <a:bodyPr/>
+          <a:lstStyle/>
+          <a:p>
+            <a:r>
+              <a:rPr lang="es-CO" dirty="0"/>
+              <a:t>No importa el orden en el que use las monedas.</a:t>
+            </a:r>
+            <a:endParaRPr lang="en-GB" dirty="0"/>
+          </a:p>
+          <a:p>
+            <a:r>
+              <a:rPr lang="en-GB" dirty="0"/>
+              <a:t>Se </a:t>
+            </a:r>
+            <a:r>
+              <a:rPr lang="en-GB" dirty="0" err="1"/>
+              <a:t>puede</a:t>
+            </a:r>
+            <a:r>
+              <a:rPr lang="en-GB" dirty="0"/>
+              <a:t> </a:t>
+            </a:r>
+            <a:r>
+              <a:rPr lang="en-GB" dirty="0" err="1"/>
+              <a:t>definir</a:t>
+            </a:r>
+            <a:r>
+              <a:rPr lang="en-GB" dirty="0"/>
+              <a:t> un nuevo </a:t>
+            </a:r>
+            <a:r>
+              <a:rPr lang="en-GB" dirty="0" err="1"/>
+              <a:t>estado</a:t>
+            </a:r>
+            <a:r>
+              <a:rPr lang="en-GB" dirty="0"/>
+              <a:t>: </a:t>
+            </a:r>
+          </a:p>
+          <a:p>
+            <a:r>
+              <a:rPr lang="en-GB" dirty="0"/>
+              <a:t>f(</a:t>
+            </a:r>
+            <a:r>
+              <a:rPr lang="en-GB" dirty="0" err="1"/>
+              <a:t>x,i</a:t>
+            </a:r>
+            <a:r>
+              <a:rPr lang="en-GB" dirty="0"/>
+              <a:t>) = </a:t>
+            </a:r>
+            <a:r>
+              <a:rPr lang="en-GB" dirty="0" err="1"/>
+              <a:t>mínimo</a:t>
+            </a:r>
+            <a:r>
+              <a:rPr lang="en-GB" dirty="0"/>
+              <a:t> para </a:t>
+            </a:r>
+            <a:r>
+              <a:rPr lang="en-GB" dirty="0" err="1"/>
+              <a:t>cambiar</a:t>
+            </a:r>
+            <a:r>
+              <a:rPr lang="en-GB" dirty="0"/>
+              <a:t> x </a:t>
+            </a:r>
+            <a:r>
+              <a:rPr lang="en-GB" dirty="0" err="1"/>
+              <a:t>si</a:t>
+            </a:r>
+            <a:r>
+              <a:rPr lang="en-GB" dirty="0"/>
+              <a:t> solo se </a:t>
+            </a:r>
+            <a:r>
+              <a:rPr lang="en-GB" dirty="0" err="1"/>
+              <a:t>pueden</a:t>
+            </a:r>
+            <a:r>
+              <a:rPr lang="en-GB" dirty="0"/>
+              <a:t> usar </a:t>
+            </a:r>
+            <a:r>
+              <a:rPr lang="en-GB" dirty="0" err="1"/>
+              <a:t>monedas</a:t>
+            </a:r>
+            <a:r>
+              <a:rPr lang="en-GB" dirty="0"/>
+              <a:t> </a:t>
+            </a:r>
+            <a:r>
+              <a:rPr lang="en-GB" dirty="0" err="1"/>
+              <a:t>desde</a:t>
+            </a:r>
+            <a:r>
+              <a:rPr lang="en-GB" dirty="0"/>
+              <a:t> la cero a la </a:t>
+            </a:r>
+            <a:r>
+              <a:rPr lang="en-GB" dirty="0" err="1"/>
+              <a:t>i</a:t>
+            </a:r>
+            <a:endParaRPr lang="en-GB" dirty="0"/>
+          </a:p>
+        </p:txBody>
+      </p:sp>
+    </p:spTree>
+    <p:extLst>
+      <p:ext uri="{BB962C8B-B14F-4D97-AF65-F5344CB8AC3E}">
+        <p14:creationId xmlns:p14="http://schemas.microsoft.com/office/powerpoint/2010/main" val="120508801"/>
+      </p:ext>
+    </p:extLst>
+  </p:cSld>
+  <p:clrMapOvr>
+    <a:masterClrMapping/>
+  </p:clrMapOvr>
+</p:sld>
+</file>
+
+<file path=ppt/slides/slide27.xml><?xml version="1.0" encoding="utf-8"?>
+<p:sld xmlns:a="http://schemas.openxmlformats.org/drawingml/2006/main" xmlns:r="http://schemas.openxmlformats.org/officeDocument/2006/relationships" xmlns:p="http://schemas.openxmlformats.org/presentationml/2006/main">
+  <p:cSld>
+    <p:spTree>
+      <p:nvGrpSpPr>
+        <p:cNvPr id="1" name=""/>
+        <p:cNvGrpSpPr/>
+        <p:nvPr/>
+      </p:nvGrpSpPr>
+      <p:grpSpPr>
+        <a:xfrm>
+          <a:off x="0" y="0"/>
+          <a:ext cx="0" cy="0"/>
+          <a:chOff x="0" y="0"/>
+          <a:chExt cx="0" cy="0"/>
+        </a:xfrm>
+      </p:grpSpPr>
+      <p:sp>
+        <p:nvSpPr>
+          <p:cNvPr id="2" name="Title 1">
+            <a:extLst>
+              <a:ext uri="{FF2B5EF4-FFF2-40B4-BE49-F238E27FC236}">
+                <a16:creationId xmlns:a16="http://schemas.microsoft.com/office/drawing/2014/main" id="{FE15285C-C8F4-4C93-935E-B607342419B7}"/>
+              </a:ext>
+            </a:extLst>
+          </p:cNvPr>
+          <p:cNvSpPr>
+            <a:spLocks noGrp="1"/>
+          </p:cNvSpPr>
+          <p:nvPr>
+            <p:ph type="title"/>
+          </p:nvPr>
+        </p:nvSpPr>
+        <p:spPr/>
+        <p:txBody>
+          <a:bodyPr/>
+          <a:lstStyle/>
+          <a:p>
+            <a:r>
+              <a:rPr lang="en-GB" dirty="0"/>
+              <a:t>Coin change</a:t>
+            </a:r>
+          </a:p>
+        </p:txBody>
+      </p:sp>
+      <mc:AlternateContent xmlns:mc="http://schemas.openxmlformats.org/markup-compatibility/2006">
+        <mc:Choice xmlns:a14="http://schemas.microsoft.com/office/drawing/2010/main" Requires="a14">
+          <p:sp>
+            <p:nvSpPr>
+              <p:cNvPr id="3" name="Content Placeholder 2">
+                <a:extLst>
+                  <a:ext uri="{FF2B5EF4-FFF2-40B4-BE49-F238E27FC236}">
+                    <a16:creationId xmlns:a16="http://schemas.microsoft.com/office/drawing/2014/main" id="{6D3CB94B-BDC3-40E0-B966-05A4C653F66C}"/>
+                  </a:ext>
+                </a:extLst>
+              </p:cNvPr>
+              <p:cNvSpPr>
+                <a:spLocks noGrp="1"/>
+              </p:cNvSpPr>
+              <p:nvPr>
+                <p:ph idx="1"/>
+              </p:nvPr>
+            </p:nvSpPr>
+            <p:spPr>
+              <a:xfrm>
+                <a:off x="470452" y="1600200"/>
+                <a:ext cx="8229600" cy="4525963"/>
+              </a:xfrm>
+            </p:spPr>
+            <p:txBody>
+              <a:bodyPr/>
+              <a:lstStyle/>
+              <a:p>
+                <a:pPr marL="0" indent="0">
+                  <a:buNone/>
+                </a:pPr>
+                <a:r>
+                  <a:rPr lang="en-GB" dirty="0"/>
+                  <a:t>f(x) = </a:t>
+                </a:r>
+                <a:r>
+                  <a:rPr lang="en-GB" dirty="0" err="1"/>
+                  <a:t>mínimo</a:t>
+                </a:r>
+                <a:r>
+                  <a:rPr lang="en-GB" dirty="0"/>
+                  <a:t> de </a:t>
+                </a:r>
+                <a:r>
+                  <a:rPr lang="en-GB" dirty="0" err="1"/>
+                  <a:t>monedas</a:t>
+                </a:r>
+                <a:r>
+                  <a:rPr lang="en-GB" dirty="0"/>
+                  <a:t> que </a:t>
+                </a:r>
+                <a:r>
+                  <a:rPr lang="en-GB" dirty="0" err="1"/>
+                  <a:t>necesito</a:t>
+                </a:r>
+                <a:r>
+                  <a:rPr lang="en-GB" dirty="0"/>
+                  <a:t> para </a:t>
+                </a:r>
+                <a:r>
+                  <a:rPr lang="en-GB" dirty="0" err="1"/>
+                  <a:t>representar</a:t>
+                </a:r>
+                <a:r>
+                  <a:rPr lang="en-GB" dirty="0"/>
+                  <a:t> x</a:t>
+                </a:r>
+              </a:p>
+              <a:p>
+                <a:pPr marL="0" indent="0">
+                  <a:buNone/>
+                </a:pPr>
+                <a:r>
+                  <a:rPr lang="en-GB" dirty="0"/>
+                  <a:t>Casos base: </a:t>
+                </a:r>
+                <a:r>
+                  <a:rPr lang="en-GB" dirty="0" err="1"/>
+                  <a:t>si</a:t>
+                </a:r>
+                <a:r>
+                  <a:rPr lang="en-GB" dirty="0"/>
+                  <a:t> x es </a:t>
+                </a:r>
+                <a:r>
+                  <a:rPr lang="en-GB" dirty="0" err="1"/>
+                  <a:t>negativo</a:t>
+                </a:r>
+                <a:r>
+                  <a:rPr lang="en-GB" dirty="0"/>
+                  <a:t> no se </a:t>
+                </a:r>
+                <a:r>
+                  <a:rPr lang="en-GB" dirty="0" err="1"/>
+                  <a:t>puede</a:t>
+                </a:r>
+                <a:endParaRPr lang="en-GB" dirty="0"/>
+              </a:p>
+              <a:p>
+                <a:pPr marL="0" indent="0">
+                  <a:buNone/>
+                </a:pPr>
+                <a:endParaRPr lang="en-GB" dirty="0"/>
+              </a:p>
+              <a:p>
+                <a:pPr marL="0" indent="0">
+                  <a:buNone/>
+                </a:pPr>
+                <a14:m>
+                  <m:oMathPara xmlns:m="http://schemas.openxmlformats.org/officeDocument/2006/math">
+                    <m:oMathParaPr>
+                      <m:jc m:val="centerGroup"/>
+                    </m:oMathParaPr>
+                    <m:oMath xmlns:m="http://schemas.openxmlformats.org/officeDocument/2006/math">
+                      <m:r>
+                        <a:rPr lang="es-CO" b="0" i="1" smtClean="0">
+                          <a:latin typeface="Cambria Math" panose="02040503050406030204" pitchFamily="18" charset="0"/>
+                        </a:rPr>
+                        <m:t>0     </m:t>
+                      </m:r>
+                      <m:r>
+                        <a:rPr lang="es-CO" b="0" i="1" smtClean="0">
+                          <a:latin typeface="Cambria Math" panose="02040503050406030204" pitchFamily="18" charset="0"/>
+                        </a:rPr>
+                        <m:t>𝑠𝑖</m:t>
+                      </m:r>
+                      <m:r>
+                        <a:rPr lang="es-CO" b="0" i="1" smtClean="0">
+                          <a:latin typeface="Cambria Math" panose="02040503050406030204" pitchFamily="18" charset="0"/>
+                        </a:rPr>
+                        <m:t> </m:t>
+                      </m:r>
+                      <m:r>
+                        <a:rPr lang="es-CO" b="0" i="1" smtClean="0">
+                          <a:latin typeface="Cambria Math" panose="02040503050406030204" pitchFamily="18" charset="0"/>
+                        </a:rPr>
+                        <m:t>𝑖</m:t>
+                      </m:r>
+                      <m:r>
+                        <a:rPr lang="es-CO" b="0" i="1" smtClean="0">
+                          <a:latin typeface="Cambria Math" panose="02040503050406030204" pitchFamily="18" charset="0"/>
+                        </a:rPr>
+                        <m:t>&lt;0 ∧</m:t>
+                      </m:r>
+                      <m:r>
+                        <a:rPr lang="es-CO" b="0" i="1" smtClean="0">
+                          <a:latin typeface="Cambria Math" panose="02040503050406030204" pitchFamily="18" charset="0"/>
+                          <a:ea typeface="Cambria Math" panose="02040503050406030204" pitchFamily="18" charset="0"/>
+                        </a:rPr>
+                        <m:t>𝑥</m:t>
+                      </m:r>
+                      <m:r>
+                        <a:rPr lang="es-CO" b="0" i="1" smtClean="0">
+                          <a:latin typeface="Cambria Math" panose="02040503050406030204" pitchFamily="18" charset="0"/>
+                          <a:ea typeface="Cambria Math" panose="02040503050406030204" pitchFamily="18" charset="0"/>
+                        </a:rPr>
+                        <m:t>=0 </m:t>
+                      </m:r>
+                    </m:oMath>
+                  </m:oMathPara>
+                </a14:m>
+                <a:endParaRPr lang="es-CO" b="0" dirty="0"/>
+              </a:p>
+              <a:p>
+                <a:pPr marL="0" indent="0">
+                  <a:buNone/>
+                </a:pPr>
+                <a14:m>
+                  <m:oMath xmlns:m="http://schemas.openxmlformats.org/officeDocument/2006/math">
+                    <m:r>
+                      <a:rPr lang="es-CO" b="0" i="1" smtClean="0">
+                        <a:latin typeface="Cambria Math" panose="02040503050406030204" pitchFamily="18" charset="0"/>
+                        <a:ea typeface="Cambria Math" panose="02040503050406030204" pitchFamily="18" charset="0"/>
+                      </a:rPr>
+                      <m:t>                               ∞</m:t>
+                    </m:r>
+                    <m:r>
+                      <a:rPr lang="es-CO" b="0" i="1" smtClean="0">
+                        <a:latin typeface="Cambria Math" panose="02040503050406030204" pitchFamily="18" charset="0"/>
+                      </a:rPr>
+                      <m:t>    </m:t>
+                    </m:r>
+                    <m:r>
+                      <a:rPr lang="es-CO" b="0" i="1" smtClean="0">
+                        <a:latin typeface="Cambria Math" panose="02040503050406030204" pitchFamily="18" charset="0"/>
+                      </a:rPr>
+                      <m:t>𝑠𝑖</m:t>
+                    </m:r>
+                    <m:r>
+                      <a:rPr lang="es-CO" b="0" i="1" smtClean="0">
+                        <a:latin typeface="Cambria Math" panose="02040503050406030204" pitchFamily="18" charset="0"/>
+                      </a:rPr>
+                      <m:t> </m:t>
+                    </m:r>
+                    <m:r>
+                      <a:rPr lang="es-CO" b="0" i="1" smtClean="0">
+                        <a:latin typeface="Cambria Math" panose="02040503050406030204" pitchFamily="18" charset="0"/>
+                      </a:rPr>
+                      <m:t>𝑖</m:t>
+                    </m:r>
+                    <m:r>
+                      <a:rPr lang="es-CO" b="0" i="1" smtClean="0">
+                        <a:latin typeface="Cambria Math" panose="02040503050406030204" pitchFamily="18" charset="0"/>
+                      </a:rPr>
+                      <m:t>&lt;0</m:t>
+                    </m:r>
+                  </m:oMath>
+                </a14:m>
+                <a:r>
+                  <a:rPr lang="es-CO" b="0" dirty="0"/>
+                  <a:t> </a:t>
+                </a:r>
+                <a14:m>
+                  <m:oMath xmlns:m="http://schemas.openxmlformats.org/officeDocument/2006/math">
+                    <m:r>
+                      <a:rPr lang="es-CO">
+                        <a:latin typeface="Cambria Math" panose="02040503050406030204" pitchFamily="18" charset="0"/>
+                        <a:ea typeface="Cambria Math" panose="02040503050406030204" pitchFamily="18" charset="0"/>
+                      </a:rPr>
+                      <m:t>∧</m:t>
+                    </m:r>
+                    <m:r>
+                      <a:rPr lang="es-CO">
+                        <a:latin typeface="Cambria Math" panose="02040503050406030204" pitchFamily="18" charset="0"/>
+                        <a:ea typeface="Cambria Math" panose="02040503050406030204" pitchFamily="18" charset="0"/>
+                      </a:rPr>
+                      <m:t>𝑥</m:t>
+                    </m:r>
+                    <m:r>
+                      <a:rPr lang="es-CO" i="1" smtClean="0">
+                        <a:latin typeface="Cambria Math" panose="02040503050406030204" pitchFamily="18" charset="0"/>
+                        <a:ea typeface="Cambria Math" panose="02040503050406030204" pitchFamily="18" charset="0"/>
+                      </a:rPr>
+                      <m:t>≠</m:t>
+                    </m:r>
+                    <m:r>
+                      <a:rPr lang="es-CO">
+                        <a:latin typeface="Cambria Math" panose="02040503050406030204" pitchFamily="18" charset="0"/>
+                        <a:ea typeface="Cambria Math" panose="02040503050406030204" pitchFamily="18" charset="0"/>
+                      </a:rPr>
+                      <m:t>0 </m:t>
+                    </m:r>
+                  </m:oMath>
+                </a14:m>
+                <a:endParaRPr lang="es-CO" b="0" dirty="0"/>
+              </a:p>
+              <a:p>
+                <a:pPr marL="0" indent="0">
+                  <a:buNone/>
+                </a:pPr>
+                <a:r>
+                  <a:rPr lang="es-CO" b="0" dirty="0">
+                    <a:ea typeface="Cambria Math" panose="02040503050406030204" pitchFamily="18" charset="0"/>
+                  </a:rPr>
+                  <a:t>					</a:t>
+                </a:r>
+                <a14:m>
+                  <m:oMath xmlns:m="http://schemas.openxmlformats.org/officeDocument/2006/math">
+                    <m:r>
+                      <a:rPr lang="es-CO" b="0" i="1" smtClean="0">
+                        <a:latin typeface="Cambria Math" panose="02040503050406030204" pitchFamily="18" charset="0"/>
+                        <a:ea typeface="Cambria Math" panose="02040503050406030204" pitchFamily="18" charset="0"/>
+                      </a:rPr>
+                      <m:t> ∞</m:t>
+                    </m:r>
+                    <m:r>
+                      <a:rPr lang="es-CO" b="0" i="1" smtClean="0">
+                        <a:latin typeface="Cambria Math" panose="02040503050406030204" pitchFamily="18" charset="0"/>
+                      </a:rPr>
+                      <m:t>    </m:t>
+                    </m:r>
+                    <m:r>
+                      <a:rPr lang="es-CO" b="0" i="1" smtClean="0">
+                        <a:latin typeface="Cambria Math" panose="02040503050406030204" pitchFamily="18" charset="0"/>
+                      </a:rPr>
+                      <m:t>𝑠𝑖</m:t>
+                    </m:r>
+                    <m:r>
+                      <a:rPr lang="es-CO" b="0" i="1" smtClean="0">
+                        <a:latin typeface="Cambria Math" panose="02040503050406030204" pitchFamily="18" charset="0"/>
+                      </a:rPr>
+                      <m:t> </m:t>
+                    </m:r>
+                    <m:r>
+                      <a:rPr lang="es-CO">
+                        <a:latin typeface="Cambria Math" panose="02040503050406030204" pitchFamily="18" charset="0"/>
+                        <a:ea typeface="Cambria Math" panose="02040503050406030204" pitchFamily="18" charset="0"/>
+                      </a:rPr>
+                      <m:t>𝑥</m:t>
+                    </m:r>
+                    <m:r>
+                      <a:rPr lang="es-CO" b="0" i="1" smtClean="0">
+                        <a:latin typeface="Cambria Math" panose="02040503050406030204" pitchFamily="18" charset="0"/>
+                        <a:ea typeface="Cambria Math" panose="02040503050406030204" pitchFamily="18" charset="0"/>
+                      </a:rPr>
+                      <m:t>&lt;</m:t>
+                    </m:r>
+                    <m:r>
+                      <a:rPr lang="es-CO">
+                        <a:latin typeface="Cambria Math" panose="02040503050406030204" pitchFamily="18" charset="0"/>
+                        <a:ea typeface="Cambria Math" panose="02040503050406030204" pitchFamily="18" charset="0"/>
+                      </a:rPr>
+                      <m:t>0 </m:t>
+                    </m:r>
+                  </m:oMath>
+                </a14:m>
+                <a:endParaRPr lang="es-CO" b="0" dirty="0"/>
+              </a:p>
+              <a:p>
+                <a:pPr marL="0" indent="0">
+                  <a:buNone/>
+                </a:pPr>
+                <a:r>
+                  <a:rPr lang="es-CO" b="0" dirty="0"/>
+                  <a:t>			</a:t>
+                </a:r>
+                <a:r>
+                  <a:rPr lang="es-CO" sz="2400" b="0" dirty="0"/>
+                  <a:t>	       </a:t>
+                </a:r>
+                <a14:m>
+                  <m:oMath xmlns:m="http://schemas.openxmlformats.org/officeDocument/2006/math">
+                    <m:func>
+                      <m:funcPr>
+                        <m:ctrlPr>
+                          <a:rPr lang="es-CO" sz="2000" b="0" i="1" smtClean="0">
+                            <a:latin typeface="Cambria Math" panose="02040503050406030204" pitchFamily="18" charset="0"/>
+                            <a:ea typeface="Cambria Math" panose="02040503050406030204" pitchFamily="18" charset="0"/>
+                          </a:rPr>
+                        </m:ctrlPr>
+                      </m:funcPr>
+                      <m:fName>
+                        <m:r>
+                          <a:rPr lang="es-CO" sz="2000" b="0" i="1" smtClean="0">
+                            <a:latin typeface="Cambria Math" panose="02040503050406030204" pitchFamily="18" charset="0"/>
+                            <a:ea typeface="Cambria Math" panose="02040503050406030204" pitchFamily="18" charset="0"/>
+                          </a:rPr>
+                          <m:t>𝑚𝑖𝑛</m:t>
+                        </m:r>
+                      </m:fName>
+                      <m:e>
+                        <m:d>
+                          <m:dPr>
+                            <m:ctrlPr>
+                              <a:rPr lang="es-CO" sz="2000" b="0" i="1" smtClean="0">
+                                <a:latin typeface="Cambria Math" panose="02040503050406030204" pitchFamily="18" charset="0"/>
+                                <a:ea typeface="Cambria Math" panose="02040503050406030204" pitchFamily="18" charset="0"/>
+                              </a:rPr>
+                            </m:ctrlPr>
+                          </m:dPr>
+                          <m:e>
+                            <m:r>
+                              <a:rPr lang="en-US" sz="2000" b="0" i="1" smtClean="0">
+                                <a:latin typeface="Cambria Math" panose="02040503050406030204" pitchFamily="18" charset="0"/>
+                                <a:ea typeface="Cambria Math" panose="02040503050406030204" pitchFamily="18" charset="0"/>
+                              </a:rPr>
+                              <m:t>𝑓</m:t>
+                            </m:r>
+                            <m:r>
+                              <a:rPr lang="es-CO" sz="2000" b="0" i="1" smtClean="0">
+                                <a:latin typeface="Cambria Math" panose="02040503050406030204" pitchFamily="18" charset="0"/>
+                                <a:ea typeface="Cambria Math" panose="02040503050406030204" pitchFamily="18" charset="0"/>
+                              </a:rPr>
+                              <m:t>(</m:t>
+                            </m:r>
+                            <m:r>
+                              <a:rPr lang="es-CO" sz="2000" b="0" i="1" smtClean="0">
+                                <a:latin typeface="Cambria Math" panose="02040503050406030204" pitchFamily="18" charset="0"/>
+                                <a:ea typeface="Cambria Math" panose="02040503050406030204" pitchFamily="18" charset="0"/>
+                              </a:rPr>
+                              <m:t>𝑥</m:t>
+                            </m:r>
+                            <m:r>
+                              <a:rPr lang="es-CO" sz="2000" b="0" i="1" smtClean="0">
+                                <a:latin typeface="Cambria Math" panose="02040503050406030204" pitchFamily="18" charset="0"/>
+                                <a:ea typeface="Cambria Math" panose="02040503050406030204" pitchFamily="18" charset="0"/>
+                              </a:rPr>
+                              <m:t>−</m:t>
+                            </m:r>
+                            <m:r>
+                              <a:rPr lang="es-CO" sz="2000" b="0" i="1" smtClean="0">
+                                <a:latin typeface="Cambria Math" panose="02040503050406030204" pitchFamily="18" charset="0"/>
+                                <a:ea typeface="Cambria Math" panose="02040503050406030204" pitchFamily="18" charset="0"/>
+                              </a:rPr>
+                              <m:t>𝑐𝑜𝑖𝑛</m:t>
+                            </m:r>
+                            <m:d>
+                              <m:dPr>
+                                <m:begChr m:val="["/>
+                                <m:endChr m:val="]"/>
+                                <m:ctrlPr>
+                                  <a:rPr lang="es-CO" sz="2000" b="0" i="1" smtClean="0">
+                                    <a:latin typeface="Cambria Math" panose="02040503050406030204" pitchFamily="18" charset="0"/>
+                                    <a:ea typeface="Cambria Math" panose="02040503050406030204" pitchFamily="18" charset="0"/>
+                                  </a:rPr>
+                                </m:ctrlPr>
+                              </m:dPr>
+                              <m:e>
+                                <m:r>
+                                  <a:rPr lang="es-CO" sz="2000" b="0" i="1" smtClean="0">
+                                    <a:latin typeface="Cambria Math" panose="02040503050406030204" pitchFamily="18" charset="0"/>
+                                    <a:ea typeface="Cambria Math" panose="02040503050406030204" pitchFamily="18" charset="0"/>
+                                  </a:rPr>
+                                  <m:t>𝑖</m:t>
+                                </m:r>
+                              </m:e>
+                            </m:d>
+                            <m:r>
+                              <a:rPr lang="es-CO" sz="2000" b="0" i="1" smtClean="0">
+                                <a:latin typeface="Cambria Math" panose="02040503050406030204" pitchFamily="18" charset="0"/>
+                                <a:ea typeface="Cambria Math" panose="02040503050406030204" pitchFamily="18" charset="0"/>
+                              </a:rPr>
+                              <m:t>,</m:t>
+                            </m:r>
+                            <m:r>
+                              <a:rPr lang="es-CO" sz="2000" b="0" i="1" smtClean="0">
+                                <a:latin typeface="Cambria Math" panose="02040503050406030204" pitchFamily="18" charset="0"/>
+                                <a:ea typeface="Cambria Math" panose="02040503050406030204" pitchFamily="18" charset="0"/>
+                              </a:rPr>
+                              <m:t>𝑖</m:t>
+                            </m:r>
+                          </m:e>
+                        </m:d>
+                      </m:e>
+                    </m:func>
+                    <m:r>
+                      <a:rPr lang="es-CO" sz="2000" b="0" i="1" smtClean="0">
+                        <a:latin typeface="Cambria Math" panose="02040503050406030204" pitchFamily="18" charset="0"/>
+                        <a:ea typeface="Cambria Math" panose="02040503050406030204" pitchFamily="18" charset="0"/>
+                      </a:rPr>
+                      <m:t>+1,  </m:t>
+                    </m:r>
+                    <m:r>
+                      <a:rPr lang="es-CO" sz="2000" b="0" i="1" smtClean="0">
+                        <a:latin typeface="Cambria Math" panose="02040503050406030204" pitchFamily="18" charset="0"/>
+                        <a:ea typeface="Cambria Math" panose="02040503050406030204" pitchFamily="18" charset="0"/>
+                      </a:rPr>
+                      <m:t>𝑓</m:t>
+                    </m:r>
+                    <m:r>
+                      <a:rPr lang="es-CO" sz="2000" b="0" i="1" smtClean="0">
+                        <a:latin typeface="Cambria Math" panose="02040503050406030204" pitchFamily="18" charset="0"/>
+                        <a:ea typeface="Cambria Math" panose="02040503050406030204" pitchFamily="18" charset="0"/>
+                      </a:rPr>
+                      <m:t>(</m:t>
+                    </m:r>
+                    <m:r>
+                      <a:rPr lang="es-CO" sz="2000" b="0" i="1" smtClean="0">
+                        <a:latin typeface="Cambria Math" panose="02040503050406030204" pitchFamily="18" charset="0"/>
+                        <a:ea typeface="Cambria Math" panose="02040503050406030204" pitchFamily="18" charset="0"/>
+                      </a:rPr>
+                      <m:t>𝑥</m:t>
+                    </m:r>
+                    <m:r>
+                      <a:rPr lang="es-CO" sz="2000" b="0" i="1" smtClean="0">
+                        <a:latin typeface="Cambria Math" panose="02040503050406030204" pitchFamily="18" charset="0"/>
+                        <a:ea typeface="Cambria Math" panose="02040503050406030204" pitchFamily="18" charset="0"/>
+                      </a:rPr>
+                      <m:t>, </m:t>
+                    </m:r>
+                    <m:r>
+                      <a:rPr lang="es-CO" sz="2000" b="0" i="1" smtClean="0">
+                        <a:latin typeface="Cambria Math" panose="02040503050406030204" pitchFamily="18" charset="0"/>
+                        <a:ea typeface="Cambria Math" panose="02040503050406030204" pitchFamily="18" charset="0"/>
+                      </a:rPr>
+                      <m:t>𝑖</m:t>
+                    </m:r>
+                    <m:r>
+                      <a:rPr lang="es-CO" sz="2000" b="0" i="1" smtClean="0">
+                        <a:latin typeface="Cambria Math" panose="02040503050406030204" pitchFamily="18" charset="0"/>
+                        <a:ea typeface="Cambria Math" panose="02040503050406030204" pitchFamily="18" charset="0"/>
+                      </a:rPr>
+                      <m:t>−1))</m:t>
+                    </m:r>
+                  </m:oMath>
+                </a14:m>
+                <a:endParaRPr lang="es-CO" sz="2400" b="0" dirty="0"/>
+              </a:p>
+              <a:p>
+                <a:pPr marL="0" indent="0">
+                  <a:buNone/>
+                </a:pPr>
+                <a:endParaRPr lang="es-CO" b="0" dirty="0"/>
+              </a:p>
+              <a:p>
+                <a:pPr marL="0" indent="0">
+                  <a:buNone/>
+                </a:pPr>
+                <a:endParaRPr lang="en-GB" dirty="0"/>
+              </a:p>
+              <a:p>
+                <a:pPr marL="0" indent="0">
+                  <a:buNone/>
+                </a:pPr>
+                <a:endParaRPr lang="en-GB" dirty="0"/>
+              </a:p>
+            </p:txBody>
+          </p:sp>
+        </mc:Choice>
+        <mc:Fallback>
+          <p:sp>
+            <p:nvSpPr>
+              <p:cNvPr id="3" name="Content Placeholder 2">
+                <a:extLst>
+                  <a:ext uri="{FF2B5EF4-FFF2-40B4-BE49-F238E27FC236}">
+                    <a16:creationId xmlns:a16="http://schemas.microsoft.com/office/drawing/2014/main" id="{6D3CB94B-BDC3-40E0-B966-05A4C653F66C}"/>
+                  </a:ext>
+                </a:extLst>
+              </p:cNvPr>
+              <p:cNvSpPr>
+                <a:spLocks noGrp="1" noRot="1" noChangeAspect="1" noMove="1" noResize="1" noEditPoints="1" noAdjustHandles="1" noChangeArrowheads="1" noChangeShapeType="1" noTextEdit="1"/>
+              </p:cNvSpPr>
+              <p:nvPr>
+                <p:ph idx="1"/>
+              </p:nvPr>
+            </p:nvSpPr>
+            <p:spPr>
+              <a:xfrm>
+                <a:off x="470452" y="1600200"/>
+                <a:ext cx="8229600" cy="4525963"/>
+              </a:xfrm>
+              <a:blipFill>
+                <a:blip r:embed="rId2"/>
+                <a:stretch>
+                  <a:fillRect l="-1481" t="-1348"/>
+                </a:stretch>
+              </a:blipFill>
+            </p:spPr>
+            <p:txBody>
+              <a:bodyPr/>
+              <a:lstStyle/>
+              <a:p>
+                <a:r>
+                  <a:rPr lang="en-GB">
+                    <a:noFill/>
+                  </a:rPr>
+                  <a:t> </a:t>
+                </a:r>
+              </a:p>
+            </p:txBody>
+          </p:sp>
+        </mc:Fallback>
+      </mc:AlternateContent>
+      <mc:AlternateContent xmlns:mc="http://schemas.openxmlformats.org/markup-compatibility/2006">
+        <mc:Choice xmlns:p14="http://schemas.microsoft.com/office/powerpoint/2010/main" Requires="p14">
+          <p:contentPart p14:bwMode="auto" r:id="rId3">
+            <p14:nvContentPartPr>
+              <p14:cNvPr id="5" name="Ink 4">
+                <a:extLst>
+                  <a:ext uri="{FF2B5EF4-FFF2-40B4-BE49-F238E27FC236}">
+                    <a16:creationId xmlns:a16="http://schemas.microsoft.com/office/drawing/2014/main" id="{6CE38509-E662-47BC-A3BA-ED6DDEE9FF8C}"/>
+                  </a:ext>
+                </a:extLst>
+              </p14:cNvPr>
+              <p14:cNvContentPartPr/>
+              <p14:nvPr/>
+            </p14:nvContentPartPr>
+            <p14:xfrm>
+              <a:off x="153720" y="3490200"/>
+              <a:ext cx="2721240" cy="2134440"/>
+            </p14:xfrm>
+          </p:contentPart>
+        </mc:Choice>
+        <mc:Fallback>
+          <p:pic>
+            <p:nvPicPr>
+              <p:cNvPr id="5" name="Ink 4">
+                <a:extLst>
+                  <a:ext uri="{FF2B5EF4-FFF2-40B4-BE49-F238E27FC236}">
+                    <a16:creationId xmlns:a16="http://schemas.microsoft.com/office/drawing/2014/main" id="{6CE38509-E662-47BC-A3BA-ED6DDEE9FF8C}"/>
+                  </a:ext>
+                </a:extLst>
+              </p:cNvPr>
+              <p:cNvPicPr/>
+              <p:nvPr/>
+            </p:nvPicPr>
+            <p:blipFill>
+              <a:blip r:embed="rId4"/>
+              <a:stretch>
+                <a:fillRect/>
+              </a:stretch>
+            </p:blipFill>
+            <p:spPr>
+              <a:xfrm>
+                <a:off x="144360" y="3480840"/>
+                <a:ext cx="2739960" cy="2153160"/>
+              </a:xfrm>
+              <a:prstGeom prst="rect">
+                <a:avLst/>
+              </a:prstGeom>
+            </p:spPr>
+          </p:pic>
+        </mc:Fallback>
+      </mc:AlternateContent>
+    </p:spTree>
+    <p:extLst>
+      <p:ext uri="{BB962C8B-B14F-4D97-AF65-F5344CB8AC3E}">
+        <p14:creationId xmlns:p14="http://schemas.microsoft.com/office/powerpoint/2010/main" val="3091106096"/>
+      </p:ext>
+    </p:extLst>
+  </p:cSld>
+  <p:clrMapOvr>
+    <a:masterClrMapping/>
+  </p:clrMapOvr>
+</p:sld>
+</file>
+
+<file path=ppt/slides/slide28.xml><?xml version="1.0" encoding="utf-8"?>
+<p:sld xmlns:a="http://schemas.openxmlformats.org/drawingml/2006/main" xmlns:r="http://schemas.openxmlformats.org/officeDocument/2006/relationships" xmlns:p="http://schemas.openxmlformats.org/presentationml/2006/main">
+  <p:cSld>
+    <p:spTree>
+      <p:nvGrpSpPr>
+        <p:cNvPr id="1" name=""/>
+        <p:cNvGrpSpPr/>
+        <p:nvPr/>
+      </p:nvGrpSpPr>
+      <p:grpSpPr>
+        <a:xfrm>
+          <a:off x="0" y="0"/>
+          <a:ext cx="0" cy="0"/>
+          <a:chOff x="0" y="0"/>
+          <a:chExt cx="0" cy="0"/>
+        </a:xfrm>
+      </p:grpSpPr>
       <p:pic>
         <p:nvPicPr>
           <p:cNvPr id="2" name="Picture 1"/>
@@ -6532,265 +9425,6 @@
     <p:extLst>
       <p:ext uri="{BB962C8B-B14F-4D97-AF65-F5344CB8AC3E}">
         <p14:creationId xmlns:p14="http://schemas.microsoft.com/office/powerpoint/2010/main" val="1894719466"/>
-      </p:ext>
-    </p:extLst>
-  </p:cSld>
-  <p:clrMapOvr>
-    <a:masterClrMapping/>
-  </p:clrMapOvr>
-</p:sld>
-</file>
-
-<file path=ppt/slides/slide2.xml><?xml version="1.0" encoding="utf-8"?>
-<p:sld xmlns:a="http://schemas.openxmlformats.org/drawingml/2006/main" xmlns:r="http://schemas.openxmlformats.org/officeDocument/2006/relationships" xmlns:p="http://schemas.openxmlformats.org/presentationml/2006/main">
-  <p:cSld>
-    <p:spTree>
-      <p:nvGrpSpPr>
-        <p:cNvPr id="1" name=""/>
-        <p:cNvGrpSpPr/>
-        <p:nvPr/>
-      </p:nvGrpSpPr>
-      <p:grpSpPr>
-        <a:xfrm>
-          <a:off x="0" y="0"/>
-          <a:ext cx="0" cy="0"/>
-          <a:chOff x="0" y="0"/>
-          <a:chExt cx="0" cy="0"/>
-        </a:xfrm>
-      </p:grpSpPr>
-      <p:pic>
-        <p:nvPicPr>
-          <p:cNvPr id="2" name="Picture 1"/>
-          <p:cNvPicPr>
-            <a:picLocks noChangeAspect="1"/>
-          </p:cNvPicPr>
-          <p:nvPr/>
-        </p:nvPicPr>
-        <p:blipFill>
-          <a:blip r:embed="rId3">
-            <a:extLst>
-              <a:ext uri="{28A0092B-C50C-407E-A947-70E740481C1C}">
-                <a14:useLocalDpi xmlns:a14="http://schemas.microsoft.com/office/drawing/2010/main" val="0"/>
-              </a:ext>
-            </a:extLst>
-          </a:blip>
-          <a:stretch>
-            <a:fillRect/>
-          </a:stretch>
-        </p:blipFill>
-        <p:spPr>
-          <a:xfrm>
-            <a:off x="0" y="0"/>
-            <a:ext cx="9144000" cy="1076325"/>
-          </a:xfrm>
-          <a:prstGeom prst="rect">
-            <a:avLst/>
-          </a:prstGeom>
-        </p:spPr>
-      </p:pic>
-      <p:sp>
-        <p:nvSpPr>
-          <p:cNvPr id="5" name="TextBox 4"/>
-          <p:cNvSpPr txBox="1"/>
-          <p:nvPr/>
-        </p:nvSpPr>
-        <p:spPr>
-          <a:xfrm>
-            <a:off x="602693" y="344382"/>
-            <a:ext cx="6792405" cy="461665"/>
-          </a:xfrm>
-          <a:prstGeom prst="rect">
-            <a:avLst/>
-          </a:prstGeom>
-          <a:noFill/>
-        </p:spPr>
-        <p:txBody>
-          <a:bodyPr wrap="square" rtlCol="0">
-            <a:spAutoFit/>
-          </a:bodyPr>
-          <a:lstStyle/>
-          <a:p>
-            <a:r>
-              <a:rPr lang="es-CO" sz="2400" b="1" dirty="0">
-                <a:solidFill>
-                  <a:schemeClr val="bg1"/>
-                </a:solidFill>
-                <a:latin typeface="Arial" panose="020B0604020202020204" pitchFamily="34" charset="0"/>
-                <a:cs typeface="Arial" panose="020B0604020202020204" pitchFamily="34" charset="0"/>
-              </a:rPr>
-              <a:t>Programación Dinámica (Versión Top Down)</a:t>
-            </a:r>
-          </a:p>
-        </p:txBody>
-      </p:sp>
-      <p:sp>
-        <p:nvSpPr>
-          <p:cNvPr id="4" name="TextBox 3"/>
-          <p:cNvSpPr txBox="1"/>
-          <p:nvPr/>
-        </p:nvSpPr>
-        <p:spPr>
-          <a:xfrm>
-            <a:off x="526432" y="1579602"/>
-            <a:ext cx="7878073" cy="5632311"/>
-          </a:xfrm>
-          <a:prstGeom prst="rect">
-            <a:avLst/>
-          </a:prstGeom>
-          <a:noFill/>
-        </p:spPr>
-        <p:txBody>
-          <a:bodyPr wrap="square" rtlCol="0">
-            <a:spAutoFit/>
-          </a:bodyPr>
-          <a:lstStyle/>
-          <a:p>
-            <a:pPr marL="342900" indent="-342900">
-              <a:buFont typeface="Arial" panose="020B0604020202020204" pitchFamily="34" charset="0"/>
-              <a:buChar char="•"/>
-            </a:pPr>
-            <a:r>
-              <a:rPr lang="es-CO" sz="2400" dirty="0">
-                <a:solidFill>
-                  <a:schemeClr val="tx1">
-                    <a:lumMod val="65000"/>
-                    <a:lumOff val="35000"/>
-                  </a:schemeClr>
-                </a:solidFill>
-              </a:rPr>
-              <a:t>Resuelve problemas combinando las soluciones de los subproblemas.</a:t>
-            </a:r>
-          </a:p>
-          <a:p>
-            <a:pPr marL="342900" indent="-342900">
-              <a:buFont typeface="Arial" panose="020B0604020202020204" pitchFamily="34" charset="0"/>
-              <a:buChar char="•"/>
-            </a:pPr>
-            <a:r>
-              <a:rPr lang="es-CO" sz="2400" dirty="0">
-                <a:solidFill>
-                  <a:schemeClr val="tx1">
-                    <a:lumMod val="65000"/>
-                    <a:lumOff val="35000"/>
-                  </a:schemeClr>
-                </a:solidFill>
-              </a:rPr>
-              <a:t>Normalmente se utiliza para resolver problemas de optimización.</a:t>
-            </a:r>
-          </a:p>
-          <a:p>
-            <a:pPr marL="342900" indent="-342900">
-              <a:buFont typeface="Arial" panose="020B0604020202020204" pitchFamily="34" charset="0"/>
-              <a:buChar char="•"/>
-            </a:pPr>
-            <a:r>
-              <a:rPr lang="es-CO" sz="2400" dirty="0">
-                <a:solidFill>
-                  <a:schemeClr val="tx1">
-                    <a:lumMod val="65000"/>
-                    <a:lumOff val="35000"/>
-                  </a:schemeClr>
-                </a:solidFill>
-              </a:rPr>
-              <a:t>El problema tiene una subestructura óptima y se puede plantear en problemas más pequeños.</a:t>
-            </a:r>
-          </a:p>
-          <a:p>
-            <a:pPr marL="342900" indent="-342900">
-              <a:buFont typeface="Arial" panose="020B0604020202020204" pitchFamily="34" charset="0"/>
-              <a:buChar char="•"/>
-            </a:pPr>
-            <a:r>
-              <a:rPr lang="es-CO" sz="2400" dirty="0">
-                <a:solidFill>
-                  <a:schemeClr val="tx1">
-                    <a:lumMod val="65000"/>
-                    <a:lumOff val="35000"/>
-                  </a:schemeClr>
-                </a:solidFill>
-              </a:rPr>
-              <a:t>La cantidad de subproblemas es pequeña (se pueden descomponer en casos).</a:t>
-            </a:r>
-          </a:p>
-          <a:p>
-            <a:pPr marL="342900" indent="-342900">
-              <a:buFont typeface="Arial" panose="020B0604020202020204" pitchFamily="34" charset="0"/>
-              <a:buChar char="•"/>
-            </a:pPr>
-            <a:r>
-              <a:rPr lang="es-CO" sz="2400" dirty="0">
-                <a:solidFill>
-                  <a:schemeClr val="tx1">
-                    <a:lumMod val="65000"/>
-                    <a:lumOff val="35000"/>
-                  </a:schemeClr>
-                </a:solidFill>
-              </a:rPr>
-              <a:t>Una vez encontrado un conjunto de estados se procede a identificar todos los posibles valores que se pueden tener. </a:t>
-            </a:r>
-          </a:p>
-          <a:p>
-            <a:pPr marL="342900" indent="-342900">
-              <a:buFont typeface="Arial" panose="020B0604020202020204" pitchFamily="34" charset="0"/>
-              <a:buChar char="•"/>
-            </a:pPr>
-            <a:r>
-              <a:rPr lang="es-CO" sz="2400" dirty="0">
-                <a:solidFill>
-                  <a:schemeClr val="tx1">
-                    <a:lumMod val="65000"/>
-                    <a:lumOff val="35000"/>
-                  </a:schemeClr>
-                </a:solidFill>
-              </a:rPr>
-              <a:t>Resolver el problema en un tiempo aceptable depende en gran medida de los estados seleccionados.</a:t>
-            </a:r>
-          </a:p>
-          <a:p>
-            <a:pPr marL="342900" indent="-342900">
-              <a:buFont typeface="Arial" panose="020B0604020202020204" pitchFamily="34" charset="0"/>
-              <a:buChar char="•"/>
-            </a:pPr>
-            <a:endParaRPr lang="es-CO" sz="2400" dirty="0">
-              <a:solidFill>
-                <a:schemeClr val="tx1">
-                  <a:lumMod val="65000"/>
-                  <a:lumOff val="35000"/>
-                </a:schemeClr>
-              </a:solidFill>
-            </a:endParaRPr>
-          </a:p>
-          <a:p>
-            <a:pPr lvl="1"/>
-            <a:endParaRPr lang="es-CO" sz="2400" dirty="0">
-              <a:solidFill>
-                <a:schemeClr val="tx1">
-                  <a:lumMod val="65000"/>
-                  <a:lumOff val="35000"/>
-                </a:schemeClr>
-              </a:solidFill>
-            </a:endParaRPr>
-          </a:p>
-          <a:p>
-            <a:pPr marL="800100" lvl="1" indent="-342900">
-              <a:buFont typeface="Arial" panose="020B0604020202020204" pitchFamily="34" charset="0"/>
-              <a:buChar char="•"/>
-            </a:pPr>
-            <a:endParaRPr lang="es-CO" sz="2400" dirty="0">
-              <a:solidFill>
-                <a:schemeClr val="tx1">
-                  <a:lumMod val="65000"/>
-                  <a:lumOff val="35000"/>
-                </a:schemeClr>
-              </a:solidFill>
-            </a:endParaRPr>
-          </a:p>
-        </p:txBody>
-      </p:sp>
-    </p:spTree>
-    <p:extLst>
-      <p:ext uri="{BB962C8B-B14F-4D97-AF65-F5344CB8AC3E}">
-        <p14:creationId xmlns:p14="http://schemas.microsoft.com/office/powerpoint/2010/main" val="1509029597"/>
       </p:ext>
     </p:extLst>
   </p:cSld>

--- a/dynamic programming/DP Nivel 0.pptx
+++ b/dynamic programming/DP Nivel 0.pptx
@@ -5,7 +5,7 @@
     <p:sldMasterId id="2147483648" r:id="rId1"/>
   </p:sldMasterIdLst>
   <p:notesMasterIdLst>
-    <p:notesMasterId r:id="rId30"/>
+    <p:notesMasterId r:id="rId29"/>
   </p:notesMasterIdLst>
   <p:sldIdLst>
     <p:sldId id="258" r:id="rId2"/>
@@ -17,25 +17,24 @@
     <p:sldId id="318" r:id="rId8"/>
     <p:sldId id="307" r:id="rId9"/>
     <p:sldId id="316" r:id="rId10"/>
-    <p:sldId id="317" r:id="rId11"/>
-    <p:sldId id="323" r:id="rId12"/>
-    <p:sldId id="319" r:id="rId13"/>
-    <p:sldId id="322" r:id="rId14"/>
-    <p:sldId id="321" r:id="rId15"/>
-    <p:sldId id="324" r:id="rId16"/>
-    <p:sldId id="325" r:id="rId17"/>
-    <p:sldId id="327" r:id="rId18"/>
-    <p:sldId id="326" r:id="rId19"/>
-    <p:sldId id="328" r:id="rId20"/>
-    <p:sldId id="330" r:id="rId21"/>
-    <p:sldId id="329" r:id="rId22"/>
-    <p:sldId id="331" r:id="rId23"/>
-    <p:sldId id="332" r:id="rId24"/>
-    <p:sldId id="333" r:id="rId25"/>
-    <p:sldId id="334" r:id="rId26"/>
-    <p:sldId id="335" r:id="rId27"/>
-    <p:sldId id="336" r:id="rId28"/>
-    <p:sldId id="291" r:id="rId29"/>
+    <p:sldId id="323" r:id="rId11"/>
+    <p:sldId id="319" r:id="rId12"/>
+    <p:sldId id="322" r:id="rId13"/>
+    <p:sldId id="321" r:id="rId14"/>
+    <p:sldId id="324" r:id="rId15"/>
+    <p:sldId id="325" r:id="rId16"/>
+    <p:sldId id="327" r:id="rId17"/>
+    <p:sldId id="326" r:id="rId18"/>
+    <p:sldId id="328" r:id="rId19"/>
+    <p:sldId id="330" r:id="rId20"/>
+    <p:sldId id="329" r:id="rId21"/>
+    <p:sldId id="331" r:id="rId22"/>
+    <p:sldId id="332" r:id="rId23"/>
+    <p:sldId id="333" r:id="rId24"/>
+    <p:sldId id="334" r:id="rId25"/>
+    <p:sldId id="335" r:id="rId26"/>
+    <p:sldId id="336" r:id="rId27"/>
+    <p:sldId id="291" r:id="rId28"/>
   </p:sldIdLst>
   <p:sldSz cx="9144000" cy="6858000" type="screen4x3"/>
   <p:notesSz cx="6858000" cy="9144000"/>
@@ -148,7 +147,6 @@
             <p14:sldId id="318"/>
             <p14:sldId id="307"/>
             <p14:sldId id="316"/>
-            <p14:sldId id="317"/>
             <p14:sldId id="323"/>
             <p14:sldId id="319"/>
             <p14:sldId id="322"/>
@@ -283,8 +281,8 @@
   <inkml:trace contextRef="#ctx0" brushRef="#br0" timeOffset="30892.54">2911 10459 1881 0,'0'0'832'16,"0"0"-330"-16,0 0-215 15,0 0-74-15,0 0-79 0,0 0-37 16,-122 80-43-16,78-37-31 16,0 1-14-16,1-1-3 15,8-3-3-15,8-6-3 16,9-11-54-16,10-11-123 15,5-6-122-15,3-6-209 16,0 0-173-16</inkml:trace>
   <inkml:trace contextRef="#ctx0" brushRef="#br0" timeOffset="32455.91">2032 11694 1126 0,'0'0'372'15,"0"0"0"-15,0 0-108 16,0 0-32-16,0 0-64 16,0 0-31-16,0 0 18 15,-131 104 12-15,102-57-5 16,0 9-6-16,0 5-13 16,2 5-44-16,8-1-27 15,5 0-1-15,10-3-31 0,4-4-20 16,6-6-9-16,27-8-11 15,12-10 0-15,14-8 0 16,3-10 12-16,2-8-11 16,-9-4 1-16,-12-4-2 15,-16 0-33-15,-20 2-215 16,-7 2-281-16,0 5-481 0</inkml:trace>
   <inkml:trace contextRef="#ctx0" brushRef="#br0" timeOffset="33708.56">2462 11993 1217 0,'0'0'635'16,"0"0"-275"-16,0 0-52 16,0 0-62-16,0 0-54 15,0 0-29-15,0 0-13 16,110 42-21-16,-86-8-11 16,-10 6 17-16,-8 3-27 15,-6 1-52-15,0-4-29 16,-18-4 4-16,-4-8-31 15,0-8-6-15,4-7-103 16,2-9-26-16,6-4-33 16,2 0-48-16,4-7-11 0,4-7-18 15,0-2-21 1,4-1 19-16,23-2-104 0,-2 7-48 16,-3 1-339-16</inkml:trace>
-  <inkml:trace contextRef="#ctx0" brushRef="#br0" timeOffset="34006.76">2824 12049 1185 0,'0'0'273'16,"0"0"85"-16,0 0-88 15,0 0-37-15,-114 97-4 0,89-61-51 16,6 2-34-16,7-6-29 16,12-4-21-16,0-6-21 15,4-6-31-15,21-6 2 16,6-4 5-16,8-6 2 16,5 0-14-16,-2 0-20 15,-4-1-17-15,-10-6-13 16,-11 7-131-16,-11 0-342 15,-6 0-497-15</inkml:trace>
-  <inkml:trace contextRef="#ctx0" brushRef="#br0" timeOffset="34234.16">3113 12461 1852 0,'0'0'555'0,"0"0"-7"16,-7 123-234-16,-5-74-106 15,-2-10-71-15,3-8-89 16,4-9-36-16,2-12-12 16,3-8-11-16,2-2-67 15,0-23-141-15,7-10-234 16,8 1-279-16</inkml:trace>
+  <inkml:trace contextRef="#ctx0" brushRef="#br0" timeOffset="34006.75">2824 12049 1185 0,'0'0'273'16,"0"0"85"-16,0 0-88 15,0 0-37-15,-114 97-4 0,89-61-51 16,6 2-34-16,7-6-29 16,12-4-21-16,0-6-21 15,4-6-31-15,21-6 2 16,6-4 5-16,8-6 2 16,5 0-14-16,-2 0-20 15,-4-1-17-15,-10-6-13 16,-11 7-131-16,-11 0-342 15,-6 0-497-15</inkml:trace>
+  <inkml:trace contextRef="#ctx0" brushRef="#br0" timeOffset="34234.15">3113 12461 1852 0,'0'0'555'0,"0"0"-7"16,-7 123-234-16,-5-74-106 15,-2-10-71-15,3-8-89 16,4-9-36-16,2-12-12 16,3-8-11-16,2-2-67 15,0-23-141-15,7-10-234 16,8 1-279-16</inkml:trace>
   <inkml:trace contextRef="#ctx0" brushRef="#br0" timeOffset="34856.49">3434 12340 1101 0,'0'0'354'16,"0"0"131"-16,0 0-206 15,0 0-18-15,0 0-56 16,0 0-18-16,0 0-21 15,-2 20-26-15,13-20 13 16,6-16 12-16,8-8-14 0,2-5-41 16,-2-2-29-1,-3-3-24-15,-7 4-11 0,-3 3-13 16,-9 10-10-16,0 6-10 16,-3 10-4-16,0 1-9 15,0 0-16-15,0 7-27 16,-9 18 20-16,0 5 14 15,1 8 4-15,1 2 4 16,7-2-5-16,0-4 0 16,0-8-2-16,4-8 1 15,11-6 1-15,4-8 4 16,1-4 2-16,3 0 0 0,3-12 0 16,0-7-53-16,0-6-163 15,-2 8-166-15,-9 2-426 16</inkml:trace>
   <inkml:trace contextRef="#ctx0" brushRef="#br0" timeOffset="35073.92">3561 11909 1627 0,'0'0'747'0,"0"0"-372"16,0 0-89-16,0 0-102 16,0 0-68-16,0 0-60 0,0 0-38 15,0 0-18-15,0 0-181 16,5 0-376-16,3 0-646 0</inkml:trace>
   <inkml:trace contextRef="#ctx0" brushRef="#br0" timeOffset="35404.03">3855 11812 1753 0,'0'0'621'16,"0"0"-150"-16,0 0-161 15,0 0-65-15,124 89 19 16,-78-32-12-16,-7 6-72 16,-7 3-180-16,-12-1 0 15,-11-5 0-15,-9-12 0 16,0-8 0-16,0-12 0 15,-7-9 0-15,1-6-51 16,0-5-270-16,4-6-207 0,0-2-214 16</inkml:trace>
@@ -377,7 +375,7 @@
             <a:fld id="{F4FAB538-628E-104D-8583-83FBDA663EAD}" type="datetimeFigureOut">
               <a:rPr lang="en-US" smtClean="0"/>
               <a:pPr/>
-              <a:t>11/4/2020</a:t>
+              <a:t>2/10/2021</a:t>
             </a:fld>
             <a:endParaRPr lang="en-US" dirty="0"/>
           </a:p>
@@ -806,7 +804,7 @@
     </p:spTree>
     <p:extLst>
       <p:ext uri="{BB962C8B-B14F-4D97-AF65-F5344CB8AC3E}">
-        <p14:creationId xmlns:p14="http://schemas.microsoft.com/office/powerpoint/2010/main" val="2534215666"/>
+        <p14:creationId xmlns:p14="http://schemas.microsoft.com/office/powerpoint/2010/main" val="1341930175"/>
       </p:ext>
     </p:extLst>
   </p:cSld>
@@ -891,7 +889,7 @@
     </p:spTree>
     <p:extLst>
       <p:ext uri="{BB962C8B-B14F-4D97-AF65-F5344CB8AC3E}">
-        <p14:creationId xmlns:p14="http://schemas.microsoft.com/office/powerpoint/2010/main" val="1341930175"/>
+        <p14:creationId xmlns:p14="http://schemas.microsoft.com/office/powerpoint/2010/main" val="1600130074"/>
       </p:ext>
     </p:extLst>
   </p:cSld>
@@ -976,7 +974,7 @@
     </p:spTree>
     <p:extLst>
       <p:ext uri="{BB962C8B-B14F-4D97-AF65-F5344CB8AC3E}">
-        <p14:creationId xmlns:p14="http://schemas.microsoft.com/office/powerpoint/2010/main" val="1600130074"/>
+        <p14:creationId xmlns:p14="http://schemas.microsoft.com/office/powerpoint/2010/main" val="984018175"/>
       </p:ext>
     </p:extLst>
   </p:cSld>
@@ -1061,7 +1059,7 @@
     </p:spTree>
     <p:extLst>
       <p:ext uri="{BB962C8B-B14F-4D97-AF65-F5344CB8AC3E}">
-        <p14:creationId xmlns:p14="http://schemas.microsoft.com/office/powerpoint/2010/main" val="984018175"/>
+        <p14:creationId xmlns:p14="http://schemas.microsoft.com/office/powerpoint/2010/main" val="1293692305"/>
       </p:ext>
     </p:extLst>
   </p:cSld>
@@ -1146,7 +1144,7 @@
     </p:spTree>
     <p:extLst>
       <p:ext uri="{BB962C8B-B14F-4D97-AF65-F5344CB8AC3E}">
-        <p14:creationId xmlns:p14="http://schemas.microsoft.com/office/powerpoint/2010/main" val="1293692305"/>
+        <p14:creationId xmlns:p14="http://schemas.microsoft.com/office/powerpoint/2010/main" val="3410678606"/>
       </p:ext>
     </p:extLst>
   </p:cSld>
@@ -1231,7 +1229,7 @@
     </p:spTree>
     <p:extLst>
       <p:ext uri="{BB962C8B-B14F-4D97-AF65-F5344CB8AC3E}">
-        <p14:creationId xmlns:p14="http://schemas.microsoft.com/office/powerpoint/2010/main" val="3410678606"/>
+        <p14:creationId xmlns:p14="http://schemas.microsoft.com/office/powerpoint/2010/main" val="3247882134"/>
       </p:ext>
     </p:extLst>
   </p:cSld>
@@ -1307,92 +1305,7 @@
             <a:fld id="{39923DF9-DA97-0C44-B7A0-AB7B1AA67FC3}" type="slidenum">
               <a:rPr lang="en-US" smtClean="0"/>
               <a:pPr/>
-              <a:t>18</a:t>
-            </a:fld>
-            <a:endParaRPr lang="en-US" dirty="0"/>
-          </a:p>
-        </p:txBody>
-      </p:sp>
-    </p:spTree>
-    <p:extLst>
-      <p:ext uri="{BB962C8B-B14F-4D97-AF65-F5344CB8AC3E}">
-        <p14:creationId xmlns:p14="http://schemas.microsoft.com/office/powerpoint/2010/main" val="3247882134"/>
-      </p:ext>
-    </p:extLst>
-  </p:cSld>
-  <p:clrMapOvr>
-    <a:masterClrMapping/>
-  </p:clrMapOvr>
-</p:notes>
-</file>
-
-<file path=ppt/notesSlides/notesSlide17.xml><?xml version="1.0" encoding="utf-8"?>
-<p:notes xmlns:a="http://schemas.openxmlformats.org/drawingml/2006/main" xmlns:r="http://schemas.openxmlformats.org/officeDocument/2006/relationships" xmlns:p="http://schemas.openxmlformats.org/presentationml/2006/main">
-  <p:cSld>
-    <p:spTree>
-      <p:nvGrpSpPr>
-        <p:cNvPr id="1" name=""/>
-        <p:cNvGrpSpPr/>
-        <p:nvPr/>
-      </p:nvGrpSpPr>
-      <p:grpSpPr>
-        <a:xfrm>
-          <a:off x="0" y="0"/>
-          <a:ext cx="0" cy="0"/>
-          <a:chOff x="0" y="0"/>
-          <a:chExt cx="0" cy="0"/>
-        </a:xfrm>
-      </p:grpSpPr>
-      <p:sp>
-        <p:nvSpPr>
-          <p:cNvPr id="2" name="Slide Image Placeholder 1"/>
-          <p:cNvSpPr>
-            <a:spLocks noGrp="1" noRot="1" noChangeAspect="1"/>
-          </p:cNvSpPr>
-          <p:nvPr>
-            <p:ph type="sldImg"/>
-          </p:nvPr>
-        </p:nvSpPr>
-        <p:spPr/>
-      </p:sp>
-      <p:sp>
-        <p:nvSpPr>
-          <p:cNvPr id="3" name="Notes Placeholder 2"/>
-          <p:cNvSpPr>
-            <a:spLocks noGrp="1"/>
-          </p:cNvSpPr>
-          <p:nvPr>
-            <p:ph type="body" idx="1"/>
-          </p:nvPr>
-        </p:nvSpPr>
-        <p:spPr/>
-        <p:txBody>
-          <a:bodyPr/>
-          <a:lstStyle/>
-          <a:p>
-            <a:endParaRPr lang="en-US" dirty="0"/>
-          </a:p>
-        </p:txBody>
-      </p:sp>
-      <p:sp>
-        <p:nvSpPr>
-          <p:cNvPr id="4" name="Slide Number Placeholder 3"/>
-          <p:cNvSpPr>
-            <a:spLocks noGrp="1"/>
-          </p:cNvSpPr>
-          <p:nvPr>
-            <p:ph type="sldNum" sz="quarter" idx="10"/>
-          </p:nvPr>
-        </p:nvSpPr>
-        <p:spPr/>
-        <p:txBody>
-          <a:bodyPr/>
-          <a:lstStyle/>
-          <a:p>
-            <a:fld id="{39923DF9-DA97-0C44-B7A0-AB7B1AA67FC3}" type="slidenum">
-              <a:rPr lang="en-US" smtClean="0"/>
-              <a:pPr/>
-              <a:t>28</a:t>
+              <a:t>27</a:t>
             </a:fld>
             <a:endParaRPr lang="en-US" dirty="0"/>
           </a:p>
@@ -1996,7 +1909,7 @@
     </p:spTree>
     <p:extLst>
       <p:ext uri="{BB962C8B-B14F-4D97-AF65-F5344CB8AC3E}">
-        <p14:creationId xmlns:p14="http://schemas.microsoft.com/office/powerpoint/2010/main" val="3096355342"/>
+        <p14:creationId xmlns:p14="http://schemas.microsoft.com/office/powerpoint/2010/main" val="2301012289"/>
       </p:ext>
     </p:extLst>
   </p:cSld>
@@ -2081,7 +1994,7 @@
     </p:spTree>
     <p:extLst>
       <p:ext uri="{BB962C8B-B14F-4D97-AF65-F5344CB8AC3E}">
-        <p14:creationId xmlns:p14="http://schemas.microsoft.com/office/powerpoint/2010/main" val="2301012289"/>
+        <p14:creationId xmlns:p14="http://schemas.microsoft.com/office/powerpoint/2010/main" val="2534215666"/>
       </p:ext>
     </p:extLst>
   </p:cSld>
@@ -2391,7 +2304,7 @@
             <a:fld id="{818F800F-9FA6-FE45-B974-AB17141DF911}" type="datetimeFigureOut">
               <a:rPr lang="en-US" smtClean="0"/>
               <a:pPr/>
-              <a:t>11/4/2020</a:t>
+              <a:t>2/10/2021</a:t>
             </a:fld>
             <a:endParaRPr lang="en-US" dirty="0"/>
           </a:p>
@@ -2788,7 +2701,7 @@
             <a:fld id="{818F800F-9FA6-FE45-B974-AB17141DF911}" type="datetimeFigureOut">
               <a:rPr lang="en-US" smtClean="0"/>
               <a:pPr/>
-              <a:t>11/4/2020</a:t>
+              <a:t>2/10/2021</a:t>
             </a:fld>
             <a:endParaRPr lang="en-US" dirty="0"/>
           </a:p>
@@ -3078,7 +2991,7 @@
             <a:fld id="{818F800F-9FA6-FE45-B974-AB17141DF911}" type="datetimeFigureOut">
               <a:rPr lang="en-US" smtClean="0"/>
               <a:pPr/>
-              <a:t>11/4/2020</a:t>
+              <a:t>2/10/2021</a:t>
             </a:fld>
             <a:endParaRPr lang="en-US" dirty="0"/>
           </a:p>
@@ -3502,7 +3415,7 @@
             <a:fld id="{818F800F-9FA6-FE45-B974-AB17141DF911}" type="datetimeFigureOut">
               <a:rPr lang="en-US" smtClean="0"/>
               <a:pPr/>
-              <a:t>11/4/2020</a:t>
+              <a:t>2/10/2021</a:t>
             </a:fld>
             <a:endParaRPr lang="en-US" dirty="0"/>
           </a:p>
@@ -3622,7 +3535,7 @@
             <a:fld id="{818F800F-9FA6-FE45-B974-AB17141DF911}" type="datetimeFigureOut">
               <a:rPr lang="en-US" smtClean="0"/>
               <a:pPr/>
-              <a:t>11/4/2020</a:t>
+              <a:t>2/10/2021</a:t>
             </a:fld>
             <a:endParaRPr lang="en-US" dirty="0"/>
           </a:p>
@@ -3973,7 +3886,7 @@
             <a:fld id="{818F800F-9FA6-FE45-B974-AB17141DF911}" type="datetimeFigureOut">
               <a:rPr lang="en-US" smtClean="0"/>
               <a:pPr/>
-              <a:t>11/4/2020</a:t>
+              <a:t>2/10/2021</a:t>
             </a:fld>
             <a:endParaRPr lang="en-US" dirty="0"/>
           </a:p>
@@ -4583,10 +4496,10 @@
       </p:sp>
       <p:pic>
         <p:nvPicPr>
-          <p:cNvPr id="7" name="Picture 6">
+          <p:cNvPr id="3" name="Picture 2">
             <a:extLst>
               <a:ext uri="{FF2B5EF4-FFF2-40B4-BE49-F238E27FC236}">
-                <a16:creationId xmlns:a16="http://schemas.microsoft.com/office/drawing/2014/main" id="{726C41FB-F981-4497-ABCF-E64350687514}"/>
+                <a16:creationId xmlns:a16="http://schemas.microsoft.com/office/drawing/2014/main" id="{CDDF8491-7314-49F3-BBE6-D55551CDD5F9}"/>
               </a:ext>
             </a:extLst>
           </p:cNvPr>
@@ -4603,8 +4516,8 @@
         </p:blipFill>
         <p:spPr>
           <a:xfrm>
-            <a:off x="0" y="2652117"/>
-            <a:ext cx="9144000" cy="1553766"/>
+            <a:off x="0" y="1158254"/>
+            <a:ext cx="9144000" cy="5115208"/>
           </a:xfrm>
           <a:prstGeom prst="rect">
             <a:avLst/>
@@ -4614,7 +4527,7 @@
     </p:spTree>
     <p:extLst>
       <p:ext uri="{BB962C8B-B14F-4D97-AF65-F5344CB8AC3E}">
-        <p14:creationId xmlns:p14="http://schemas.microsoft.com/office/powerpoint/2010/main" val="640680186"/>
+        <p14:creationId xmlns:p14="http://schemas.microsoft.com/office/powerpoint/2010/main" val="1195849772"/>
       </p:ext>
     </p:extLst>
   </p:cSld>
@@ -4708,10 +4621,10 @@
       </p:sp>
       <p:pic>
         <p:nvPicPr>
-          <p:cNvPr id="3" name="Picture 2">
+          <p:cNvPr id="4" name="Picture 3">
             <a:extLst>
               <a:ext uri="{FF2B5EF4-FFF2-40B4-BE49-F238E27FC236}">
-                <a16:creationId xmlns:a16="http://schemas.microsoft.com/office/drawing/2014/main" id="{CDDF8491-7314-49F3-BBE6-D55551CDD5F9}"/>
+                <a16:creationId xmlns:a16="http://schemas.microsoft.com/office/drawing/2014/main" id="{068AC1A0-DC71-48D0-A0D0-7A4186F76298}"/>
               </a:ext>
             </a:extLst>
           </p:cNvPr>
@@ -4728,8 +4641,8 @@
         </p:blipFill>
         <p:spPr>
           <a:xfrm>
-            <a:off x="0" y="1158254"/>
-            <a:ext cx="9144000" cy="5115208"/>
+            <a:off x="781050" y="2005012"/>
+            <a:ext cx="7581900" cy="2847975"/>
           </a:xfrm>
           <a:prstGeom prst="rect">
             <a:avLst/>
@@ -4739,7 +4652,7 @@
     </p:spTree>
     <p:extLst>
       <p:ext uri="{BB962C8B-B14F-4D97-AF65-F5344CB8AC3E}">
-        <p14:creationId xmlns:p14="http://schemas.microsoft.com/office/powerpoint/2010/main" val="1195849772"/>
+        <p14:creationId xmlns:p14="http://schemas.microsoft.com/office/powerpoint/2010/main" val="4020165547"/>
       </p:ext>
     </p:extLst>
   </p:cSld>
@@ -4833,10 +4746,10 @@
       </p:sp>
       <p:pic>
         <p:nvPicPr>
-          <p:cNvPr id="4" name="Picture 3">
+          <p:cNvPr id="3" name="Picture 2">
             <a:extLst>
               <a:ext uri="{FF2B5EF4-FFF2-40B4-BE49-F238E27FC236}">
-                <a16:creationId xmlns:a16="http://schemas.microsoft.com/office/drawing/2014/main" id="{068AC1A0-DC71-48D0-A0D0-7A4186F76298}"/>
+                <a16:creationId xmlns:a16="http://schemas.microsoft.com/office/drawing/2014/main" id="{874A532A-7DB2-4378-92A6-8A9B7B3F9D0B}"/>
               </a:ext>
             </a:extLst>
           </p:cNvPr>
@@ -4853,8 +4766,8 @@
         </p:blipFill>
         <p:spPr>
           <a:xfrm>
-            <a:off x="781050" y="2005012"/>
-            <a:ext cx="7581900" cy="2847975"/>
+            <a:off x="776287" y="2519362"/>
+            <a:ext cx="7591425" cy="1819275"/>
           </a:xfrm>
           <a:prstGeom prst="rect">
             <a:avLst/>
@@ -4864,7 +4777,7 @@
     </p:spTree>
     <p:extLst>
       <p:ext uri="{BB962C8B-B14F-4D97-AF65-F5344CB8AC3E}">
-        <p14:creationId xmlns:p14="http://schemas.microsoft.com/office/powerpoint/2010/main" val="4020165547"/>
+        <p14:creationId xmlns:p14="http://schemas.microsoft.com/office/powerpoint/2010/main" val="1847814418"/>
       </p:ext>
     </p:extLst>
   </p:cSld>
@@ -4951,131 +4864,6 @@
                 <a:latin typeface="Arial" panose="020B0604020202020204" pitchFamily="34" charset="0"/>
                 <a:cs typeface="Arial" panose="020B0604020202020204" pitchFamily="34" charset="0"/>
               </a:rPr>
-              <a:t>Conteo de subconjuntos</a:t>
-            </a:r>
-          </a:p>
-        </p:txBody>
-      </p:sp>
-      <p:pic>
-        <p:nvPicPr>
-          <p:cNvPr id="3" name="Picture 2">
-            <a:extLst>
-              <a:ext uri="{FF2B5EF4-FFF2-40B4-BE49-F238E27FC236}">
-                <a16:creationId xmlns:a16="http://schemas.microsoft.com/office/drawing/2014/main" id="{874A532A-7DB2-4378-92A6-8A9B7B3F9D0B}"/>
-              </a:ext>
-            </a:extLst>
-          </p:cNvPr>
-          <p:cNvPicPr>
-            <a:picLocks noChangeAspect="1"/>
-          </p:cNvPicPr>
-          <p:nvPr/>
-        </p:nvPicPr>
-        <p:blipFill>
-          <a:blip r:embed="rId4"/>
-          <a:stretch>
-            <a:fillRect/>
-          </a:stretch>
-        </p:blipFill>
-        <p:spPr>
-          <a:xfrm>
-            <a:off x="776287" y="2519362"/>
-            <a:ext cx="7591425" cy="1819275"/>
-          </a:xfrm>
-          <a:prstGeom prst="rect">
-            <a:avLst/>
-          </a:prstGeom>
-        </p:spPr>
-      </p:pic>
-    </p:spTree>
-    <p:extLst>
-      <p:ext uri="{BB962C8B-B14F-4D97-AF65-F5344CB8AC3E}">
-        <p14:creationId xmlns:p14="http://schemas.microsoft.com/office/powerpoint/2010/main" val="1847814418"/>
-      </p:ext>
-    </p:extLst>
-  </p:cSld>
-  <p:clrMapOvr>
-    <a:masterClrMapping/>
-  </p:clrMapOvr>
-</p:sld>
-</file>
-
-<file path=ppt/slides/slide14.xml><?xml version="1.0" encoding="utf-8"?>
-<p:sld xmlns:a="http://schemas.openxmlformats.org/drawingml/2006/main" xmlns:r="http://schemas.openxmlformats.org/officeDocument/2006/relationships" xmlns:p="http://schemas.openxmlformats.org/presentationml/2006/main">
-  <p:cSld>
-    <p:spTree>
-      <p:nvGrpSpPr>
-        <p:cNvPr id="1" name=""/>
-        <p:cNvGrpSpPr/>
-        <p:nvPr/>
-      </p:nvGrpSpPr>
-      <p:grpSpPr>
-        <a:xfrm>
-          <a:off x="0" y="0"/>
-          <a:ext cx="0" cy="0"/>
-          <a:chOff x="0" y="0"/>
-          <a:chExt cx="0" cy="0"/>
-        </a:xfrm>
-      </p:grpSpPr>
-      <p:pic>
-        <p:nvPicPr>
-          <p:cNvPr id="2" name="Picture 1"/>
-          <p:cNvPicPr>
-            <a:picLocks noChangeAspect="1"/>
-          </p:cNvPicPr>
-          <p:nvPr/>
-        </p:nvPicPr>
-        <p:blipFill>
-          <a:blip r:embed="rId3">
-            <a:extLst>
-              <a:ext uri="{28A0092B-C50C-407E-A947-70E740481C1C}">
-                <a14:useLocalDpi xmlns:a14="http://schemas.microsoft.com/office/drawing/2010/main" val="0"/>
-              </a:ext>
-            </a:extLst>
-          </a:blip>
-          <a:stretch>
-            <a:fillRect/>
-          </a:stretch>
-        </p:blipFill>
-        <p:spPr>
-          <a:xfrm>
-            <a:off x="0" y="0"/>
-            <a:ext cx="9144000" cy="1076325"/>
-          </a:xfrm>
-          <a:prstGeom prst="rect">
-            <a:avLst/>
-          </a:prstGeom>
-        </p:spPr>
-      </p:pic>
-      <p:sp>
-        <p:nvSpPr>
-          <p:cNvPr id="5" name="TextBox 4"/>
-          <p:cNvSpPr txBox="1"/>
-          <p:nvPr/>
-        </p:nvSpPr>
-        <p:spPr>
-          <a:xfrm>
-            <a:off x="602694" y="202335"/>
-            <a:ext cx="6091069" cy="461665"/>
-          </a:xfrm>
-          <a:prstGeom prst="rect">
-            <a:avLst/>
-          </a:prstGeom>
-          <a:noFill/>
-        </p:spPr>
-        <p:txBody>
-          <a:bodyPr wrap="square" rtlCol="0">
-            <a:spAutoFit/>
-          </a:bodyPr>
-          <a:lstStyle/>
-          <a:p>
-            <a:r>
-              <a:rPr lang="es-CO" sz="2400" b="1" dirty="0">
-                <a:solidFill>
-                  <a:schemeClr val="bg1"/>
-                </a:solidFill>
-                <a:latin typeface="Arial" panose="020B0604020202020204" pitchFamily="34" charset="0"/>
-                <a:cs typeface="Arial" panose="020B0604020202020204" pitchFamily="34" charset="0"/>
-              </a:rPr>
               <a:t>¿Cómo memorizo esto?</a:t>
             </a:r>
           </a:p>
@@ -5124,7 +4912,7 @@
 </p:sld>
 </file>
 
-<file path=ppt/slides/slide15.xml><?xml version="1.0" encoding="utf-8"?>
+<file path=ppt/slides/slide14.xml><?xml version="1.0" encoding="utf-8"?>
 <p:sld xmlns:a="http://schemas.openxmlformats.org/drawingml/2006/main" xmlns:r="http://schemas.openxmlformats.org/officeDocument/2006/relationships" xmlns:p="http://schemas.openxmlformats.org/presentationml/2006/main">
   <p:cSld>
     <p:spTree>
@@ -5490,7 +5278,7 @@
 </p:sld>
 </file>
 
-<file path=ppt/slides/slide16.xml><?xml version="1.0" encoding="utf-8"?>
+<file path=ppt/slides/slide15.xml><?xml version="1.0" encoding="utf-8"?>
 <p:sld xmlns:a="http://schemas.openxmlformats.org/drawingml/2006/main" xmlns:r="http://schemas.openxmlformats.org/officeDocument/2006/relationships" xmlns:p="http://schemas.openxmlformats.org/presentationml/2006/main">
   <p:cSld>
     <p:spTree>
@@ -5675,6 +5463,415 @@
     <p:extLst>
       <p:ext uri="{BB962C8B-B14F-4D97-AF65-F5344CB8AC3E}">
         <p14:creationId xmlns:p14="http://schemas.microsoft.com/office/powerpoint/2010/main" val="632335764"/>
+      </p:ext>
+    </p:extLst>
+  </p:cSld>
+  <p:clrMapOvr>
+    <a:masterClrMapping/>
+  </p:clrMapOvr>
+</p:sld>
+</file>
+
+<file path=ppt/slides/slide16.xml><?xml version="1.0" encoding="utf-8"?>
+<p:sld xmlns:a="http://schemas.openxmlformats.org/drawingml/2006/main" xmlns:r="http://schemas.openxmlformats.org/officeDocument/2006/relationships" xmlns:p="http://schemas.openxmlformats.org/presentationml/2006/main">
+  <p:cSld>
+    <p:spTree>
+      <p:nvGrpSpPr>
+        <p:cNvPr id="1" name=""/>
+        <p:cNvGrpSpPr/>
+        <p:nvPr/>
+      </p:nvGrpSpPr>
+      <p:grpSpPr>
+        <a:xfrm>
+          <a:off x="0" y="0"/>
+          <a:ext cx="0" cy="0"/>
+          <a:chOff x="0" y="0"/>
+          <a:chExt cx="0" cy="0"/>
+        </a:xfrm>
+      </p:grpSpPr>
+      <p:pic>
+        <p:nvPicPr>
+          <p:cNvPr id="2" name="Picture 1"/>
+          <p:cNvPicPr>
+            <a:picLocks noChangeAspect="1"/>
+          </p:cNvPicPr>
+          <p:nvPr/>
+        </p:nvPicPr>
+        <p:blipFill>
+          <a:blip r:embed="rId3">
+            <a:extLst>
+              <a:ext uri="{28A0092B-C50C-407E-A947-70E740481C1C}">
+                <a14:useLocalDpi xmlns:a14="http://schemas.microsoft.com/office/drawing/2010/main" val="0"/>
+              </a:ext>
+            </a:extLst>
+          </a:blip>
+          <a:stretch>
+            <a:fillRect/>
+          </a:stretch>
+        </p:blipFill>
+        <p:spPr>
+          <a:xfrm>
+            <a:off x="0" y="-14731"/>
+            <a:ext cx="9144000" cy="1076325"/>
+          </a:xfrm>
+          <a:prstGeom prst="rect">
+            <a:avLst/>
+          </a:prstGeom>
+        </p:spPr>
+      </p:pic>
+      <p:sp>
+        <p:nvSpPr>
+          <p:cNvPr id="5" name="TextBox 4"/>
+          <p:cNvSpPr txBox="1"/>
+          <p:nvPr/>
+        </p:nvSpPr>
+        <p:spPr>
+          <a:xfrm>
+            <a:off x="602694" y="202335"/>
+            <a:ext cx="6091069" cy="461665"/>
+          </a:xfrm>
+          <a:prstGeom prst="rect">
+            <a:avLst/>
+          </a:prstGeom>
+          <a:noFill/>
+        </p:spPr>
+        <p:txBody>
+          <a:bodyPr wrap="square" rtlCol="0">
+            <a:spAutoFit/>
+          </a:bodyPr>
+          <a:lstStyle/>
+          <a:p>
+            <a:r>
+              <a:rPr lang="es-CO" sz="2400" b="1" dirty="0" err="1">
+                <a:solidFill>
+                  <a:schemeClr val="bg1"/>
+                </a:solidFill>
+                <a:latin typeface="Arial" panose="020B0604020202020204" pitchFamily="34" charset="0"/>
+                <a:cs typeface="Arial" panose="020B0604020202020204" pitchFamily="34" charset="0"/>
+              </a:rPr>
+              <a:t>Knapsack</a:t>
+            </a:r>
+            <a:endParaRPr lang="es-CO" sz="2400" b="1" dirty="0">
+              <a:solidFill>
+                <a:schemeClr val="bg1"/>
+              </a:solidFill>
+              <a:latin typeface="Arial" panose="020B0604020202020204" pitchFamily="34" charset="0"/>
+              <a:cs typeface="Arial" panose="020B0604020202020204" pitchFamily="34" charset="0"/>
+            </a:endParaRPr>
+          </a:p>
+        </p:txBody>
+      </p:sp>
+      <p:sp>
+        <p:nvSpPr>
+          <p:cNvPr id="4" name="TextBox 3">
+            <a:extLst>
+              <a:ext uri="{FF2B5EF4-FFF2-40B4-BE49-F238E27FC236}">
+                <a16:creationId xmlns:a16="http://schemas.microsoft.com/office/drawing/2014/main" id="{EC1A5C25-63BD-4EDC-9DD7-EFAD366D565E}"/>
+              </a:ext>
+            </a:extLst>
+          </p:cNvPr>
+          <p:cNvSpPr txBox="1"/>
+          <p:nvPr/>
+        </p:nvSpPr>
+        <p:spPr>
+          <a:xfrm>
+            <a:off x="710214" y="1695635"/>
+            <a:ext cx="4328044" cy="523220"/>
+          </a:xfrm>
+          <a:prstGeom prst="rect">
+            <a:avLst/>
+          </a:prstGeom>
+          <a:noFill/>
+        </p:spPr>
+        <p:txBody>
+          <a:bodyPr wrap="none" rtlCol="0">
+            <a:spAutoFit/>
+          </a:bodyPr>
+          <a:lstStyle/>
+          <a:p>
+            <a:r>
+              <a:rPr lang="en-GB" sz="2800" dirty="0"/>
+              <a:t>¿</a:t>
+            </a:r>
+            <a:r>
+              <a:rPr lang="en-GB" sz="2800" dirty="0" err="1"/>
+              <a:t>Cuáles</a:t>
+            </a:r>
+            <a:r>
+              <a:rPr lang="en-GB" sz="2800" dirty="0"/>
+              <a:t> son el (los) </a:t>
+            </a:r>
+            <a:r>
+              <a:rPr lang="en-GB" sz="2800" dirty="0" err="1"/>
+              <a:t>estados</a:t>
+            </a:r>
+            <a:r>
+              <a:rPr lang="en-GB" sz="2800" dirty="0"/>
+              <a:t>?</a:t>
+            </a:r>
+          </a:p>
+        </p:txBody>
+      </p:sp>
+      <p:sp>
+        <p:nvSpPr>
+          <p:cNvPr id="7" name="TextBox 6">
+            <a:extLst>
+              <a:ext uri="{FF2B5EF4-FFF2-40B4-BE49-F238E27FC236}">
+                <a16:creationId xmlns:a16="http://schemas.microsoft.com/office/drawing/2014/main" id="{06C87A72-F59B-4DA0-9534-E8C0AF6AD0C9}"/>
+              </a:ext>
+            </a:extLst>
+          </p:cNvPr>
+          <p:cNvSpPr txBox="1"/>
+          <p:nvPr/>
+        </p:nvSpPr>
+        <p:spPr>
+          <a:xfrm>
+            <a:off x="2286000" y="3246553"/>
+            <a:ext cx="4572000" cy="369332"/>
+          </a:xfrm>
+          <a:prstGeom prst="rect">
+            <a:avLst/>
+          </a:prstGeom>
+          <a:noFill/>
+        </p:spPr>
+        <p:txBody>
+          <a:bodyPr wrap="square">
+            <a:spAutoFit/>
+          </a:bodyPr>
+          <a:lstStyle/>
+          <a:p>
+            <a:r>
+              <a:rPr lang="es-CO" sz="1800" b="1" dirty="0">
+                <a:solidFill>
+                  <a:schemeClr val="bg1"/>
+                </a:solidFill>
+                <a:latin typeface="Arial" panose="020B0604020202020204" pitchFamily="34" charset="0"/>
+                <a:cs typeface="Arial" panose="020B0604020202020204" pitchFamily="34" charset="0"/>
+              </a:rPr>
+              <a:t>Conteo de subconjuntos</a:t>
+            </a:r>
+          </a:p>
+        </p:txBody>
+      </p:sp>
+      <p:sp>
+        <p:nvSpPr>
+          <p:cNvPr id="3" name="TextBox 2">
+            <a:extLst>
+              <a:ext uri="{FF2B5EF4-FFF2-40B4-BE49-F238E27FC236}">
+                <a16:creationId xmlns:a16="http://schemas.microsoft.com/office/drawing/2014/main" id="{3D24E1FB-308F-487E-8A43-2F68C98BADD1}"/>
+              </a:ext>
+            </a:extLst>
+          </p:cNvPr>
+          <p:cNvSpPr txBox="1"/>
+          <p:nvPr/>
+        </p:nvSpPr>
+        <p:spPr>
+          <a:xfrm>
+            <a:off x="857100" y="2535512"/>
+            <a:ext cx="4432688" cy="954107"/>
+          </a:xfrm>
+          <a:prstGeom prst="rect">
+            <a:avLst/>
+          </a:prstGeom>
+          <a:noFill/>
+        </p:spPr>
+        <p:txBody>
+          <a:bodyPr wrap="none" rtlCol="0">
+            <a:spAutoFit/>
+          </a:bodyPr>
+          <a:lstStyle/>
+          <a:p>
+            <a:pPr marL="457200" indent="-457200">
+              <a:buFont typeface="Arial" panose="020B0604020202020204" pitchFamily="34" charset="0"/>
+              <a:buChar char="•"/>
+            </a:pPr>
+            <a:r>
+              <a:rPr lang="en-GB" sz="2800" dirty="0"/>
+              <a:t>El </a:t>
+            </a:r>
+            <a:r>
+              <a:rPr lang="en-GB" sz="2800" dirty="0" err="1"/>
+              <a:t>artículo</a:t>
+            </a:r>
+            <a:r>
+              <a:rPr lang="en-GB" sz="2800" dirty="0"/>
+              <a:t> </a:t>
+            </a:r>
+            <a:r>
+              <a:rPr lang="en-GB" sz="2800" dirty="0" err="1"/>
+              <a:t>i</a:t>
+            </a:r>
+            <a:endParaRPr lang="en-GB" sz="2800" dirty="0"/>
+          </a:p>
+          <a:p>
+            <a:pPr marL="457200" indent="-457200">
+              <a:buFont typeface="Arial" panose="020B0604020202020204" pitchFamily="34" charset="0"/>
+              <a:buChar char="•"/>
+            </a:pPr>
+            <a:r>
+              <a:rPr lang="en-GB" sz="2800" dirty="0"/>
+              <a:t>El peso libre </a:t>
+            </a:r>
+            <a:r>
+              <a:rPr lang="en-GB" sz="2800" dirty="0" err="1"/>
+              <a:t>en</a:t>
+            </a:r>
+            <a:r>
+              <a:rPr lang="en-GB" sz="2800" dirty="0"/>
+              <a:t> la mochila</a:t>
+            </a:r>
+          </a:p>
+        </p:txBody>
+      </p:sp>
+      <p:sp>
+        <p:nvSpPr>
+          <p:cNvPr id="6" name="TextBox 5">
+            <a:extLst>
+              <a:ext uri="{FF2B5EF4-FFF2-40B4-BE49-F238E27FC236}">
+                <a16:creationId xmlns:a16="http://schemas.microsoft.com/office/drawing/2014/main" id="{78260DA1-C491-476A-8449-A9F7C0F7379B}"/>
+              </a:ext>
+            </a:extLst>
+          </p:cNvPr>
+          <p:cNvSpPr txBox="1"/>
+          <p:nvPr/>
+        </p:nvSpPr>
+        <p:spPr>
+          <a:xfrm>
+            <a:off x="611084" y="4123660"/>
+            <a:ext cx="4196085" cy="523220"/>
+          </a:xfrm>
+          <a:prstGeom prst="rect">
+            <a:avLst/>
+          </a:prstGeom>
+          <a:noFill/>
+        </p:spPr>
+        <p:txBody>
+          <a:bodyPr wrap="none" rtlCol="0">
+            <a:spAutoFit/>
+          </a:bodyPr>
+          <a:lstStyle/>
+          <a:p>
+            <a:r>
+              <a:rPr lang="en-GB" sz="2800" dirty="0"/>
+              <a:t>¿Con </a:t>
+            </a:r>
+            <a:r>
+              <a:rPr lang="en-GB" sz="2800" dirty="0" err="1"/>
+              <a:t>qué</a:t>
+            </a:r>
+            <a:r>
+              <a:rPr lang="en-GB" sz="2800" dirty="0"/>
+              <a:t> variables </a:t>
+            </a:r>
+            <a:r>
+              <a:rPr lang="en-GB" sz="2800" dirty="0" err="1"/>
+              <a:t>cuento</a:t>
+            </a:r>
+            <a:r>
+              <a:rPr lang="en-GB" sz="2800" dirty="0"/>
+              <a:t>?</a:t>
+            </a:r>
+          </a:p>
+        </p:txBody>
+      </p:sp>
+      <p:sp>
+        <p:nvSpPr>
+          <p:cNvPr id="10" name="TextBox 9">
+            <a:extLst>
+              <a:ext uri="{FF2B5EF4-FFF2-40B4-BE49-F238E27FC236}">
+                <a16:creationId xmlns:a16="http://schemas.microsoft.com/office/drawing/2014/main" id="{E63055B9-97AE-4BBA-9BF1-579006E71C13}"/>
+              </a:ext>
+            </a:extLst>
+          </p:cNvPr>
+          <p:cNvSpPr txBox="1"/>
+          <p:nvPr/>
+        </p:nvSpPr>
+        <p:spPr>
+          <a:xfrm>
+            <a:off x="638900" y="4775781"/>
+            <a:ext cx="8024809" cy="954107"/>
+          </a:xfrm>
+          <a:prstGeom prst="rect">
+            <a:avLst/>
+          </a:prstGeom>
+          <a:noFill/>
+        </p:spPr>
+        <p:txBody>
+          <a:bodyPr wrap="square" rtlCol="0">
+            <a:spAutoFit/>
+          </a:bodyPr>
+          <a:lstStyle/>
+          <a:p>
+            <a:pPr marL="457200" marR="0" lvl="0" indent="-457200" algn="l" defTabSz="914400" rtl="0" eaLnBrk="0" fontAlgn="base" latinLnBrk="0" hangingPunct="0">
+              <a:lnSpc>
+                <a:spcPct val="100000"/>
+              </a:lnSpc>
+              <a:spcBef>
+                <a:spcPct val="0"/>
+              </a:spcBef>
+              <a:spcAft>
+                <a:spcPct val="0"/>
+              </a:spcAft>
+              <a:buClrTx/>
+              <a:buSzTx/>
+              <a:buFont typeface="Arial" panose="020B0604020202020204" pitchFamily="34" charset="0"/>
+              <a:buChar char="•"/>
+              <a:tabLst/>
+            </a:pPr>
+            <a:r>
+              <a:rPr lang="en-GB" sz="2800" dirty="0"/>
+              <a:t>W[n] =&gt; Pesos de los n </a:t>
+            </a:r>
+            <a:r>
+              <a:rPr lang="en-GB" sz="2800" dirty="0" err="1"/>
+              <a:t>productos</a:t>
+            </a:r>
+            <a:endParaRPr lang="en-GB" sz="2800" dirty="0"/>
+          </a:p>
+          <a:p>
+            <a:pPr marL="457200" marR="0" lvl="0" indent="-457200" algn="l" defTabSz="914400" rtl="0" eaLnBrk="0" fontAlgn="base" latinLnBrk="0" hangingPunct="0">
+              <a:lnSpc>
+                <a:spcPct val="100000"/>
+              </a:lnSpc>
+              <a:spcBef>
+                <a:spcPct val="0"/>
+              </a:spcBef>
+              <a:spcAft>
+                <a:spcPct val="0"/>
+              </a:spcAft>
+              <a:buClrTx/>
+              <a:buSzTx/>
+              <a:buFont typeface="Arial" panose="020B0604020202020204" pitchFamily="34" charset="0"/>
+              <a:buChar char="•"/>
+              <a:tabLst/>
+            </a:pPr>
+            <a:r>
+              <a:rPr lang="en-GB" sz="2800" dirty="0"/>
+              <a:t>P[n] =&gt; </a:t>
+            </a:r>
+            <a:r>
+              <a:rPr lang="en-GB" sz="2800" dirty="0" err="1"/>
+              <a:t>Valor</a:t>
+            </a:r>
+            <a:r>
+              <a:rPr lang="en-GB" sz="2800" dirty="0"/>
+              <a:t> de los n </a:t>
+            </a:r>
+            <a:r>
+              <a:rPr lang="en-GB" sz="2800" dirty="0" err="1"/>
+              <a:t>productos</a:t>
+            </a:r>
+            <a:r>
+              <a:rPr lang="en-GB" sz="2800" dirty="0"/>
+              <a:t> </a:t>
+            </a:r>
+          </a:p>
+        </p:txBody>
+      </p:sp>
+    </p:spTree>
+    <p:extLst>
+      <p:ext uri="{BB962C8B-B14F-4D97-AF65-F5344CB8AC3E}">
+        <p14:creationId xmlns:p14="http://schemas.microsoft.com/office/powerpoint/2010/main" val="2257809930"/>
       </p:ext>
     </p:extLst>
   </p:cSld>
@@ -5723,415 +5920,6 @@
         </p:blipFill>
         <p:spPr>
           <a:xfrm>
-            <a:off x="0" y="-14731"/>
-            <a:ext cx="9144000" cy="1076325"/>
-          </a:xfrm>
-          <a:prstGeom prst="rect">
-            <a:avLst/>
-          </a:prstGeom>
-        </p:spPr>
-      </p:pic>
-      <p:sp>
-        <p:nvSpPr>
-          <p:cNvPr id="5" name="TextBox 4"/>
-          <p:cNvSpPr txBox="1"/>
-          <p:nvPr/>
-        </p:nvSpPr>
-        <p:spPr>
-          <a:xfrm>
-            <a:off x="602694" y="202335"/>
-            <a:ext cx="6091069" cy="461665"/>
-          </a:xfrm>
-          <a:prstGeom prst="rect">
-            <a:avLst/>
-          </a:prstGeom>
-          <a:noFill/>
-        </p:spPr>
-        <p:txBody>
-          <a:bodyPr wrap="square" rtlCol="0">
-            <a:spAutoFit/>
-          </a:bodyPr>
-          <a:lstStyle/>
-          <a:p>
-            <a:r>
-              <a:rPr lang="es-CO" sz="2400" b="1" dirty="0" err="1">
-                <a:solidFill>
-                  <a:schemeClr val="bg1"/>
-                </a:solidFill>
-                <a:latin typeface="Arial" panose="020B0604020202020204" pitchFamily="34" charset="0"/>
-                <a:cs typeface="Arial" panose="020B0604020202020204" pitchFamily="34" charset="0"/>
-              </a:rPr>
-              <a:t>Knapsack</a:t>
-            </a:r>
-            <a:endParaRPr lang="es-CO" sz="2400" b="1" dirty="0">
-              <a:solidFill>
-                <a:schemeClr val="bg1"/>
-              </a:solidFill>
-              <a:latin typeface="Arial" panose="020B0604020202020204" pitchFamily="34" charset="0"/>
-              <a:cs typeface="Arial" panose="020B0604020202020204" pitchFamily="34" charset="0"/>
-            </a:endParaRPr>
-          </a:p>
-        </p:txBody>
-      </p:sp>
-      <p:sp>
-        <p:nvSpPr>
-          <p:cNvPr id="4" name="TextBox 3">
-            <a:extLst>
-              <a:ext uri="{FF2B5EF4-FFF2-40B4-BE49-F238E27FC236}">
-                <a16:creationId xmlns:a16="http://schemas.microsoft.com/office/drawing/2014/main" id="{EC1A5C25-63BD-4EDC-9DD7-EFAD366D565E}"/>
-              </a:ext>
-            </a:extLst>
-          </p:cNvPr>
-          <p:cNvSpPr txBox="1"/>
-          <p:nvPr/>
-        </p:nvSpPr>
-        <p:spPr>
-          <a:xfrm>
-            <a:off x="710214" y="1695635"/>
-            <a:ext cx="4328044" cy="523220"/>
-          </a:xfrm>
-          <a:prstGeom prst="rect">
-            <a:avLst/>
-          </a:prstGeom>
-          <a:noFill/>
-        </p:spPr>
-        <p:txBody>
-          <a:bodyPr wrap="none" rtlCol="0">
-            <a:spAutoFit/>
-          </a:bodyPr>
-          <a:lstStyle/>
-          <a:p>
-            <a:r>
-              <a:rPr lang="en-GB" sz="2800" dirty="0"/>
-              <a:t>¿</a:t>
-            </a:r>
-            <a:r>
-              <a:rPr lang="en-GB" sz="2800" dirty="0" err="1"/>
-              <a:t>Cuáles</a:t>
-            </a:r>
-            <a:r>
-              <a:rPr lang="en-GB" sz="2800" dirty="0"/>
-              <a:t> son el (los) </a:t>
-            </a:r>
-            <a:r>
-              <a:rPr lang="en-GB" sz="2800" dirty="0" err="1"/>
-              <a:t>estados</a:t>
-            </a:r>
-            <a:r>
-              <a:rPr lang="en-GB" sz="2800" dirty="0"/>
-              <a:t>?</a:t>
-            </a:r>
-          </a:p>
-        </p:txBody>
-      </p:sp>
-      <p:sp>
-        <p:nvSpPr>
-          <p:cNvPr id="7" name="TextBox 6">
-            <a:extLst>
-              <a:ext uri="{FF2B5EF4-FFF2-40B4-BE49-F238E27FC236}">
-                <a16:creationId xmlns:a16="http://schemas.microsoft.com/office/drawing/2014/main" id="{06C87A72-F59B-4DA0-9534-E8C0AF6AD0C9}"/>
-              </a:ext>
-            </a:extLst>
-          </p:cNvPr>
-          <p:cNvSpPr txBox="1"/>
-          <p:nvPr/>
-        </p:nvSpPr>
-        <p:spPr>
-          <a:xfrm>
-            <a:off x="2286000" y="3246553"/>
-            <a:ext cx="4572000" cy="369332"/>
-          </a:xfrm>
-          <a:prstGeom prst="rect">
-            <a:avLst/>
-          </a:prstGeom>
-          <a:noFill/>
-        </p:spPr>
-        <p:txBody>
-          <a:bodyPr wrap="square">
-            <a:spAutoFit/>
-          </a:bodyPr>
-          <a:lstStyle/>
-          <a:p>
-            <a:r>
-              <a:rPr lang="es-CO" sz="1800" b="1" dirty="0">
-                <a:solidFill>
-                  <a:schemeClr val="bg1"/>
-                </a:solidFill>
-                <a:latin typeface="Arial" panose="020B0604020202020204" pitchFamily="34" charset="0"/>
-                <a:cs typeface="Arial" panose="020B0604020202020204" pitchFamily="34" charset="0"/>
-              </a:rPr>
-              <a:t>Conteo de subconjuntos</a:t>
-            </a:r>
-          </a:p>
-        </p:txBody>
-      </p:sp>
-      <p:sp>
-        <p:nvSpPr>
-          <p:cNvPr id="3" name="TextBox 2">
-            <a:extLst>
-              <a:ext uri="{FF2B5EF4-FFF2-40B4-BE49-F238E27FC236}">
-                <a16:creationId xmlns:a16="http://schemas.microsoft.com/office/drawing/2014/main" id="{3D24E1FB-308F-487E-8A43-2F68C98BADD1}"/>
-              </a:ext>
-            </a:extLst>
-          </p:cNvPr>
-          <p:cNvSpPr txBox="1"/>
-          <p:nvPr/>
-        </p:nvSpPr>
-        <p:spPr>
-          <a:xfrm>
-            <a:off x="857100" y="2535512"/>
-            <a:ext cx="4432688" cy="954107"/>
-          </a:xfrm>
-          <a:prstGeom prst="rect">
-            <a:avLst/>
-          </a:prstGeom>
-          <a:noFill/>
-        </p:spPr>
-        <p:txBody>
-          <a:bodyPr wrap="none" rtlCol="0">
-            <a:spAutoFit/>
-          </a:bodyPr>
-          <a:lstStyle/>
-          <a:p>
-            <a:pPr marL="457200" indent="-457200">
-              <a:buFont typeface="Arial" panose="020B0604020202020204" pitchFamily="34" charset="0"/>
-              <a:buChar char="•"/>
-            </a:pPr>
-            <a:r>
-              <a:rPr lang="en-GB" sz="2800" dirty="0"/>
-              <a:t>El </a:t>
-            </a:r>
-            <a:r>
-              <a:rPr lang="en-GB" sz="2800" dirty="0" err="1"/>
-              <a:t>artículo</a:t>
-            </a:r>
-            <a:r>
-              <a:rPr lang="en-GB" sz="2800" dirty="0"/>
-              <a:t> </a:t>
-            </a:r>
-            <a:r>
-              <a:rPr lang="en-GB" sz="2800" dirty="0" err="1"/>
-              <a:t>i</a:t>
-            </a:r>
-            <a:endParaRPr lang="en-GB" sz="2800" dirty="0"/>
-          </a:p>
-          <a:p>
-            <a:pPr marL="457200" indent="-457200">
-              <a:buFont typeface="Arial" panose="020B0604020202020204" pitchFamily="34" charset="0"/>
-              <a:buChar char="•"/>
-            </a:pPr>
-            <a:r>
-              <a:rPr lang="en-GB" sz="2800" dirty="0"/>
-              <a:t>El peso libre </a:t>
-            </a:r>
-            <a:r>
-              <a:rPr lang="en-GB" sz="2800" dirty="0" err="1"/>
-              <a:t>en</a:t>
-            </a:r>
-            <a:r>
-              <a:rPr lang="en-GB" sz="2800" dirty="0"/>
-              <a:t> la mochila</a:t>
-            </a:r>
-          </a:p>
-        </p:txBody>
-      </p:sp>
-      <p:sp>
-        <p:nvSpPr>
-          <p:cNvPr id="6" name="TextBox 5">
-            <a:extLst>
-              <a:ext uri="{FF2B5EF4-FFF2-40B4-BE49-F238E27FC236}">
-                <a16:creationId xmlns:a16="http://schemas.microsoft.com/office/drawing/2014/main" id="{78260DA1-C491-476A-8449-A9F7C0F7379B}"/>
-              </a:ext>
-            </a:extLst>
-          </p:cNvPr>
-          <p:cNvSpPr txBox="1"/>
-          <p:nvPr/>
-        </p:nvSpPr>
-        <p:spPr>
-          <a:xfrm>
-            <a:off x="611084" y="4123660"/>
-            <a:ext cx="4196085" cy="523220"/>
-          </a:xfrm>
-          <a:prstGeom prst="rect">
-            <a:avLst/>
-          </a:prstGeom>
-          <a:noFill/>
-        </p:spPr>
-        <p:txBody>
-          <a:bodyPr wrap="none" rtlCol="0">
-            <a:spAutoFit/>
-          </a:bodyPr>
-          <a:lstStyle/>
-          <a:p>
-            <a:r>
-              <a:rPr lang="en-GB" sz="2800" dirty="0"/>
-              <a:t>¿Con </a:t>
-            </a:r>
-            <a:r>
-              <a:rPr lang="en-GB" sz="2800" dirty="0" err="1"/>
-              <a:t>qué</a:t>
-            </a:r>
-            <a:r>
-              <a:rPr lang="en-GB" sz="2800" dirty="0"/>
-              <a:t> variables </a:t>
-            </a:r>
-            <a:r>
-              <a:rPr lang="en-GB" sz="2800" dirty="0" err="1"/>
-              <a:t>cuento</a:t>
-            </a:r>
-            <a:r>
-              <a:rPr lang="en-GB" sz="2800" dirty="0"/>
-              <a:t>?</a:t>
-            </a:r>
-          </a:p>
-        </p:txBody>
-      </p:sp>
-      <p:sp>
-        <p:nvSpPr>
-          <p:cNvPr id="10" name="TextBox 9">
-            <a:extLst>
-              <a:ext uri="{FF2B5EF4-FFF2-40B4-BE49-F238E27FC236}">
-                <a16:creationId xmlns:a16="http://schemas.microsoft.com/office/drawing/2014/main" id="{E63055B9-97AE-4BBA-9BF1-579006E71C13}"/>
-              </a:ext>
-            </a:extLst>
-          </p:cNvPr>
-          <p:cNvSpPr txBox="1"/>
-          <p:nvPr/>
-        </p:nvSpPr>
-        <p:spPr>
-          <a:xfrm>
-            <a:off x="638900" y="4775781"/>
-            <a:ext cx="8024809" cy="954107"/>
-          </a:xfrm>
-          <a:prstGeom prst="rect">
-            <a:avLst/>
-          </a:prstGeom>
-          <a:noFill/>
-        </p:spPr>
-        <p:txBody>
-          <a:bodyPr wrap="square" rtlCol="0">
-            <a:spAutoFit/>
-          </a:bodyPr>
-          <a:lstStyle/>
-          <a:p>
-            <a:pPr marL="457200" marR="0" lvl="0" indent="-457200" algn="l" defTabSz="914400" rtl="0" eaLnBrk="0" fontAlgn="base" latinLnBrk="0" hangingPunct="0">
-              <a:lnSpc>
-                <a:spcPct val="100000"/>
-              </a:lnSpc>
-              <a:spcBef>
-                <a:spcPct val="0"/>
-              </a:spcBef>
-              <a:spcAft>
-                <a:spcPct val="0"/>
-              </a:spcAft>
-              <a:buClrTx/>
-              <a:buSzTx/>
-              <a:buFont typeface="Arial" panose="020B0604020202020204" pitchFamily="34" charset="0"/>
-              <a:buChar char="•"/>
-              <a:tabLst/>
-            </a:pPr>
-            <a:r>
-              <a:rPr lang="en-GB" sz="2800" dirty="0"/>
-              <a:t>W[n] =&gt; Pesos de los n </a:t>
-            </a:r>
-            <a:r>
-              <a:rPr lang="en-GB" sz="2800" dirty="0" err="1"/>
-              <a:t>productos</a:t>
-            </a:r>
-            <a:endParaRPr lang="en-GB" sz="2800" dirty="0"/>
-          </a:p>
-          <a:p>
-            <a:pPr marL="457200" marR="0" lvl="0" indent="-457200" algn="l" defTabSz="914400" rtl="0" eaLnBrk="0" fontAlgn="base" latinLnBrk="0" hangingPunct="0">
-              <a:lnSpc>
-                <a:spcPct val="100000"/>
-              </a:lnSpc>
-              <a:spcBef>
-                <a:spcPct val="0"/>
-              </a:spcBef>
-              <a:spcAft>
-                <a:spcPct val="0"/>
-              </a:spcAft>
-              <a:buClrTx/>
-              <a:buSzTx/>
-              <a:buFont typeface="Arial" panose="020B0604020202020204" pitchFamily="34" charset="0"/>
-              <a:buChar char="•"/>
-              <a:tabLst/>
-            </a:pPr>
-            <a:r>
-              <a:rPr lang="en-GB" sz="2800" dirty="0"/>
-              <a:t>P[n] =&gt; </a:t>
-            </a:r>
-            <a:r>
-              <a:rPr lang="en-GB" sz="2800" dirty="0" err="1"/>
-              <a:t>Valor</a:t>
-            </a:r>
-            <a:r>
-              <a:rPr lang="en-GB" sz="2800" dirty="0"/>
-              <a:t> de los n </a:t>
-            </a:r>
-            <a:r>
-              <a:rPr lang="en-GB" sz="2800" dirty="0" err="1"/>
-              <a:t>productos</a:t>
-            </a:r>
-            <a:r>
-              <a:rPr lang="en-GB" sz="2800" dirty="0"/>
-              <a:t> </a:t>
-            </a:r>
-          </a:p>
-        </p:txBody>
-      </p:sp>
-    </p:spTree>
-    <p:extLst>
-      <p:ext uri="{BB962C8B-B14F-4D97-AF65-F5344CB8AC3E}">
-        <p14:creationId xmlns:p14="http://schemas.microsoft.com/office/powerpoint/2010/main" val="2257809930"/>
-      </p:ext>
-    </p:extLst>
-  </p:cSld>
-  <p:clrMapOvr>
-    <a:masterClrMapping/>
-  </p:clrMapOvr>
-</p:sld>
-</file>
-
-<file path=ppt/slides/slide18.xml><?xml version="1.0" encoding="utf-8"?>
-<p:sld xmlns:a="http://schemas.openxmlformats.org/drawingml/2006/main" xmlns:r="http://schemas.openxmlformats.org/officeDocument/2006/relationships" xmlns:p="http://schemas.openxmlformats.org/presentationml/2006/main">
-  <p:cSld>
-    <p:spTree>
-      <p:nvGrpSpPr>
-        <p:cNvPr id="1" name=""/>
-        <p:cNvGrpSpPr/>
-        <p:nvPr/>
-      </p:nvGrpSpPr>
-      <p:grpSpPr>
-        <a:xfrm>
-          <a:off x="0" y="0"/>
-          <a:ext cx="0" cy="0"/>
-          <a:chOff x="0" y="0"/>
-          <a:chExt cx="0" cy="0"/>
-        </a:xfrm>
-      </p:grpSpPr>
-      <p:pic>
-        <p:nvPicPr>
-          <p:cNvPr id="2" name="Picture 1"/>
-          <p:cNvPicPr>
-            <a:picLocks noChangeAspect="1"/>
-          </p:cNvPicPr>
-          <p:nvPr/>
-        </p:nvPicPr>
-        <p:blipFill>
-          <a:blip r:embed="rId3">
-            <a:extLst>
-              <a:ext uri="{28A0092B-C50C-407E-A947-70E740481C1C}">
-                <a14:useLocalDpi xmlns:a14="http://schemas.microsoft.com/office/drawing/2010/main" val="0"/>
-              </a:ext>
-            </a:extLst>
-          </a:blip>
-          <a:stretch>
-            <a:fillRect/>
-          </a:stretch>
-        </p:blipFill>
-        <p:spPr>
-          <a:xfrm>
             <a:off x="0" y="0"/>
             <a:ext cx="9144000" cy="1076325"/>
           </a:xfrm>
@@ -6377,6 +6165,265 @@
 </p:sld>
 </file>
 
+<file path=ppt/slides/slide18.xml><?xml version="1.0" encoding="utf-8"?>
+<p:sld xmlns:a="http://schemas.openxmlformats.org/drawingml/2006/main" xmlns:r="http://schemas.openxmlformats.org/officeDocument/2006/relationships" xmlns:p="http://schemas.openxmlformats.org/presentationml/2006/main">
+  <p:cSld>
+    <p:spTree>
+      <p:nvGrpSpPr>
+        <p:cNvPr id="1" name=""/>
+        <p:cNvGrpSpPr/>
+        <p:nvPr/>
+      </p:nvGrpSpPr>
+      <p:grpSpPr>
+        <a:xfrm>
+          <a:off x="0" y="0"/>
+          <a:ext cx="0" cy="0"/>
+          <a:chOff x="0" y="0"/>
+          <a:chExt cx="0" cy="0"/>
+        </a:xfrm>
+      </p:grpSpPr>
+      <p:sp>
+        <p:nvSpPr>
+          <p:cNvPr id="2" name="Title 1">
+            <a:extLst>
+              <a:ext uri="{FF2B5EF4-FFF2-40B4-BE49-F238E27FC236}">
+                <a16:creationId xmlns:a16="http://schemas.microsoft.com/office/drawing/2014/main" id="{FE15285C-C8F4-4C93-935E-B607342419B7}"/>
+              </a:ext>
+            </a:extLst>
+          </p:cNvPr>
+          <p:cNvSpPr>
+            <a:spLocks noGrp="1"/>
+          </p:cNvSpPr>
+          <p:nvPr>
+            <p:ph type="title"/>
+          </p:nvPr>
+        </p:nvSpPr>
+        <p:spPr/>
+        <p:txBody>
+          <a:bodyPr/>
+          <a:lstStyle/>
+          <a:p>
+            <a:r>
+              <a:rPr lang="en-GB" dirty="0"/>
+              <a:t>Coin change</a:t>
+            </a:r>
+          </a:p>
+        </p:txBody>
+      </p:sp>
+      <p:sp>
+        <p:nvSpPr>
+          <p:cNvPr id="3" name="Content Placeholder 2">
+            <a:extLst>
+              <a:ext uri="{FF2B5EF4-FFF2-40B4-BE49-F238E27FC236}">
+                <a16:creationId xmlns:a16="http://schemas.microsoft.com/office/drawing/2014/main" id="{6D3CB94B-BDC3-40E0-B966-05A4C653F66C}"/>
+              </a:ext>
+            </a:extLst>
+          </p:cNvPr>
+          <p:cNvSpPr>
+            <a:spLocks noGrp="1"/>
+          </p:cNvSpPr>
+          <p:nvPr>
+            <p:ph idx="1"/>
+          </p:nvPr>
+        </p:nvSpPr>
+        <p:spPr/>
+        <p:txBody>
+          <a:bodyPr/>
+          <a:lstStyle/>
+          <a:p>
+            <a:r>
+              <a:rPr lang="en-GB" dirty="0" err="1"/>
+              <a:t>Problema</a:t>
+            </a:r>
+            <a:r>
+              <a:rPr lang="en-GB" dirty="0"/>
+              <a:t> del </a:t>
+            </a:r>
+            <a:r>
+              <a:rPr lang="en-GB" dirty="0" err="1"/>
+              <a:t>cambio</a:t>
+            </a:r>
+            <a:r>
+              <a:rPr lang="en-GB" dirty="0"/>
+              <a:t> de </a:t>
+            </a:r>
+            <a:r>
+              <a:rPr lang="en-GB" dirty="0" err="1"/>
+              <a:t>moneda</a:t>
+            </a:r>
+            <a:r>
+              <a:rPr lang="en-GB" dirty="0"/>
+              <a:t>.</a:t>
+            </a:r>
+          </a:p>
+          <a:p>
+            <a:r>
+              <a:rPr lang="en-GB" dirty="0"/>
+              <a:t>Se </a:t>
+            </a:r>
+            <a:r>
+              <a:rPr lang="en-GB" dirty="0" err="1"/>
+              <a:t>tiene</a:t>
+            </a:r>
+            <a:r>
+              <a:rPr lang="en-GB" dirty="0"/>
+              <a:t> un </a:t>
+            </a:r>
+            <a:r>
+              <a:rPr lang="en-GB" dirty="0" err="1"/>
+              <a:t>arreglo</a:t>
+            </a:r>
+            <a:r>
+              <a:rPr lang="en-GB" dirty="0"/>
+              <a:t> de </a:t>
+            </a:r>
+            <a:r>
+              <a:rPr lang="en-GB" dirty="0" err="1"/>
+              <a:t>monedas</a:t>
+            </a:r>
+            <a:r>
+              <a:rPr lang="en-GB" dirty="0"/>
+              <a:t>:</a:t>
+            </a:r>
+          </a:p>
+          <a:p>
+            <a:pPr marL="0" indent="0">
+              <a:buNone/>
+            </a:pPr>
+            <a:endParaRPr lang="en-GB" dirty="0"/>
+          </a:p>
+          <a:p>
+            <a:pPr marL="0" indent="0">
+              <a:buNone/>
+            </a:pPr>
+            <a:r>
+              <a:rPr lang="en-GB" dirty="0"/>
+              <a:t>coins = {1, 3, 4, 7} </a:t>
+            </a:r>
+          </a:p>
+          <a:p>
+            <a:pPr marL="0" indent="0">
+              <a:buNone/>
+            </a:pPr>
+            <a:r>
+              <a:rPr lang="en-GB" dirty="0"/>
+              <a:t>N = 2000, x &lt;= 4000</a:t>
+            </a:r>
+          </a:p>
+          <a:p>
+            <a:pPr marL="0" indent="0">
+              <a:buNone/>
+            </a:pPr>
+            <a:endParaRPr lang="en-GB" dirty="0"/>
+          </a:p>
+          <a:p>
+            <a:pPr marL="0" indent="0">
+              <a:buNone/>
+            </a:pPr>
+            <a:r>
+              <a:rPr lang="en-GB" dirty="0"/>
+              <a:t>Dada una </a:t>
+            </a:r>
+            <a:r>
+              <a:rPr lang="en-GB" dirty="0" err="1"/>
+              <a:t>cantidad</a:t>
+            </a:r>
+            <a:r>
+              <a:rPr lang="en-GB" dirty="0"/>
+              <a:t> de dinero x se </a:t>
+            </a:r>
+            <a:r>
+              <a:rPr lang="en-GB" dirty="0" err="1"/>
+              <a:t>quiere</a:t>
+            </a:r>
+            <a:r>
+              <a:rPr lang="en-GB" dirty="0"/>
+              <a:t> </a:t>
+            </a:r>
+            <a:r>
+              <a:rPr lang="en-GB" dirty="0" err="1"/>
+              <a:t>saber</a:t>
+            </a:r>
+            <a:r>
+              <a:rPr lang="en-GB" dirty="0"/>
+              <a:t> </a:t>
+            </a:r>
+            <a:r>
+              <a:rPr lang="en-GB" dirty="0" err="1"/>
+              <a:t>cual</a:t>
+            </a:r>
+            <a:r>
+              <a:rPr lang="en-GB" dirty="0"/>
+              <a:t> es el </a:t>
+            </a:r>
+            <a:r>
+              <a:rPr lang="en-GB" dirty="0" err="1"/>
+              <a:t>mínimo</a:t>
+            </a:r>
+            <a:r>
+              <a:rPr lang="en-GB" dirty="0"/>
+              <a:t> </a:t>
+            </a:r>
+            <a:r>
+              <a:rPr lang="en-GB" dirty="0" err="1"/>
+              <a:t>número</a:t>
+            </a:r>
+            <a:r>
+              <a:rPr lang="en-GB" dirty="0"/>
+              <a:t> de </a:t>
+            </a:r>
+            <a:r>
+              <a:rPr lang="en-GB" dirty="0" err="1"/>
+              <a:t>monedas</a:t>
+            </a:r>
+            <a:r>
+              <a:rPr lang="en-GB" dirty="0"/>
+              <a:t> para </a:t>
+            </a:r>
+            <a:r>
+              <a:rPr lang="en-GB" dirty="0" err="1"/>
+              <a:t>representar</a:t>
+            </a:r>
+            <a:r>
+              <a:rPr lang="en-GB" dirty="0"/>
+              <a:t> la </a:t>
+            </a:r>
+            <a:r>
+              <a:rPr lang="en-GB" dirty="0" err="1"/>
+              <a:t>cantidad</a:t>
+            </a:r>
+            <a:r>
+              <a:rPr lang="en-GB" dirty="0"/>
+              <a:t>.</a:t>
+            </a:r>
+          </a:p>
+          <a:p>
+            <a:pPr marL="0" indent="0">
+              <a:buNone/>
+            </a:pPr>
+            <a:endParaRPr lang="en-GB" dirty="0"/>
+          </a:p>
+          <a:p>
+            <a:pPr marL="0" indent="0">
+              <a:buNone/>
+            </a:pPr>
+            <a:endParaRPr lang="en-GB" dirty="0"/>
+          </a:p>
+        </p:txBody>
+      </p:sp>
+    </p:spTree>
+    <p:extLst>
+      <p:ext uri="{BB962C8B-B14F-4D97-AF65-F5344CB8AC3E}">
+        <p14:creationId xmlns:p14="http://schemas.microsoft.com/office/powerpoint/2010/main" val="2618561518"/>
+      </p:ext>
+    </p:extLst>
+  </p:cSld>
+  <p:clrMapOvr>
+    <a:masterClrMapping/>
+  </p:clrMapOvr>
+</p:sld>
+</file>
+
 <file path=ppt/slides/slide19.xml><?xml version="1.0" encoding="utf-8"?>
 <p:sld xmlns:a="http://schemas.openxmlformats.org/drawingml/2006/main" xmlns:r="http://schemas.openxmlformats.org/officeDocument/2006/relationships" xmlns:p="http://schemas.openxmlformats.org/presentationml/2006/main">
   <p:cSld>
@@ -6444,58 +6491,14 @@
           <a:lstStyle/>
           <a:p>
             <a:r>
-              <a:rPr lang="en-GB" dirty="0" err="1"/>
-              <a:t>Problema</a:t>
-            </a:r>
-            <a:r>
               <a:rPr lang="en-GB" dirty="0"/>
-              <a:t> del </a:t>
-            </a:r>
-            <a:r>
-              <a:rPr lang="en-GB" dirty="0" err="1"/>
-              <a:t>cambio</a:t>
-            </a:r>
+              <a:t>f(7) = ?</a:t>
+            </a:r>
+          </a:p>
+          <a:p>
             <a:r>
               <a:rPr lang="en-GB" dirty="0"/>
-              <a:t> de </a:t>
-            </a:r>
-            <a:r>
-              <a:rPr lang="en-GB" dirty="0" err="1"/>
-              <a:t>moneda</a:t>
-            </a:r>
-            <a:r>
-              <a:rPr lang="en-GB" dirty="0"/>
-              <a:t>.</a:t>
-            </a:r>
-          </a:p>
-          <a:p>
-            <a:r>
-              <a:rPr lang="en-GB" dirty="0"/>
-              <a:t>Se </a:t>
-            </a:r>
-            <a:r>
-              <a:rPr lang="en-GB" dirty="0" err="1"/>
-              <a:t>tiene</a:t>
-            </a:r>
-            <a:r>
-              <a:rPr lang="en-GB" dirty="0"/>
-              <a:t> un </a:t>
-            </a:r>
-            <a:r>
-              <a:rPr lang="en-GB" dirty="0" err="1"/>
-              <a:t>arreglo</a:t>
-            </a:r>
-            <a:r>
-              <a:rPr lang="en-GB" dirty="0"/>
-              <a:t> de </a:t>
-            </a:r>
-            <a:r>
-              <a:rPr lang="en-GB" dirty="0" err="1"/>
-              <a:t>monedas</a:t>
-            </a:r>
-            <a:r>
-              <a:rPr lang="en-GB" dirty="0"/>
-              <a:t>:</a:t>
+              <a:t>f(10) = ?</a:t>
             </a:r>
           </a:p>
           <a:p>
@@ -6508,117 +6511,6 @@
             <a:pPr marL="0" indent="0">
               <a:buNone/>
             </a:pPr>
-            <a:r>
-              <a:rPr lang="en-GB" dirty="0"/>
-              <a:t>coins = {1, 3, 4, 7} </a:t>
-            </a:r>
-          </a:p>
-          <a:p>
-            <a:pPr marL="0" indent="0">
-              <a:buNone/>
-            </a:pPr>
-            <a:r>
-              <a:rPr lang="en-GB" dirty="0"/>
-              <a:t>N = 2000, x &lt;= 4000</a:t>
-            </a:r>
-          </a:p>
-          <a:p>
-            <a:pPr marL="0" indent="0">
-              <a:buNone/>
-            </a:pPr>
-            <a:endParaRPr lang="en-GB" dirty="0"/>
-          </a:p>
-          <a:p>
-            <a:pPr marL="0" indent="0">
-              <a:buNone/>
-            </a:pPr>
-            <a:r>
-              <a:rPr lang="en-GB" dirty="0"/>
-              <a:t>Dada una </a:t>
-            </a:r>
-            <a:r>
-              <a:rPr lang="en-GB" dirty="0" err="1"/>
-              <a:t>cantidad</a:t>
-            </a:r>
-            <a:r>
-              <a:rPr lang="en-GB" dirty="0"/>
-              <a:t> de dinero x se </a:t>
-            </a:r>
-            <a:r>
-              <a:rPr lang="en-GB" dirty="0" err="1"/>
-              <a:t>quiere</a:t>
-            </a:r>
-            <a:r>
-              <a:rPr lang="en-GB" dirty="0"/>
-              <a:t> </a:t>
-            </a:r>
-            <a:r>
-              <a:rPr lang="en-GB" dirty="0" err="1"/>
-              <a:t>saber</a:t>
-            </a:r>
-            <a:r>
-              <a:rPr lang="en-GB" dirty="0"/>
-              <a:t> </a:t>
-            </a:r>
-            <a:r>
-              <a:rPr lang="en-GB" dirty="0" err="1"/>
-              <a:t>cual</a:t>
-            </a:r>
-            <a:r>
-              <a:rPr lang="en-GB" dirty="0"/>
-              <a:t> es el </a:t>
-            </a:r>
-            <a:r>
-              <a:rPr lang="en-GB" dirty="0" err="1"/>
-              <a:t>mínimo</a:t>
-            </a:r>
-            <a:r>
-              <a:rPr lang="en-GB" dirty="0"/>
-              <a:t> </a:t>
-            </a:r>
-            <a:r>
-              <a:rPr lang="en-GB" dirty="0" err="1"/>
-              <a:t>número</a:t>
-            </a:r>
-            <a:r>
-              <a:rPr lang="en-GB" dirty="0"/>
-              <a:t> de </a:t>
-            </a:r>
-            <a:r>
-              <a:rPr lang="en-GB" dirty="0" err="1"/>
-              <a:t>monedas</a:t>
-            </a:r>
-            <a:r>
-              <a:rPr lang="en-GB" dirty="0"/>
-              <a:t> para </a:t>
-            </a:r>
-            <a:r>
-              <a:rPr lang="en-GB" dirty="0" err="1"/>
-              <a:t>representar</a:t>
-            </a:r>
-            <a:r>
-              <a:rPr lang="en-GB" dirty="0"/>
-              <a:t> la </a:t>
-            </a:r>
-            <a:r>
-              <a:rPr lang="en-GB" dirty="0" err="1"/>
-              <a:t>cantidad</a:t>
-            </a:r>
-            <a:r>
-              <a:rPr lang="en-GB" dirty="0"/>
-              <a:t>.</a:t>
-            </a:r>
-          </a:p>
-          <a:p>
-            <a:pPr marL="0" indent="0">
-              <a:buNone/>
-            </a:pPr>
-            <a:endParaRPr lang="en-GB" dirty="0"/>
-          </a:p>
-          <a:p>
-            <a:pPr marL="0" indent="0">
-              <a:buNone/>
-            </a:pPr>
             <a:endParaRPr lang="en-GB" dirty="0"/>
           </a:p>
         </p:txBody>
@@ -6626,7 +6518,7 @@
     </p:spTree>
     <p:extLst>
       <p:ext uri="{BB962C8B-B14F-4D97-AF65-F5344CB8AC3E}">
-        <p14:creationId xmlns:p14="http://schemas.microsoft.com/office/powerpoint/2010/main" val="2618561518"/>
+        <p14:creationId xmlns:p14="http://schemas.microsoft.com/office/powerpoint/2010/main" val="3659756375"/>
       </p:ext>
     </p:extLst>
   </p:cSld>
@@ -6745,6 +6637,17 @@
               <a:buChar char="•"/>
             </a:pPr>
             <a:r>
+              <a:rPr lang="es-CO" sz="2400">
+                <a:solidFill>
+                  <a:schemeClr val="tx1">
+                    <a:lumMod val="65000"/>
+                    <a:lumOff val="35000"/>
+                  </a:schemeClr>
+                </a:solidFill>
+              </a:rPr>
+              <a:t>Resuelve </a:t>
+            </a:r>
+            <a:r>
               <a:rPr lang="es-CO" sz="2400" dirty="0">
                 <a:solidFill>
                   <a:schemeClr val="tx1">
@@ -6753,7 +6656,7 @@
                   </a:schemeClr>
                 </a:solidFill>
               </a:rPr>
-              <a:t>Resuelve problemas combinando las soluciones de los subproblemas.</a:t>
+              <a:t>problemas combinando las soluciones de los subproblemas.</a:t>
             </a:r>
           </a:p>
           <a:p>
@@ -6963,13 +6866,29 @@
           <a:p>
             <a:r>
               <a:rPr lang="en-GB" dirty="0"/>
-              <a:t>f(7) = ?</a:t>
-            </a:r>
-          </a:p>
-          <a:p>
+              <a:t>f(7) = 1 que </a:t>
+            </a:r>
+            <a:r>
+              <a:rPr lang="en-GB" dirty="0" err="1"/>
+              <a:t>sería</a:t>
+            </a:r>
             <a:r>
               <a:rPr lang="en-GB" dirty="0"/>
-              <a:t>f(10) = ?</a:t>
+              <a:t> usar la </a:t>
+            </a:r>
+            <a:r>
+              <a:rPr lang="en-GB" dirty="0" err="1"/>
+              <a:t>moneda</a:t>
+            </a:r>
+            <a:r>
+              <a:rPr lang="en-GB" dirty="0"/>
+              <a:t> 7</a:t>
+            </a:r>
+          </a:p>
+          <a:p>
+            <a:r>
+              <a:rPr lang="en-GB" dirty="0"/>
+              <a:t>f(10) = 3+7 ó 3+3+4</a:t>
             </a:r>
           </a:p>
           <a:p>
@@ -6989,7 +6908,7 @@
     </p:spTree>
     <p:extLst>
       <p:ext uri="{BB962C8B-B14F-4D97-AF65-F5344CB8AC3E}">
-        <p14:creationId xmlns:p14="http://schemas.microsoft.com/office/powerpoint/2010/main" val="3659756375"/>
+        <p14:creationId xmlns:p14="http://schemas.microsoft.com/office/powerpoint/2010/main" val="2838751875"/>
       </p:ext>
     </p:extLst>
   </p:cSld>
@@ -7065,31 +6984,108 @@
           <a:bodyPr/>
           <a:lstStyle/>
           <a:p>
+            <a:pPr marL="0" indent="0">
+              <a:buNone/>
+            </a:pPr>
             <a:r>
               <a:rPr lang="en-GB" dirty="0"/>
-              <a:t>f(7) = 1 que </a:t>
+              <a:t>Este </a:t>
             </a:r>
             <a:r>
               <a:rPr lang="en-GB" dirty="0" err="1"/>
-              <a:t>sería</a:t>
+              <a:t>problema</a:t>
             </a:r>
             <a:r>
               <a:rPr lang="en-GB" dirty="0"/>
-              <a:t> usar la </a:t>
+              <a:t> se </a:t>
             </a:r>
             <a:r>
               <a:rPr lang="en-GB" dirty="0" err="1"/>
-              <a:t>moneda</a:t>
+              <a:t>puede</a:t>
             </a:r>
             <a:r>
               <a:rPr lang="en-GB" dirty="0"/>
-              <a:t> 7</a:t>
-            </a:r>
-          </a:p>
-          <a:p>
+              <a:t> resolver </a:t>
+            </a:r>
+            <a:r>
+              <a:rPr lang="en-GB" dirty="0" err="1"/>
+              <a:t>explorando</a:t>
+            </a:r>
             <a:r>
               <a:rPr lang="en-GB" dirty="0"/>
-              <a:t>f(10) = 3+7 ó 3+3+4</a:t>
+              <a:t> </a:t>
+            </a:r>
+            <a:r>
+              <a:rPr lang="en-GB" dirty="0" err="1"/>
+              <a:t>todas</a:t>
+            </a:r>
+            <a:r>
+              <a:rPr lang="en-GB" dirty="0"/>
+              <a:t> las </a:t>
+            </a:r>
+            <a:r>
+              <a:rPr lang="en-GB" dirty="0" err="1"/>
+              <a:t>posibilidades</a:t>
+            </a:r>
+            <a:r>
+              <a:rPr lang="en-GB" dirty="0"/>
+              <a:t> (se </a:t>
+            </a:r>
+            <a:r>
+              <a:rPr lang="en-GB" dirty="0" err="1"/>
+              <a:t>puede</a:t>
+            </a:r>
+            <a:r>
+              <a:rPr lang="en-GB" dirty="0"/>
+              <a:t> </a:t>
+            </a:r>
+            <a:r>
+              <a:rPr lang="en-GB" dirty="0" err="1"/>
+              <a:t>pensar</a:t>
+            </a:r>
+            <a:r>
+              <a:rPr lang="en-GB" dirty="0"/>
+              <a:t> </a:t>
+            </a:r>
+            <a:r>
+              <a:rPr lang="en-GB" dirty="0" err="1"/>
+              <a:t>inicialmente</a:t>
+            </a:r>
+            <a:r>
+              <a:rPr lang="en-GB" dirty="0"/>
+              <a:t> </a:t>
+            </a:r>
+            <a:r>
+              <a:rPr lang="en-GB" dirty="0" err="1"/>
+              <a:t>en</a:t>
+            </a:r>
+            <a:r>
+              <a:rPr lang="en-GB" dirty="0"/>
+              <a:t> </a:t>
+            </a:r>
+            <a:r>
+              <a:rPr lang="en-GB" dirty="0" err="1"/>
+              <a:t>fuerza</a:t>
+            </a:r>
+            <a:r>
+              <a:rPr lang="en-GB" dirty="0"/>
+              <a:t> </a:t>
+            </a:r>
+            <a:r>
+              <a:rPr lang="en-GB" dirty="0" err="1"/>
+              <a:t>bruta</a:t>
+            </a:r>
+            <a:r>
+              <a:rPr lang="en-GB" dirty="0"/>
+              <a:t> y </a:t>
+            </a:r>
+            <a:r>
+              <a:rPr lang="en-GB" dirty="0" err="1"/>
+              <a:t>recursividad</a:t>
+            </a:r>
+            <a:r>
+              <a:rPr lang="en-GB" dirty="0"/>
+              <a:t>)</a:t>
             </a:r>
           </a:p>
           <a:p>
@@ -7102,14 +7098,88 @@
             <a:pPr marL="0" indent="0">
               <a:buNone/>
             </a:pPr>
+            <a:r>
+              <a:rPr lang="en-GB" dirty="0"/>
+              <a:t>Se debe </a:t>
+            </a:r>
+            <a:r>
+              <a:rPr lang="en-GB" dirty="0" err="1"/>
+              <a:t>pensar</a:t>
+            </a:r>
+            <a:r>
+              <a:rPr lang="en-GB" dirty="0"/>
+              <a:t> </a:t>
+            </a:r>
+            <a:r>
+              <a:rPr lang="en-GB" dirty="0" err="1"/>
+              <a:t>en</a:t>
+            </a:r>
+            <a:r>
+              <a:rPr lang="en-GB" dirty="0"/>
+              <a:t> algo que sea </a:t>
+            </a:r>
+            <a:r>
+              <a:rPr lang="en-GB" dirty="0" err="1"/>
+              <a:t>fácil</a:t>
+            </a:r>
+            <a:r>
+              <a:rPr lang="en-GB" dirty="0"/>
+              <a:t> de </a:t>
+            </a:r>
+            <a:r>
+              <a:rPr lang="en-GB" dirty="0" err="1"/>
+              <a:t>memorizar</a:t>
+            </a:r>
+            <a:r>
+              <a:rPr lang="en-GB" dirty="0"/>
+              <a:t>.</a:t>
+            </a:r>
+          </a:p>
+          <a:p>
+            <a:pPr marL="0" indent="0">
+              <a:buNone/>
+            </a:pPr>
             <a:endParaRPr lang="en-GB" dirty="0"/>
+          </a:p>
+          <a:p>
+            <a:pPr marL="0" indent="0">
+              <a:buNone/>
+            </a:pPr>
+            <a:r>
+              <a:rPr lang="en-GB" dirty="0"/>
+              <a:t>¿</a:t>
+            </a:r>
+            <a:r>
+              <a:rPr lang="en-GB" dirty="0" err="1"/>
+              <a:t>Cual</a:t>
+            </a:r>
+            <a:r>
+              <a:rPr lang="en-GB" dirty="0"/>
+              <a:t> es el </a:t>
+            </a:r>
+            <a:r>
+              <a:rPr lang="en-GB" dirty="0" err="1"/>
+              <a:t>estado</a:t>
+            </a:r>
+            <a:r>
+              <a:rPr lang="en-GB" dirty="0"/>
+              <a:t> de la </a:t>
+            </a:r>
+            <a:r>
+              <a:rPr lang="en-GB" dirty="0" err="1"/>
+              <a:t>función</a:t>
+            </a:r>
+            <a:r>
+              <a:rPr lang="en-GB" dirty="0"/>
+              <a:t>?</a:t>
+            </a:r>
           </a:p>
         </p:txBody>
       </p:sp>
     </p:spTree>
     <p:extLst>
       <p:ext uri="{BB962C8B-B14F-4D97-AF65-F5344CB8AC3E}">
-        <p14:creationId xmlns:p14="http://schemas.microsoft.com/office/powerpoint/2010/main" val="2838751875"/>
+        <p14:creationId xmlns:p14="http://schemas.microsoft.com/office/powerpoint/2010/main" val="4208225857"/>
       </p:ext>
     </p:extLst>
   </p:cSld>
@@ -7185,32 +7255,117 @@
           <a:bodyPr/>
           <a:lstStyle/>
           <a:p>
+            <a:pPr>
+              <a:buFontTx/>
+              <a:buChar char="-"/>
+            </a:pPr>
+            <a:r>
+              <a:rPr lang="en-GB" dirty="0" err="1"/>
+              <a:t>Estados</a:t>
+            </a:r>
+            <a:r>
+              <a:rPr lang="en-GB" dirty="0"/>
+              <a:t> (x) </a:t>
+            </a:r>
+            <a:r>
+              <a:rPr lang="en-GB" dirty="0" err="1"/>
+              <a:t>cantidad</a:t>
+            </a:r>
+            <a:r>
+              <a:rPr lang="en-GB" dirty="0"/>
+              <a:t> a </a:t>
+            </a:r>
+            <a:r>
+              <a:rPr lang="en-GB" dirty="0" err="1"/>
+              <a:t>cambiar</a:t>
+            </a:r>
+            <a:r>
+              <a:rPr lang="en-GB" dirty="0"/>
+              <a:t> por </a:t>
+            </a:r>
+            <a:r>
+              <a:rPr lang="en-GB" dirty="0" err="1"/>
+              <a:t>monedas</a:t>
+            </a:r>
+            <a:endParaRPr lang="en-GB" dirty="0"/>
+          </a:p>
+          <a:p>
+            <a:pPr>
+              <a:buFontTx/>
+              <a:buChar char="-"/>
+            </a:pPr>
+            <a:r>
+              <a:rPr lang="en-GB" dirty="0"/>
+              <a:t>El </a:t>
+            </a:r>
+            <a:r>
+              <a:rPr lang="en-GB" dirty="0" err="1"/>
+              <a:t>arreglo</a:t>
+            </a:r>
+            <a:r>
+              <a:rPr lang="en-GB" dirty="0"/>
+              <a:t> de coins se </a:t>
+            </a:r>
+            <a:r>
+              <a:rPr lang="en-GB" dirty="0" err="1"/>
+              <a:t>puede</a:t>
+            </a:r>
+            <a:r>
+              <a:rPr lang="en-GB" dirty="0"/>
+              <a:t> usar sin </a:t>
+            </a:r>
+            <a:r>
+              <a:rPr lang="en-GB" dirty="0" err="1"/>
+              <a:t>enviarlo</a:t>
+            </a:r>
+            <a:endParaRPr lang="en-GB" dirty="0"/>
+          </a:p>
+          <a:p>
+            <a:pPr>
+              <a:buFontTx/>
+              <a:buChar char="-"/>
+            </a:pPr>
+            <a:r>
+              <a:rPr lang="en-GB" dirty="0"/>
+              <a:t>Casos base?</a:t>
+            </a:r>
+          </a:p>
+          <a:p>
+            <a:pPr>
+              <a:buFontTx/>
+              <a:buChar char="-"/>
+            </a:pPr>
+            <a:r>
+              <a:rPr lang="en-GB" dirty="0"/>
+              <a:t>Casos </a:t>
+            </a:r>
+            <a:r>
+              <a:rPr lang="en-GB" dirty="0" err="1"/>
+              <a:t>recursivos</a:t>
+            </a:r>
+            <a:r>
+              <a:rPr lang="en-GB" dirty="0"/>
+              <a:t>?</a:t>
+            </a:r>
+          </a:p>
+          <a:p>
+            <a:pPr>
+              <a:buFontTx/>
+              <a:buChar char="-"/>
+            </a:pPr>
+            <a:endParaRPr lang="en-GB" dirty="0"/>
+          </a:p>
+          <a:p>
             <a:pPr marL="0" indent="0">
               <a:buNone/>
             </a:pPr>
             <a:r>
               <a:rPr lang="en-GB" dirty="0"/>
-              <a:t>Este </a:t>
+              <a:t>f(x) -&gt; Que </a:t>
             </a:r>
             <a:r>
               <a:rPr lang="en-GB" dirty="0" err="1"/>
-              <a:t>problema</a:t>
-            </a:r>
-            <a:r>
-              <a:rPr lang="en-GB" dirty="0"/>
-              <a:t> se </a:t>
-            </a:r>
-            <a:r>
-              <a:rPr lang="en-GB" dirty="0" err="1"/>
-              <a:t>puede</a:t>
-            </a:r>
-            <a:r>
-              <a:rPr lang="en-GB" dirty="0"/>
-              <a:t> resolver </a:t>
-            </a:r>
-            <a:r>
-              <a:rPr lang="en-GB" dirty="0" err="1"/>
-              <a:t>explorando</a:t>
+              <a:t>pasa</a:t>
             </a:r>
             <a:r>
               <a:rPr lang="en-GB" dirty="0"/>
@@ -7218,23 +7373,7 @@
             </a:r>
             <a:r>
               <a:rPr lang="en-GB" dirty="0" err="1"/>
-              <a:t>todas</a:t>
-            </a:r>
-            <a:r>
-              <a:rPr lang="en-GB" dirty="0"/>
-              <a:t> las </a:t>
-            </a:r>
-            <a:r>
-              <a:rPr lang="en-GB" dirty="0" err="1"/>
-              <a:t>posibilidades</a:t>
-            </a:r>
-            <a:r>
-              <a:rPr lang="en-GB" dirty="0"/>
-              <a:t> (se </a:t>
-            </a:r>
-            <a:r>
-              <a:rPr lang="en-GB" dirty="0" err="1"/>
-              <a:t>puede</a:t>
+              <a:t>si</a:t>
             </a:r>
             <a:r>
               <a:rPr lang="en-GB" dirty="0"/>
@@ -7242,51 +7381,11 @@
             </a:r>
             <a:r>
               <a:rPr lang="en-GB" dirty="0" err="1"/>
-              <a:t>pensar</a:t>
+              <a:t>intento</a:t>
             </a:r>
             <a:r>
               <a:rPr lang="en-GB" dirty="0"/>
-              <a:t> </a:t>
-            </a:r>
-            <a:r>
-              <a:rPr lang="en-GB" dirty="0" err="1"/>
-              <a:t>inicialmente</a:t>
-            </a:r>
-            <a:r>
-              <a:rPr lang="en-GB" dirty="0"/>
-              <a:t> </a:t>
-            </a:r>
-            <a:r>
-              <a:rPr lang="en-GB" dirty="0" err="1"/>
-              <a:t>en</a:t>
-            </a:r>
-            <a:r>
-              <a:rPr lang="en-GB" dirty="0"/>
-              <a:t> </a:t>
-            </a:r>
-            <a:r>
-              <a:rPr lang="en-GB" dirty="0" err="1"/>
-              <a:t>fuerza</a:t>
-            </a:r>
-            <a:r>
-              <a:rPr lang="en-GB" dirty="0"/>
-              <a:t> </a:t>
-            </a:r>
-            <a:r>
-              <a:rPr lang="en-GB" dirty="0" err="1"/>
-              <a:t>bruta</a:t>
-            </a:r>
-            <a:r>
-              <a:rPr lang="en-GB" dirty="0"/>
-              <a:t> y </a:t>
-            </a:r>
-            <a:r>
-              <a:rPr lang="en-GB" dirty="0" err="1"/>
-              <a:t>recursividad</a:t>
-            </a:r>
-            <a:r>
-              <a:rPr lang="en-GB" dirty="0"/>
-              <a:t>)</a:t>
+              <a:t> con un x</a:t>
             </a:r>
           </a:p>
           <a:p>
@@ -7301,78 +7400,15 @@
             </a:pPr>
             <a:r>
               <a:rPr lang="en-GB" dirty="0"/>
-              <a:t>Se debe </a:t>
+              <a:t>x-coin[</a:t>
             </a:r>
             <a:r>
               <a:rPr lang="en-GB" dirty="0" err="1"/>
-              <a:t>pensar</a:t>
+              <a:t>i</a:t>
             </a:r>
             <a:r>
               <a:rPr lang="en-GB" dirty="0"/>
-              <a:t> </a:t>
-            </a:r>
-            <a:r>
-              <a:rPr lang="en-GB" dirty="0" err="1"/>
-              <a:t>en</a:t>
-            </a:r>
-            <a:r>
-              <a:rPr lang="en-GB" dirty="0"/>
-              <a:t> algo que sea </a:t>
-            </a:r>
-            <a:r>
-              <a:rPr lang="en-GB" dirty="0" err="1"/>
-              <a:t>fácil</a:t>
-            </a:r>
-            <a:r>
-              <a:rPr lang="en-GB" dirty="0"/>
-              <a:t> de </a:t>
-            </a:r>
-            <a:r>
-              <a:rPr lang="en-GB" dirty="0" err="1"/>
-              <a:t>memorizar</a:t>
-            </a:r>
-            <a:r>
-              <a:rPr lang="en-GB" dirty="0"/>
-              <a:t>.</a:t>
-            </a:r>
-          </a:p>
-          <a:p>
-            <a:pPr marL="0" indent="0">
-              <a:buNone/>
-            </a:pPr>
-            <a:endParaRPr lang="en-GB" dirty="0"/>
-          </a:p>
-          <a:p>
-            <a:pPr marL="0" indent="0">
-              <a:buNone/>
-            </a:pPr>
-            <a:r>
-              <a:rPr lang="en-GB" dirty="0"/>
-              <a:t>¿</a:t>
-            </a:r>
-            <a:r>
-              <a:rPr lang="en-GB" dirty="0" err="1"/>
-              <a:t>Cual</a:t>
-            </a:r>
-            <a:r>
-              <a:rPr lang="en-GB" dirty="0"/>
-              <a:t> es el </a:t>
-            </a:r>
-            <a:r>
-              <a:rPr lang="en-GB" dirty="0" err="1"/>
-              <a:t>estado</a:t>
-            </a:r>
-            <a:r>
-              <a:rPr lang="en-GB" dirty="0"/>
-              <a:t> de la </a:t>
-            </a:r>
-            <a:r>
-              <a:rPr lang="en-GB" dirty="0" err="1"/>
-              <a:t>función</a:t>
-            </a:r>
-            <a:r>
-              <a:rPr lang="en-GB" dirty="0"/>
-              <a:t>?</a:t>
+              <a:t>] </a:t>
             </a:r>
           </a:p>
         </p:txBody>
@@ -7380,7 +7416,7 @@
     </p:spTree>
     <p:extLst>
       <p:ext uri="{BB962C8B-B14F-4D97-AF65-F5344CB8AC3E}">
-        <p14:creationId xmlns:p14="http://schemas.microsoft.com/office/powerpoint/2010/main" val="4208225857"/>
+        <p14:creationId xmlns:p14="http://schemas.microsoft.com/office/powerpoint/2010/main" val="3959868154"/>
       </p:ext>
     </p:extLst>
   </p:cSld>
@@ -7435,245 +7471,8 @@
           </a:p>
         </p:txBody>
       </p:sp>
-      <p:sp>
-        <p:nvSpPr>
-          <p:cNvPr id="3" name="Content Placeholder 2">
-            <a:extLst>
-              <a:ext uri="{FF2B5EF4-FFF2-40B4-BE49-F238E27FC236}">
-                <a16:creationId xmlns:a16="http://schemas.microsoft.com/office/drawing/2014/main" id="{6D3CB94B-BDC3-40E0-B966-05A4C653F66C}"/>
-              </a:ext>
-            </a:extLst>
-          </p:cNvPr>
-          <p:cNvSpPr>
-            <a:spLocks noGrp="1"/>
-          </p:cNvSpPr>
-          <p:nvPr>
-            <p:ph idx="1"/>
-          </p:nvPr>
-        </p:nvSpPr>
-        <p:spPr/>
-        <p:txBody>
-          <a:bodyPr/>
-          <a:lstStyle/>
-          <a:p>
-            <a:pPr>
-              <a:buFontTx/>
-              <a:buChar char="-"/>
-            </a:pPr>
-            <a:r>
-              <a:rPr lang="en-GB" dirty="0" err="1"/>
-              <a:t>Estados</a:t>
-            </a:r>
-            <a:r>
-              <a:rPr lang="en-GB" dirty="0"/>
-              <a:t> (x) </a:t>
-            </a:r>
-            <a:r>
-              <a:rPr lang="en-GB" dirty="0" err="1"/>
-              <a:t>cantidad</a:t>
-            </a:r>
-            <a:r>
-              <a:rPr lang="en-GB" dirty="0"/>
-              <a:t> a </a:t>
-            </a:r>
-            <a:r>
-              <a:rPr lang="en-GB" dirty="0" err="1"/>
-              <a:t>cambiar</a:t>
-            </a:r>
-            <a:r>
-              <a:rPr lang="en-GB" dirty="0"/>
-              <a:t> por </a:t>
-            </a:r>
-            <a:r>
-              <a:rPr lang="en-GB" dirty="0" err="1"/>
-              <a:t>monedas</a:t>
-            </a:r>
-            <a:endParaRPr lang="en-GB" dirty="0"/>
-          </a:p>
-          <a:p>
-            <a:pPr>
-              <a:buFontTx/>
-              <a:buChar char="-"/>
-            </a:pPr>
-            <a:r>
-              <a:rPr lang="en-GB" dirty="0"/>
-              <a:t>El </a:t>
-            </a:r>
-            <a:r>
-              <a:rPr lang="en-GB" dirty="0" err="1"/>
-              <a:t>arreglo</a:t>
-            </a:r>
-            <a:r>
-              <a:rPr lang="en-GB" dirty="0"/>
-              <a:t> de coins se </a:t>
-            </a:r>
-            <a:r>
-              <a:rPr lang="en-GB" dirty="0" err="1"/>
-              <a:t>puede</a:t>
-            </a:r>
-            <a:r>
-              <a:rPr lang="en-GB" dirty="0"/>
-              <a:t> usar sin </a:t>
-            </a:r>
-            <a:r>
-              <a:rPr lang="en-GB" dirty="0" err="1"/>
-              <a:t>enviarlo</a:t>
-            </a:r>
-            <a:endParaRPr lang="en-GB" dirty="0"/>
-          </a:p>
-          <a:p>
-            <a:pPr>
-              <a:buFontTx/>
-              <a:buChar char="-"/>
-            </a:pPr>
-            <a:r>
-              <a:rPr lang="en-GB" dirty="0"/>
-              <a:t>Casos base?</a:t>
-            </a:r>
-          </a:p>
-          <a:p>
-            <a:pPr>
-              <a:buFontTx/>
-              <a:buChar char="-"/>
-            </a:pPr>
-            <a:r>
-              <a:rPr lang="en-GB" dirty="0"/>
-              <a:t>Casos </a:t>
-            </a:r>
-            <a:r>
-              <a:rPr lang="en-GB" dirty="0" err="1"/>
-              <a:t>recursivos</a:t>
-            </a:r>
-            <a:r>
-              <a:rPr lang="en-GB" dirty="0"/>
-              <a:t>?</a:t>
-            </a:r>
-          </a:p>
-          <a:p>
-            <a:pPr>
-              <a:buFontTx/>
-              <a:buChar char="-"/>
-            </a:pPr>
-            <a:endParaRPr lang="en-GB" dirty="0"/>
-          </a:p>
-          <a:p>
-            <a:pPr marL="0" indent="0">
-              <a:buNone/>
-            </a:pPr>
-            <a:r>
-              <a:rPr lang="en-GB" dirty="0"/>
-              <a:t>f(x) -&gt; Que </a:t>
-            </a:r>
-            <a:r>
-              <a:rPr lang="en-GB" dirty="0" err="1"/>
-              <a:t>pasa</a:t>
-            </a:r>
-            <a:r>
-              <a:rPr lang="en-GB" dirty="0"/>
-              <a:t> </a:t>
-            </a:r>
-            <a:r>
-              <a:rPr lang="en-GB" dirty="0" err="1"/>
-              <a:t>si</a:t>
-            </a:r>
-            <a:r>
-              <a:rPr lang="en-GB" dirty="0"/>
-              <a:t> </a:t>
-            </a:r>
-            <a:r>
-              <a:rPr lang="en-GB" dirty="0" err="1"/>
-              <a:t>intento</a:t>
-            </a:r>
-            <a:r>
-              <a:rPr lang="en-GB" dirty="0"/>
-              <a:t> con un x</a:t>
-            </a:r>
-          </a:p>
-          <a:p>
-            <a:pPr marL="0" indent="0">
-              <a:buNone/>
-            </a:pPr>
-            <a:endParaRPr lang="en-GB" dirty="0"/>
-          </a:p>
-          <a:p>
-            <a:pPr marL="0" indent="0">
-              <a:buNone/>
-            </a:pPr>
-            <a:r>
-              <a:rPr lang="en-GB" dirty="0"/>
-              <a:t>x-coin[</a:t>
-            </a:r>
-            <a:r>
-              <a:rPr lang="en-GB" dirty="0" err="1"/>
-              <a:t>i</a:t>
-            </a:r>
-            <a:r>
-              <a:rPr lang="en-GB" dirty="0"/>
-              <a:t>] </a:t>
-            </a:r>
-          </a:p>
-        </p:txBody>
-      </p:sp>
-    </p:spTree>
-    <p:extLst>
-      <p:ext uri="{BB962C8B-B14F-4D97-AF65-F5344CB8AC3E}">
-        <p14:creationId xmlns:p14="http://schemas.microsoft.com/office/powerpoint/2010/main" val="3959868154"/>
-      </p:ext>
-    </p:extLst>
-  </p:cSld>
-  <p:clrMapOvr>
-    <a:masterClrMapping/>
-  </p:clrMapOvr>
-</p:sld>
-</file>
-
-<file path=ppt/slides/slide24.xml><?xml version="1.0" encoding="utf-8"?>
-<p:sld xmlns:a="http://schemas.openxmlformats.org/drawingml/2006/main" xmlns:r="http://schemas.openxmlformats.org/officeDocument/2006/relationships" xmlns:p="http://schemas.openxmlformats.org/presentationml/2006/main">
-  <p:cSld>
-    <p:spTree>
-      <p:nvGrpSpPr>
-        <p:cNvPr id="1" name=""/>
-        <p:cNvGrpSpPr/>
-        <p:nvPr/>
-      </p:nvGrpSpPr>
-      <p:grpSpPr>
-        <a:xfrm>
-          <a:off x="0" y="0"/>
-          <a:ext cx="0" cy="0"/>
-          <a:chOff x="0" y="0"/>
-          <a:chExt cx="0" cy="0"/>
-        </a:xfrm>
-      </p:grpSpPr>
-      <p:sp>
-        <p:nvSpPr>
-          <p:cNvPr id="2" name="Title 1">
-            <a:extLst>
-              <a:ext uri="{FF2B5EF4-FFF2-40B4-BE49-F238E27FC236}">
-                <a16:creationId xmlns:a16="http://schemas.microsoft.com/office/drawing/2014/main" id="{FE15285C-C8F4-4C93-935E-B607342419B7}"/>
-              </a:ext>
-            </a:extLst>
-          </p:cNvPr>
-          <p:cNvSpPr>
-            <a:spLocks noGrp="1"/>
-          </p:cNvSpPr>
-          <p:nvPr>
-            <p:ph type="title"/>
-          </p:nvPr>
-        </p:nvSpPr>
-        <p:spPr/>
-        <p:txBody>
-          <a:bodyPr/>
-          <a:lstStyle/>
-          <a:p>
-            <a:r>
-              <a:rPr lang="en-GB" dirty="0"/>
-              <a:t>Coin change</a:t>
-            </a:r>
-          </a:p>
-        </p:txBody>
-      </p:sp>
-      <mc:AlternateContent xmlns:mc="http://schemas.openxmlformats.org/markup-compatibility/2006">
-        <mc:Choice xmlns:a14="http://schemas.microsoft.com/office/drawing/2010/main" Requires="a14">
+      <mc:AlternateContent xmlns:mc="http://schemas.openxmlformats.org/markup-compatibility/2006" xmlns:a14="http://schemas.microsoft.com/office/drawing/2010/main">
+        <mc:Choice Requires="a14">
           <p:sp>
             <p:nvSpPr>
               <p:cNvPr id="3" name="Content Placeholder 2">
@@ -8034,7 +7833,7 @@
             </p:txBody>
           </p:sp>
         </mc:Choice>
-        <mc:Fallback>
+        <mc:Fallback xmlns="">
           <p:sp>
             <p:nvSpPr>
               <p:cNvPr id="3" name="Content Placeholder 2">
@@ -8078,8 +7877,8 @@
           </p:sp>
         </mc:Fallback>
       </mc:AlternateContent>
-      <mc:AlternateContent xmlns:mc="http://schemas.openxmlformats.org/markup-compatibility/2006">
-        <mc:Choice xmlns:p14="http://schemas.microsoft.com/office/powerpoint/2010/main" Requires="p14">
+      <mc:AlternateContent xmlns:mc="http://schemas.openxmlformats.org/markup-compatibility/2006" xmlns:p14="http://schemas.microsoft.com/office/powerpoint/2010/main">
+        <mc:Choice Requires="p14">
           <p:contentPart p14:bwMode="auto" r:id="rId3">
             <p14:nvContentPartPr>
               <p14:cNvPr id="4" name="Ink 3">
@@ -8098,7 +7897,7 @@
             </p14:xfrm>
           </p:contentPart>
         </mc:Choice>
-        <mc:Fallback>
+        <mc:Fallback xmlns="">
           <p:pic>
             <p:nvPicPr>
               <p:cNvPr id="4" name="Ink 3">
@@ -8142,6 +7941,178 @@
 </p:sld>
 </file>
 
+<file path=ppt/slides/slide24.xml><?xml version="1.0" encoding="utf-8"?>
+<p:sld xmlns:a="http://schemas.openxmlformats.org/drawingml/2006/main" xmlns:r="http://schemas.openxmlformats.org/officeDocument/2006/relationships" xmlns:p="http://schemas.openxmlformats.org/presentationml/2006/main">
+  <p:cSld>
+    <p:spTree>
+      <p:nvGrpSpPr>
+        <p:cNvPr id="1" name=""/>
+        <p:cNvGrpSpPr/>
+        <p:nvPr/>
+      </p:nvGrpSpPr>
+      <p:grpSpPr>
+        <a:xfrm>
+          <a:off x="0" y="0"/>
+          <a:ext cx="0" cy="0"/>
+          <a:chOff x="0" y="0"/>
+          <a:chExt cx="0" cy="0"/>
+        </a:xfrm>
+      </p:grpSpPr>
+      <p:sp>
+        <p:nvSpPr>
+          <p:cNvPr id="2" name="Title 1">
+            <a:extLst>
+              <a:ext uri="{FF2B5EF4-FFF2-40B4-BE49-F238E27FC236}">
+                <a16:creationId xmlns:a16="http://schemas.microsoft.com/office/drawing/2014/main" id="{FE15285C-C8F4-4C93-935E-B607342419B7}"/>
+              </a:ext>
+            </a:extLst>
+          </p:cNvPr>
+          <p:cNvSpPr>
+            <a:spLocks noGrp="1"/>
+          </p:cNvSpPr>
+          <p:nvPr>
+            <p:ph type="title"/>
+          </p:nvPr>
+        </p:nvSpPr>
+        <p:spPr/>
+        <p:txBody>
+          <a:bodyPr/>
+          <a:lstStyle/>
+          <a:p>
+            <a:r>
+              <a:rPr lang="en-GB" dirty="0"/>
+              <a:t>Coin change</a:t>
+            </a:r>
+          </a:p>
+        </p:txBody>
+      </p:sp>
+      <p:sp>
+        <p:nvSpPr>
+          <p:cNvPr id="3" name="Content Placeholder 2">
+            <a:extLst>
+              <a:ext uri="{FF2B5EF4-FFF2-40B4-BE49-F238E27FC236}">
+                <a16:creationId xmlns:a16="http://schemas.microsoft.com/office/drawing/2014/main" id="{6D3CB94B-BDC3-40E0-B966-05A4C653F66C}"/>
+              </a:ext>
+            </a:extLst>
+          </p:cNvPr>
+          <p:cNvSpPr>
+            <a:spLocks noGrp="1"/>
+          </p:cNvSpPr>
+          <p:nvPr>
+            <p:ph idx="1"/>
+          </p:nvPr>
+        </p:nvSpPr>
+        <p:spPr>
+          <a:xfrm>
+            <a:off x="470452" y="1600200"/>
+            <a:ext cx="8229600" cy="4525963"/>
+          </a:xfrm>
+        </p:spPr>
+        <p:txBody>
+          <a:bodyPr/>
+          <a:lstStyle/>
+          <a:p>
+            <a:pPr marL="0" indent="0">
+              <a:buNone/>
+            </a:pPr>
+            <a:r>
+              <a:rPr lang="en-GB" dirty="0"/>
+              <a:t>Para </a:t>
+            </a:r>
+            <a:r>
+              <a:rPr lang="en-GB" dirty="0" err="1"/>
+              <a:t>cada</a:t>
+            </a:r>
+            <a:r>
+              <a:rPr lang="en-GB" dirty="0"/>
+              <a:t> </a:t>
+            </a:r>
+            <a:r>
+              <a:rPr lang="en-GB" dirty="0" err="1"/>
+              <a:t>estado</a:t>
+            </a:r>
+            <a:r>
+              <a:rPr lang="en-GB" dirty="0"/>
+              <a:t> </a:t>
+            </a:r>
+            <a:r>
+              <a:rPr lang="en-GB" dirty="0" err="1"/>
+              <a:t>está</a:t>
+            </a:r>
+            <a:r>
+              <a:rPr lang="en-GB" dirty="0"/>
+              <a:t> </a:t>
+            </a:r>
+            <a:r>
+              <a:rPr lang="en-GB" dirty="0" err="1"/>
+              <a:t>iterando</a:t>
+            </a:r>
+            <a:r>
+              <a:rPr lang="en-GB" dirty="0"/>
+              <a:t> O(</a:t>
+            </a:r>
+            <a:r>
+              <a:rPr lang="en-GB" dirty="0" err="1"/>
+              <a:t>nx</a:t>
+            </a:r>
+            <a:r>
+              <a:rPr lang="en-GB" dirty="0"/>
+              <a:t>) </a:t>
+            </a:r>
+            <a:r>
+              <a:rPr lang="en-GB" dirty="0" err="1"/>
+              <a:t>veces</a:t>
+            </a:r>
+            <a:r>
+              <a:rPr lang="en-GB" dirty="0"/>
+              <a:t> </a:t>
+            </a:r>
+            <a:r>
+              <a:rPr lang="en-GB" b="1" dirty="0" err="1"/>
+              <a:t>si</a:t>
+            </a:r>
+            <a:r>
+              <a:rPr lang="en-GB" b="1" dirty="0"/>
+              <a:t> se </a:t>
+            </a:r>
+            <a:r>
+              <a:rPr lang="en-GB" b="1" dirty="0" err="1"/>
+              <a:t>memorizara</a:t>
+            </a:r>
+            <a:r>
+              <a:rPr lang="en-GB" b="1" dirty="0"/>
+              <a:t> la </a:t>
+            </a:r>
+            <a:r>
+              <a:rPr lang="en-GB" b="1" dirty="0" err="1"/>
+              <a:t>respuesta</a:t>
+            </a:r>
+            <a:r>
+              <a:rPr lang="en-GB" b="1" dirty="0"/>
+              <a:t>.</a:t>
+            </a:r>
+          </a:p>
+          <a:p>
+            <a:pPr marL="0" indent="0">
+              <a:buNone/>
+            </a:pPr>
+            <a:endParaRPr lang="en-GB" dirty="0"/>
+          </a:p>
+        </p:txBody>
+      </p:sp>
+    </p:spTree>
+    <p:extLst>
+      <p:ext uri="{BB962C8B-B14F-4D97-AF65-F5344CB8AC3E}">
+        <p14:creationId xmlns:p14="http://schemas.microsoft.com/office/powerpoint/2010/main" val="1644034709"/>
+      </p:ext>
+    </p:extLst>
+  </p:cSld>
+  <p:clrMapOvr>
+    <a:masterClrMapping/>
+  </p:clrMapOvr>
+</p:sld>
+</file>
+
 <file path=ppt/slides/slide25.xml><?xml version="1.0" encoding="utf-8"?>
 <p:sld xmlns:a="http://schemas.openxmlformats.org/drawingml/2006/main" xmlns:r="http://schemas.openxmlformats.org/officeDocument/2006/relationships" xmlns:p="http://schemas.openxmlformats.org/presentationml/2006/main">
   <p:cSld>
@@ -8164,7 +8135,7 @@
           <p:cNvPr id="2" name="Title 1">
             <a:extLst>
               <a:ext uri="{FF2B5EF4-FFF2-40B4-BE49-F238E27FC236}">
-                <a16:creationId xmlns:a16="http://schemas.microsoft.com/office/drawing/2014/main" id="{FE15285C-C8F4-4C93-935E-B607342419B7}"/>
+                <a16:creationId xmlns:a16="http://schemas.microsoft.com/office/drawing/2014/main" id="{6738258B-F269-483C-B417-F5B5527CA9DC}"/>
               </a:ext>
             </a:extLst>
           </p:cNvPr>
@@ -8181,9 +8152,10 @@
           <a:lstStyle/>
           <a:p>
             <a:r>
-              <a:rPr lang="en-GB" dirty="0"/>
-              <a:t>Coin change</a:t>
-            </a:r>
+              <a:rPr lang="es-CO" dirty="0"/>
+              <a:t>Se podría pensar de otra forma:</a:t>
+            </a:r>
+            <a:endParaRPr lang="en-GB" dirty="0"/>
           </a:p>
         </p:txBody>
       </p:sp>
@@ -8192,7 +8164,7 @@
           <p:cNvPr id="3" name="Content Placeholder 2">
             <a:extLst>
               <a:ext uri="{FF2B5EF4-FFF2-40B4-BE49-F238E27FC236}">
-                <a16:creationId xmlns:a16="http://schemas.microsoft.com/office/drawing/2014/main" id="{6D3CB94B-BDC3-40E0-B966-05A4C653F66C}"/>
+                <a16:creationId xmlns:a16="http://schemas.microsoft.com/office/drawing/2014/main" id="{CD17F822-51FB-4AE5-A7CE-7DE40A2CBB5F}"/>
               </a:ext>
             </a:extLst>
           </p:cNvPr>
@@ -8203,26 +8175,25 @@
             <p:ph idx="1"/>
           </p:nvPr>
         </p:nvSpPr>
-        <p:spPr>
-          <a:xfrm>
-            <a:off x="470452" y="1600200"/>
-            <a:ext cx="8229600" cy="4525963"/>
-          </a:xfrm>
-        </p:spPr>
+        <p:spPr/>
         <p:txBody>
           <a:bodyPr/>
           <a:lstStyle/>
           <a:p>
-            <a:pPr marL="0" indent="0">
-              <a:buNone/>
-            </a:pPr>
+            <a:r>
+              <a:rPr lang="es-CO" dirty="0"/>
+              <a:t>No importa el orden en el que use las monedas.</a:t>
+            </a:r>
+            <a:endParaRPr lang="en-GB" dirty="0"/>
+          </a:p>
+          <a:p>
             <a:r>
               <a:rPr lang="en-GB" dirty="0"/>
-              <a:t>Para </a:t>
+              <a:t>Se </a:t>
             </a:r>
             <a:r>
               <a:rPr lang="en-GB" dirty="0" err="1"/>
-              <a:t>cada</a:t>
+              <a:t>puede</a:t>
             </a:r>
             <a:r>
               <a:rPr lang="en-GB" dirty="0"/>
@@ -8230,7 +8201,69 @@
             </a:r>
             <a:r>
               <a:rPr lang="en-GB" dirty="0" err="1"/>
+              <a:t>definir</a:t>
+            </a:r>
+            <a:r>
+              <a:rPr lang="en-GB" dirty="0"/>
+              <a:t> un nuevo </a:t>
+            </a:r>
+            <a:r>
+              <a:rPr lang="en-GB" dirty="0" err="1"/>
               <a:t>estado</a:t>
+            </a:r>
+            <a:r>
+              <a:rPr lang="en-GB" dirty="0"/>
+              <a:t>: </a:t>
+            </a:r>
+          </a:p>
+          <a:p>
+            <a:r>
+              <a:rPr lang="en-GB" dirty="0"/>
+              <a:t>f(</a:t>
+            </a:r>
+            <a:r>
+              <a:rPr lang="en-GB" dirty="0" err="1"/>
+              <a:t>x,i</a:t>
+            </a:r>
+            <a:r>
+              <a:rPr lang="en-GB" dirty="0"/>
+              <a:t>) = </a:t>
+            </a:r>
+            <a:r>
+              <a:rPr lang="en-GB" dirty="0" err="1"/>
+              <a:t>mínimo</a:t>
+            </a:r>
+            <a:r>
+              <a:rPr lang="en-GB" dirty="0"/>
+              <a:t> para </a:t>
+            </a:r>
+            <a:r>
+              <a:rPr lang="en-GB" dirty="0" err="1"/>
+              <a:t>cambiar</a:t>
+            </a:r>
+            <a:r>
+              <a:rPr lang="en-GB" dirty="0"/>
+              <a:t> x </a:t>
+            </a:r>
+            <a:r>
+              <a:rPr lang="en-GB" dirty="0" err="1"/>
+              <a:t>si</a:t>
+            </a:r>
+            <a:r>
+              <a:rPr lang="en-GB" dirty="0"/>
+              <a:t> solo se </a:t>
+            </a:r>
+            <a:r>
+              <a:rPr lang="en-GB" dirty="0" err="1"/>
+              <a:t>pueden</a:t>
+            </a:r>
+            <a:r>
+              <a:rPr lang="en-GB" dirty="0"/>
+              <a:t> usar </a:t>
+            </a:r>
+            <a:r>
+              <a:rPr lang="en-GB" dirty="0" err="1"/>
+              <a:t>monedas</a:t>
             </a:r>
             <a:r>
               <a:rPr lang="en-GB" dirty="0"/>
@@ -8238,65 +8271,16 @@
             </a:r>
             <a:r>
               <a:rPr lang="en-GB" dirty="0" err="1"/>
-              <a:t>está</a:t>
+              <a:t>desde</a:t>
             </a:r>
             <a:r>
               <a:rPr lang="en-GB" dirty="0"/>
-              <a:t> </a:t>
+              <a:t> la cero a la </a:t>
             </a:r>
             <a:r>
               <a:rPr lang="en-GB" dirty="0" err="1"/>
-              <a:t>iterando</a:t>
-            </a:r>
-            <a:r>
-              <a:rPr lang="en-GB" dirty="0"/>
-              <a:t> O(</a:t>
-            </a:r>
-            <a:r>
-              <a:rPr lang="en-GB" dirty="0" err="1"/>
-              <a:t>nx</a:t>
-            </a:r>
-            <a:r>
-              <a:rPr lang="en-GB" dirty="0"/>
-              <a:t>) </a:t>
-            </a:r>
-            <a:r>
-              <a:rPr lang="en-GB" dirty="0" err="1"/>
-              <a:t>veces</a:t>
-            </a:r>
-            <a:r>
-              <a:rPr lang="en-GB" dirty="0"/>
-              <a:t> </a:t>
-            </a:r>
-            <a:r>
-              <a:rPr lang="en-GB" b="1" dirty="0" err="1"/>
-              <a:t>si</a:t>
-            </a:r>
-            <a:r>
-              <a:rPr lang="en-GB" b="1" dirty="0"/>
-              <a:t> se </a:t>
-            </a:r>
-            <a:r>
-              <a:rPr lang="en-GB" b="1" dirty="0" err="1"/>
-              <a:t>memorizara</a:t>
-            </a:r>
-            <a:r>
-              <a:rPr lang="en-GB" b="1" dirty="0"/>
-              <a:t> la </a:t>
-            </a:r>
-            <a:r>
-              <a:rPr lang="en-GB" b="1" dirty="0" err="1"/>
-              <a:t>respuesta</a:t>
-            </a:r>
-            <a:r>
-              <a:rPr lang="en-GB" b="1" dirty="0"/>
-              <a:t>.</a:t>
-            </a:r>
-          </a:p>
-          <a:p>
-            <a:pPr marL="0" indent="0">
-              <a:buNone/>
-            </a:pPr>
+              <a:t>i</a:t>
+            </a:r>
             <a:endParaRPr lang="en-GB" dirty="0"/>
           </a:p>
         </p:txBody>
@@ -8304,7 +8288,7 @@
     </p:spTree>
     <p:extLst>
       <p:ext uri="{BB962C8B-B14F-4D97-AF65-F5344CB8AC3E}">
-        <p14:creationId xmlns:p14="http://schemas.microsoft.com/office/powerpoint/2010/main" val="1644034709"/>
+        <p14:creationId xmlns:p14="http://schemas.microsoft.com/office/powerpoint/2010/main" val="120508801"/>
       </p:ext>
     </p:extLst>
   </p:cSld>
@@ -8336,191 +8320,6 @@
           <p:cNvPr id="2" name="Title 1">
             <a:extLst>
               <a:ext uri="{FF2B5EF4-FFF2-40B4-BE49-F238E27FC236}">
-                <a16:creationId xmlns:a16="http://schemas.microsoft.com/office/drawing/2014/main" id="{6738258B-F269-483C-B417-F5B5527CA9DC}"/>
-              </a:ext>
-            </a:extLst>
-          </p:cNvPr>
-          <p:cNvSpPr>
-            <a:spLocks noGrp="1"/>
-          </p:cNvSpPr>
-          <p:nvPr>
-            <p:ph type="title"/>
-          </p:nvPr>
-        </p:nvSpPr>
-        <p:spPr/>
-        <p:txBody>
-          <a:bodyPr/>
-          <a:lstStyle/>
-          <a:p>
-            <a:r>
-              <a:rPr lang="es-CO" dirty="0"/>
-              <a:t>Se podría pensar de otra forma:</a:t>
-            </a:r>
-            <a:endParaRPr lang="en-GB" dirty="0"/>
-          </a:p>
-        </p:txBody>
-      </p:sp>
-      <p:sp>
-        <p:nvSpPr>
-          <p:cNvPr id="3" name="Content Placeholder 2">
-            <a:extLst>
-              <a:ext uri="{FF2B5EF4-FFF2-40B4-BE49-F238E27FC236}">
-                <a16:creationId xmlns:a16="http://schemas.microsoft.com/office/drawing/2014/main" id="{CD17F822-51FB-4AE5-A7CE-7DE40A2CBB5F}"/>
-              </a:ext>
-            </a:extLst>
-          </p:cNvPr>
-          <p:cNvSpPr>
-            <a:spLocks noGrp="1"/>
-          </p:cNvSpPr>
-          <p:nvPr>
-            <p:ph idx="1"/>
-          </p:nvPr>
-        </p:nvSpPr>
-        <p:spPr/>
-        <p:txBody>
-          <a:bodyPr/>
-          <a:lstStyle/>
-          <a:p>
-            <a:r>
-              <a:rPr lang="es-CO" dirty="0"/>
-              <a:t>No importa el orden en el que use las monedas.</a:t>
-            </a:r>
-            <a:endParaRPr lang="en-GB" dirty="0"/>
-          </a:p>
-          <a:p>
-            <a:r>
-              <a:rPr lang="en-GB" dirty="0"/>
-              <a:t>Se </a:t>
-            </a:r>
-            <a:r>
-              <a:rPr lang="en-GB" dirty="0" err="1"/>
-              <a:t>puede</a:t>
-            </a:r>
-            <a:r>
-              <a:rPr lang="en-GB" dirty="0"/>
-              <a:t> </a:t>
-            </a:r>
-            <a:r>
-              <a:rPr lang="en-GB" dirty="0" err="1"/>
-              <a:t>definir</a:t>
-            </a:r>
-            <a:r>
-              <a:rPr lang="en-GB" dirty="0"/>
-              <a:t> un nuevo </a:t>
-            </a:r>
-            <a:r>
-              <a:rPr lang="en-GB" dirty="0" err="1"/>
-              <a:t>estado</a:t>
-            </a:r>
-            <a:r>
-              <a:rPr lang="en-GB" dirty="0"/>
-              <a:t>: </a:t>
-            </a:r>
-          </a:p>
-          <a:p>
-            <a:r>
-              <a:rPr lang="en-GB" dirty="0"/>
-              <a:t>f(</a:t>
-            </a:r>
-            <a:r>
-              <a:rPr lang="en-GB" dirty="0" err="1"/>
-              <a:t>x,i</a:t>
-            </a:r>
-            <a:r>
-              <a:rPr lang="en-GB" dirty="0"/>
-              <a:t>) = </a:t>
-            </a:r>
-            <a:r>
-              <a:rPr lang="en-GB" dirty="0" err="1"/>
-              <a:t>mínimo</a:t>
-            </a:r>
-            <a:r>
-              <a:rPr lang="en-GB" dirty="0"/>
-              <a:t> para </a:t>
-            </a:r>
-            <a:r>
-              <a:rPr lang="en-GB" dirty="0" err="1"/>
-              <a:t>cambiar</a:t>
-            </a:r>
-            <a:r>
-              <a:rPr lang="en-GB" dirty="0"/>
-              <a:t> x </a:t>
-            </a:r>
-            <a:r>
-              <a:rPr lang="en-GB" dirty="0" err="1"/>
-              <a:t>si</a:t>
-            </a:r>
-            <a:r>
-              <a:rPr lang="en-GB" dirty="0"/>
-              <a:t> solo se </a:t>
-            </a:r>
-            <a:r>
-              <a:rPr lang="en-GB" dirty="0" err="1"/>
-              <a:t>pueden</a:t>
-            </a:r>
-            <a:r>
-              <a:rPr lang="en-GB" dirty="0"/>
-              <a:t> usar </a:t>
-            </a:r>
-            <a:r>
-              <a:rPr lang="en-GB" dirty="0" err="1"/>
-              <a:t>monedas</a:t>
-            </a:r>
-            <a:r>
-              <a:rPr lang="en-GB" dirty="0"/>
-              <a:t> </a:t>
-            </a:r>
-            <a:r>
-              <a:rPr lang="en-GB" dirty="0" err="1"/>
-              <a:t>desde</a:t>
-            </a:r>
-            <a:r>
-              <a:rPr lang="en-GB" dirty="0"/>
-              <a:t> la cero a la </a:t>
-            </a:r>
-            <a:r>
-              <a:rPr lang="en-GB" dirty="0" err="1"/>
-              <a:t>i</a:t>
-            </a:r>
-            <a:endParaRPr lang="en-GB" dirty="0"/>
-          </a:p>
-        </p:txBody>
-      </p:sp>
-    </p:spTree>
-    <p:extLst>
-      <p:ext uri="{BB962C8B-B14F-4D97-AF65-F5344CB8AC3E}">
-        <p14:creationId xmlns:p14="http://schemas.microsoft.com/office/powerpoint/2010/main" val="120508801"/>
-      </p:ext>
-    </p:extLst>
-  </p:cSld>
-  <p:clrMapOvr>
-    <a:masterClrMapping/>
-  </p:clrMapOvr>
-</p:sld>
-</file>
-
-<file path=ppt/slides/slide27.xml><?xml version="1.0" encoding="utf-8"?>
-<p:sld xmlns:a="http://schemas.openxmlformats.org/drawingml/2006/main" xmlns:r="http://schemas.openxmlformats.org/officeDocument/2006/relationships" xmlns:p="http://schemas.openxmlformats.org/presentationml/2006/main">
-  <p:cSld>
-    <p:spTree>
-      <p:nvGrpSpPr>
-        <p:cNvPr id="1" name=""/>
-        <p:cNvGrpSpPr/>
-        <p:nvPr/>
-      </p:nvGrpSpPr>
-      <p:grpSpPr>
-        <a:xfrm>
-          <a:off x="0" y="0"/>
-          <a:ext cx="0" cy="0"/>
-          <a:chOff x="0" y="0"/>
-          <a:chExt cx="0" cy="0"/>
-        </a:xfrm>
-      </p:grpSpPr>
-      <p:sp>
-        <p:nvSpPr>
-          <p:cNvPr id="2" name="Title 1">
-            <a:extLst>
-              <a:ext uri="{FF2B5EF4-FFF2-40B4-BE49-F238E27FC236}">
                 <a16:creationId xmlns:a16="http://schemas.microsoft.com/office/drawing/2014/main" id="{FE15285C-C8F4-4C93-935E-B607342419B7}"/>
               </a:ext>
             </a:extLst>
@@ -8544,8 +8343,8 @@
           </a:p>
         </p:txBody>
       </p:sp>
-      <mc:AlternateContent xmlns:mc="http://schemas.openxmlformats.org/markup-compatibility/2006">
-        <mc:Choice xmlns:a14="http://schemas.microsoft.com/office/drawing/2010/main" Requires="a14">
+      <mc:AlternateContent xmlns:mc="http://schemas.openxmlformats.org/markup-compatibility/2006" xmlns:a14="http://schemas.microsoft.com/office/drawing/2010/main">
+        <mc:Choice Requires="a14">
           <p:sp>
             <p:nvSpPr>
               <p:cNvPr id="3" name="Content Placeholder 2">
@@ -9043,7 +8842,7 @@
             </p:txBody>
           </p:sp>
         </mc:Choice>
-        <mc:Fallback>
+        <mc:Fallback xmlns="">
           <p:sp>
             <p:nvSpPr>
               <p:cNvPr id="3" name="Content Placeholder 2">
@@ -9087,8 +8886,8 @@
           </p:sp>
         </mc:Fallback>
       </mc:AlternateContent>
-      <mc:AlternateContent xmlns:mc="http://schemas.openxmlformats.org/markup-compatibility/2006">
-        <mc:Choice xmlns:p14="http://schemas.microsoft.com/office/powerpoint/2010/main" Requires="p14">
+      <mc:AlternateContent xmlns:mc="http://schemas.openxmlformats.org/markup-compatibility/2006" xmlns:p14="http://schemas.microsoft.com/office/powerpoint/2010/main">
+        <mc:Choice Requires="p14">
           <p:contentPart p14:bwMode="auto" r:id="rId3">
             <p14:nvContentPartPr>
               <p14:cNvPr id="5" name="Ink 4">
@@ -9107,7 +8906,7 @@
             </p14:xfrm>
           </p:contentPart>
         </mc:Choice>
-        <mc:Fallback>
+        <mc:Fallback xmlns="">
           <p:pic>
             <p:nvPicPr>
               <p:cNvPr id="5" name="Ink 4">
@@ -9151,7 +8950,7 @@
 </p:sld>
 </file>
 
-<file path=ppt/slides/slide28.xml><?xml version="1.0" encoding="utf-8"?>
+<file path=ppt/slides/slide27.xml><?xml version="1.0" encoding="utf-8"?>
 <p:sld xmlns:a="http://schemas.openxmlformats.org/drawingml/2006/main" xmlns:r="http://schemas.openxmlformats.org/officeDocument/2006/relationships" xmlns:p="http://schemas.openxmlformats.org/presentationml/2006/main">
   <p:cSld>
     <p:spTree>
